--- a/DIA_1/Medidas_descriptivas.pptx
+++ b/DIA_1/Medidas_descriptivas.pptx
@@ -8,10 +8,10 @@
     <p:sldMasterId id="2147483668" r:id="rId7"/>
   </p:sldMasterIdLst>
   <p:notesMasterIdLst>
-    <p:notesMasterId r:id="rId17"/>
+    <p:notesMasterId r:id="rId22"/>
   </p:notesMasterIdLst>
   <p:handoutMasterIdLst>
-    <p:handoutMasterId r:id="rId18"/>
+    <p:handoutMasterId r:id="rId23"/>
   </p:handoutMasterIdLst>
   <p:sldIdLst>
     <p:sldId id="262" r:id="rId8"/>
@@ -21,8 +21,13 @@
     <p:sldId id="272" r:id="rId12"/>
     <p:sldId id="273" r:id="rId13"/>
     <p:sldId id="274" r:id="rId14"/>
-    <p:sldId id="269" r:id="rId15"/>
-    <p:sldId id="258" r:id="rId16"/>
+    <p:sldId id="275" r:id="rId15"/>
+    <p:sldId id="276" r:id="rId16"/>
+    <p:sldId id="277" r:id="rId17"/>
+    <p:sldId id="278" r:id="rId18"/>
+    <p:sldId id="279" r:id="rId19"/>
+    <p:sldId id="280" r:id="rId20"/>
+    <p:sldId id="258" r:id="rId21"/>
   </p:sldIdLst>
   <p:sldSz cx="12192000" cy="6858000"/>
   <p:notesSz cx="6858000" cy="9144000"/>
@@ -268,7 +273,7 @@
               <a:pPr>
                 <a:defRPr/>
               </a:pPr>
-              <a:t>14/06/2018</a:t>
+              <a:t>15/06/2018</a:t>
             </a:fld>
             <a:endParaRPr lang="es-CO"/>
           </a:p>
@@ -458,7 +463,7 @@
               <a:pPr>
                 <a:defRPr/>
               </a:pPr>
-              <a:t>14/06/2018</a:t>
+              <a:t>15/06/2018</a:t>
             </a:fld>
             <a:endParaRPr lang="es-CO"/>
           </a:p>
@@ -814,70 +819,6 @@
           <a:bodyPr/>
           <a:lstStyle/>
           <a:p>
-            <a:r>
-              <a:rPr lang="en-US" dirty="0" smtClean="0"/>
-              <a:t>Trees</a:t>
-            </a:r>
-            <a:r>
-              <a:rPr lang="en-US" baseline="0" dirty="0" smtClean="0"/>
-              <a:t> </a:t>
-            </a:r>
-            <a:r>
-              <a:rPr lang="en-US" baseline="0" dirty="0" err="1" smtClean="0"/>
-              <a:t>es</a:t>
-            </a:r>
-            <a:r>
-              <a:rPr lang="en-US" baseline="0" dirty="0" smtClean="0"/>
-              <a:t> </a:t>
-            </a:r>
-            <a:r>
-              <a:rPr lang="en-US" baseline="0" dirty="0" err="1" smtClean="0"/>
-              <a:t>una</a:t>
-            </a:r>
-            <a:r>
-              <a:rPr lang="en-US" baseline="0" dirty="0" smtClean="0"/>
-              <a:t> base de </a:t>
-            </a:r>
-            <a:r>
-              <a:rPr lang="en-US" baseline="0" dirty="0" err="1" smtClean="0"/>
-              <a:t>datos</a:t>
-            </a:r>
-            <a:r>
-              <a:rPr lang="en-US" baseline="0" dirty="0" smtClean="0"/>
-              <a:t> de </a:t>
-            </a:r>
-            <a:r>
-              <a:rPr lang="en-US" baseline="0" dirty="0" err="1" smtClean="0"/>
-              <a:t>cereza</a:t>
-            </a:r>
-            <a:r>
-              <a:rPr lang="en-US" baseline="0" dirty="0" smtClean="0"/>
-              <a:t>. </a:t>
-            </a:r>
-            <a:r>
-              <a:rPr lang="en-US" baseline="0" dirty="0" err="1" smtClean="0"/>
-              <a:t>Circuferencia</a:t>
-            </a:r>
-            <a:r>
-              <a:rPr lang="en-US" baseline="0" dirty="0" smtClean="0"/>
-              <a:t>, </a:t>
-            </a:r>
-            <a:r>
-              <a:rPr lang="en-US" baseline="0" dirty="0" err="1" smtClean="0"/>
-              <a:t>Altura</a:t>
-            </a:r>
-            <a:r>
-              <a:rPr lang="en-US" baseline="0" dirty="0" smtClean="0"/>
-              <a:t> y </a:t>
-            </a:r>
-            <a:r>
-              <a:rPr lang="en-US" baseline="0" dirty="0" err="1" smtClean="0"/>
-              <a:t>Volumen</a:t>
-            </a:r>
-            <a:r>
-              <a:rPr lang="en-US" baseline="0" dirty="0" smtClean="0"/>
-              <a:t>.</a:t>
-            </a:r>
             <a:endParaRPr lang="es-CO" dirty="0"/>
           </a:p>
         </p:txBody>
@@ -931,7 +872,7 @@
               <a:pPr>
                 <a:defRPr/>
               </a:pPr>
-              <a:t>2</a:t>
+              <a:t>1</a:t>
             </a:fld>
             <a:endParaRPr lang="es-CO"/>
           </a:p>
@@ -940,7 +881,7 @@
     </p:spTree>
     <p:extLst>
       <p:ext uri="{BB962C8B-B14F-4D97-AF65-F5344CB8AC3E}">
-        <p14:creationId xmlns:p14="http://schemas.microsoft.com/office/powerpoint/2010/main" val="2012750219"/>
+        <p14:creationId xmlns:p14="http://schemas.microsoft.com/office/powerpoint/2010/main" val="1920670209"/>
       </p:ext>
     </p:extLst>
   </p:cSld>
@@ -994,40 +935,71 @@
           <a:bodyPr/>
           <a:lstStyle/>
           <a:p>
-            <a:pPr algn="just">
-              <a:buFontTx/>
-              <a:buNone/>
-            </a:pPr>
-            <a:r>
-              <a:rPr lang="es-ES" sz="1200" dirty="0" smtClean="0">
-                <a:latin typeface="Times New Roman" pitchFamily="18" charset="0"/>
-                <a:cs typeface="Times New Roman" pitchFamily="18" charset="0"/>
-              </a:rPr>
-              <a:t>Si sus valores (modalidades) no se pueden asociar naturalmente a un número.</a:t>
-            </a:r>
-          </a:p>
-          <a:p>
-            <a:pPr algn="just">
-              <a:buFontTx/>
-              <a:buNone/>
-            </a:pPr>
-            <a:r>
-              <a:rPr lang="es-ES" sz="1200" dirty="0" smtClean="0">
-                <a:latin typeface="Times New Roman" pitchFamily="18" charset="0"/>
-                <a:cs typeface="Times New Roman" pitchFamily="18" charset="0"/>
-              </a:rPr>
-              <a:t>No se pueden hacer operaciones algebraicas con ellos.</a:t>
-            </a:r>
-          </a:p>
-          <a:p>
-            <a:pPr algn="just">
-              <a:buFontTx/>
-              <a:buNone/>
-            </a:pPr>
-            <a:endParaRPr lang="es-ES" sz="1200" dirty="0" smtClean="0">
-              <a:latin typeface="Times New Roman" pitchFamily="18" charset="0"/>
-              <a:cs typeface="Times New Roman" pitchFamily="18" charset="0"/>
-            </a:endParaRPr>
+            <a:r>
+              <a:rPr lang="en-US" dirty="0" smtClean="0"/>
+              <a:t>Trees</a:t>
+            </a:r>
+            <a:r>
+              <a:rPr lang="en-US" baseline="0" dirty="0" smtClean="0"/>
+              <a:t> </a:t>
+            </a:r>
+            <a:r>
+              <a:rPr lang="en-US" baseline="0" dirty="0" err="1" smtClean="0"/>
+              <a:t>es</a:t>
+            </a:r>
+            <a:r>
+              <a:rPr lang="en-US" baseline="0" dirty="0" smtClean="0"/>
+              <a:t> </a:t>
+            </a:r>
+            <a:r>
+              <a:rPr lang="en-US" baseline="0" dirty="0" err="1" smtClean="0"/>
+              <a:t>una</a:t>
+            </a:r>
+            <a:r>
+              <a:rPr lang="en-US" baseline="0" dirty="0" smtClean="0"/>
+              <a:t> base de </a:t>
+            </a:r>
+            <a:r>
+              <a:rPr lang="en-US" baseline="0" dirty="0" err="1" smtClean="0"/>
+              <a:t>datos</a:t>
+            </a:r>
+            <a:r>
+              <a:rPr lang="en-US" baseline="0" dirty="0" smtClean="0"/>
+              <a:t> de </a:t>
+            </a:r>
+            <a:r>
+              <a:rPr lang="en-US" baseline="0" dirty="0" err="1" smtClean="0"/>
+              <a:t>cereza</a:t>
+            </a:r>
+            <a:r>
+              <a:rPr lang="en-US" baseline="0" dirty="0" smtClean="0"/>
+              <a:t>. </a:t>
+            </a:r>
+            <a:r>
+              <a:rPr lang="en-US" baseline="0" dirty="0" err="1" smtClean="0"/>
+              <a:t>Circuferencia</a:t>
+            </a:r>
+            <a:r>
+              <a:rPr lang="en-US" baseline="0" dirty="0" smtClean="0"/>
+              <a:t>, </a:t>
+            </a:r>
+            <a:r>
+              <a:rPr lang="en-US" baseline="0" dirty="0" err="1" smtClean="0"/>
+              <a:t>Altura</a:t>
+            </a:r>
+            <a:r>
+              <a:rPr lang="en-US" baseline="0" dirty="0" smtClean="0"/>
+              <a:t> y </a:t>
+            </a:r>
+            <a:r>
+              <a:rPr lang="en-US" baseline="0" dirty="0" err="1" smtClean="0"/>
+              <a:t>Volumen</a:t>
+            </a:r>
+            <a:r>
+              <a:rPr lang="en-US" baseline="0" dirty="0" smtClean="0"/>
+              <a:t>.</a:t>
+            </a:r>
+            <a:endParaRPr lang="es-CO" dirty="0"/>
           </a:p>
         </p:txBody>
       </p:sp>
@@ -1080,7 +1052,7 @@
               <a:pPr>
                 <a:defRPr/>
               </a:pPr>
-              <a:t>4</a:t>
+              <a:t>2</a:t>
             </a:fld>
             <a:endParaRPr lang="es-CO"/>
           </a:p>
@@ -1089,7 +1061,7 @@
     </p:spTree>
     <p:extLst>
       <p:ext uri="{BB962C8B-B14F-4D97-AF65-F5344CB8AC3E}">
-        <p14:creationId xmlns:p14="http://schemas.microsoft.com/office/powerpoint/2010/main" val="1919181263"/>
+        <p14:creationId xmlns:p14="http://schemas.microsoft.com/office/powerpoint/2010/main" val="2012750219"/>
       </p:ext>
     </p:extLst>
   </p:cSld>
@@ -1143,12 +1115,16 @@
           <a:bodyPr/>
           <a:lstStyle/>
           <a:p>
+            <a:pPr algn="just">
+              <a:buFontTx/>
+              <a:buNone/>
+            </a:pPr>
             <a:r>
               <a:rPr lang="es-ES" sz="1200" dirty="0" smtClean="0">
                 <a:latin typeface="Times New Roman" pitchFamily="18" charset="0"/>
                 <a:cs typeface="Times New Roman" pitchFamily="18" charset="0"/>
               </a:rPr>
-              <a:t>Si sus valores son numéricos.</a:t>
+              <a:t>Si sus valores (modalidades) no se pueden asociar naturalmente a un número.</a:t>
             </a:r>
           </a:p>
           <a:p>
@@ -1161,17 +1137,18 @@
                 <a:latin typeface="Times New Roman" pitchFamily="18" charset="0"/>
                 <a:cs typeface="Times New Roman" pitchFamily="18" charset="0"/>
               </a:rPr>
-              <a:t>Tiene sentido hacer operaciones algebraicas con ellos.</a:t>
-            </a:r>
-          </a:p>
-          <a:p>
+              <a:t>No se pueden hacer operaciones algebraicas con ellos.</a:t>
+            </a:r>
+          </a:p>
+          <a:p>
+            <a:pPr algn="just">
+              <a:buFontTx/>
+              <a:buNone/>
+            </a:pPr>
             <a:endParaRPr lang="es-ES" sz="1200" dirty="0" smtClean="0">
               <a:latin typeface="Times New Roman" pitchFamily="18" charset="0"/>
               <a:cs typeface="Times New Roman" pitchFamily="18" charset="0"/>
             </a:endParaRPr>
-          </a:p>
-          <a:p>
-            <a:endParaRPr lang="es-CO" dirty="0"/>
           </a:p>
         </p:txBody>
       </p:sp>
@@ -1224,7 +1201,7 @@
               <a:pPr>
                 <a:defRPr/>
               </a:pPr>
-              <a:t>5</a:t>
+              <a:t>4</a:t>
             </a:fld>
             <a:endParaRPr lang="es-CO"/>
           </a:p>
@@ -1233,7 +1210,7 @@
     </p:spTree>
     <p:extLst>
       <p:ext uri="{BB962C8B-B14F-4D97-AF65-F5344CB8AC3E}">
-        <p14:creationId xmlns:p14="http://schemas.microsoft.com/office/powerpoint/2010/main" val="2902028689"/>
+        <p14:creationId xmlns:p14="http://schemas.microsoft.com/office/powerpoint/2010/main" val="1919181263"/>
       </p:ext>
     </p:extLst>
   </p:cSld>
@@ -1287,23 +1264,6 @@
           <a:bodyPr/>
           <a:lstStyle/>
           <a:p>
-            <a:pPr marL="0" marR="0" lvl="0" indent="0" algn="l" defTabSz="914400" rtl="0" eaLnBrk="0" fontAlgn="base" latinLnBrk="0" hangingPunct="0">
-              <a:lnSpc>
-                <a:spcPct val="100000"/>
-              </a:lnSpc>
-              <a:spcBef>
-                <a:spcPct val="30000"/>
-              </a:spcBef>
-              <a:spcAft>
-                <a:spcPct val="0"/>
-              </a:spcAft>
-              <a:buClrTx/>
-              <a:buSzTx/>
-              <a:buFontTx/>
-              <a:buNone/>
-              <a:tabLst/>
-              <a:defRPr/>
-            </a:pPr>
             <a:r>
               <a:rPr lang="es-ES" sz="1200" dirty="0" smtClean="0">
                 <a:latin typeface="Times New Roman" pitchFamily="18" charset="0"/>
@@ -1322,41 +1282,10 @@
                 <a:latin typeface="Times New Roman" pitchFamily="18" charset="0"/>
                 <a:cs typeface="Times New Roman" pitchFamily="18" charset="0"/>
               </a:rPr>
-              <a:t>Tiene sentido hacer operaciones </a:t>
-            </a:r>
-            <a:r>
-              <a:rPr lang="es-ES" sz="1200" baseline="0" dirty="0" smtClean="0">
-                <a:latin typeface="Times New Roman" pitchFamily="18" charset="0"/>
-                <a:cs typeface="Times New Roman" pitchFamily="18" charset="0"/>
-              </a:rPr>
-              <a:t> </a:t>
-            </a:r>
-            <a:r>
-              <a:rPr lang="es-ES" sz="1200" dirty="0" smtClean="0">
-                <a:latin typeface="Times New Roman" pitchFamily="18" charset="0"/>
-                <a:cs typeface="Times New Roman" pitchFamily="18" charset="0"/>
-              </a:rPr>
-              <a:t>algebraicas con ellos.</a:t>
-            </a:r>
-          </a:p>
-          <a:p>
-            <a:pPr marL="0" marR="0" lvl="0" indent="0" algn="l" defTabSz="914400" rtl="0" eaLnBrk="0" fontAlgn="base" latinLnBrk="0" hangingPunct="0">
-              <a:lnSpc>
-                <a:spcPct val="100000"/>
-              </a:lnSpc>
-              <a:spcBef>
-                <a:spcPct val="30000"/>
-              </a:spcBef>
-              <a:spcAft>
-                <a:spcPct val="0"/>
-              </a:spcAft>
-              <a:buClrTx/>
-              <a:buSzTx/>
-              <a:buFontTx/>
-              <a:buNone/>
-              <a:tabLst/>
-              <a:defRPr/>
-            </a:pPr>
+              <a:t>Tiene sentido hacer operaciones algebraicas con ellos.</a:t>
+            </a:r>
+          </a:p>
+          <a:p>
             <a:endParaRPr lang="es-ES" sz="1200" dirty="0" smtClean="0">
               <a:latin typeface="Times New Roman" pitchFamily="18" charset="0"/>
               <a:cs typeface="Times New Roman" pitchFamily="18" charset="0"/>
@@ -1416,7 +1345,7 @@
               <a:pPr>
                 <a:defRPr/>
               </a:pPr>
-              <a:t>8</a:t>
+              <a:t>5</a:t>
             </a:fld>
             <a:endParaRPr lang="es-CO"/>
           </a:p>
@@ -1425,7 +1354,123 @@
     </p:spTree>
     <p:extLst>
       <p:ext uri="{BB962C8B-B14F-4D97-AF65-F5344CB8AC3E}">
-        <p14:creationId xmlns:p14="http://schemas.microsoft.com/office/powerpoint/2010/main" val="1070400407"/>
+        <p14:creationId xmlns:p14="http://schemas.microsoft.com/office/powerpoint/2010/main" val="2902028689"/>
+      </p:ext>
+    </p:extLst>
+  </p:cSld>
+  <p:clrMapOvr>
+    <a:masterClrMapping/>
+  </p:clrMapOvr>
+</p:notes>
+</file>
+
+<file path=ppt/notesSlides/notesSlide5.xml><?xml version="1.0" encoding="utf-8"?>
+<p:notes xmlns:a="http://schemas.openxmlformats.org/drawingml/2006/main" xmlns:r="http://schemas.openxmlformats.org/officeDocument/2006/relationships" xmlns:p="http://schemas.openxmlformats.org/presentationml/2006/main">
+  <p:cSld>
+    <p:spTree>
+      <p:nvGrpSpPr>
+        <p:cNvPr id="1" name=""/>
+        <p:cNvGrpSpPr/>
+        <p:nvPr/>
+      </p:nvGrpSpPr>
+      <p:grpSpPr>
+        <a:xfrm>
+          <a:off x="0" y="0"/>
+          <a:ext cx="0" cy="0"/>
+          <a:chOff x="0" y="0"/>
+          <a:chExt cx="0" cy="0"/>
+        </a:xfrm>
+      </p:grpSpPr>
+      <p:sp>
+        <p:nvSpPr>
+          <p:cNvPr id="2" name="Slide Image Placeholder 1"/>
+          <p:cNvSpPr>
+            <a:spLocks noGrp="1" noRot="1" noChangeAspect="1"/>
+          </p:cNvSpPr>
+          <p:nvPr>
+            <p:ph type="sldImg"/>
+          </p:nvPr>
+        </p:nvSpPr>
+        <p:spPr/>
+      </p:sp>
+      <p:sp>
+        <p:nvSpPr>
+          <p:cNvPr id="3" name="Notes Placeholder 2"/>
+          <p:cNvSpPr>
+            <a:spLocks noGrp="1"/>
+          </p:cNvSpPr>
+          <p:nvPr>
+            <p:ph type="body" idx="1"/>
+          </p:nvPr>
+        </p:nvSpPr>
+        <p:spPr/>
+        <p:txBody>
+          <a:bodyPr/>
+          <a:lstStyle/>
+          <a:p>
+            <a:endParaRPr lang="es-CO" dirty="0"/>
+          </a:p>
+        </p:txBody>
+      </p:sp>
+      <p:sp>
+        <p:nvSpPr>
+          <p:cNvPr id="4" name="Footer Placeholder 3"/>
+          <p:cNvSpPr>
+            <a:spLocks noGrp="1"/>
+          </p:cNvSpPr>
+          <p:nvPr>
+            <p:ph type="ftr" sz="quarter" idx="10"/>
+          </p:nvPr>
+        </p:nvSpPr>
+        <p:spPr/>
+        <p:txBody>
+          <a:bodyPr/>
+          <a:lstStyle/>
+          <a:p>
+            <a:pPr>
+              <a:defRPr/>
+            </a:pPr>
+            <a:r>
+              <a:rPr lang="es-CO" smtClean="0"/>
+              <a:t>CIAT</a:t>
+            </a:r>
+            <a:endParaRPr lang="es-CO"/>
+          </a:p>
+        </p:txBody>
+      </p:sp>
+      <p:sp>
+        <p:nvSpPr>
+          <p:cNvPr id="5" name="Slide Number Placeholder 4"/>
+          <p:cNvSpPr>
+            <a:spLocks noGrp="1"/>
+          </p:cNvSpPr>
+          <p:nvPr>
+            <p:ph type="sldNum" sz="quarter" idx="11"/>
+          </p:nvPr>
+        </p:nvSpPr>
+        <p:spPr/>
+        <p:txBody>
+          <a:bodyPr/>
+          <a:lstStyle/>
+          <a:p>
+            <a:pPr>
+              <a:defRPr/>
+            </a:pPr>
+            <a:fld id="{40BF20FC-FB63-4733-8858-29739189710D}" type="slidenum">
+              <a:rPr lang="es-CO" smtClean="0"/>
+              <a:pPr>
+                <a:defRPr/>
+              </a:pPr>
+              <a:t>10</a:t>
+            </a:fld>
+            <a:endParaRPr lang="es-CO"/>
+          </a:p>
+        </p:txBody>
+      </p:sp>
+    </p:spTree>
+    <p:extLst>
+      <p:ext uri="{BB962C8B-B14F-4D97-AF65-F5344CB8AC3E}">
+        <p14:creationId xmlns:p14="http://schemas.microsoft.com/office/powerpoint/2010/main" val="2026835933"/>
       </p:ext>
     </p:extLst>
   </p:cSld>
@@ -4039,11 +4084,7 @@
             <a:pPr eaLnBrk="1" hangingPunct="1"/>
             <a:r>
               <a:rPr lang="en-US" altLang="en-US" dirty="0" err="1" smtClean="0"/>
-              <a:t>Análisi</a:t>
-            </a:r>
-            <a:r>
-              <a:rPr lang="en-US" altLang="en-US" dirty="0" err="1" smtClean="0"/>
-              <a:t>s</a:t>
+              <a:t>Análisis</a:t>
             </a:r>
             <a:r>
               <a:rPr lang="en-US" altLang="en-US" dirty="0" smtClean="0"/>
@@ -4114,7 +4155,6 @@
               <a:rPr lang="en-US" altLang="en-US" dirty="0" smtClean="0"/>
               <a:t>3 Julio 2018</a:t>
             </a:r>
-            <a:endParaRPr lang="en-US" altLang="en-US" dirty="0" smtClean="0"/>
           </a:p>
         </p:txBody>
       </p:sp>
@@ -4167,7 +4207,6 @@
               <a:rPr lang="en-US" altLang="en-US" dirty="0" smtClean="0"/>
               <a:t>j.c.rivera@cgiar.org 	h.a.dorado@cgiar.org</a:t>
             </a:r>
-            <a:endParaRPr lang="en-US" altLang="en-US" dirty="0" smtClean="0"/>
           </a:p>
         </p:txBody>
       </p:sp>
@@ -4196,6 +4235,2728 @@
               <a:t>Juan Camilo Rivera	Hugo Dorado</a:t>
             </a:r>
             <a:endParaRPr lang="es-CO" dirty="0"/>
+          </a:p>
+        </p:txBody>
+      </p:sp>
+    </p:spTree>
+  </p:cSld>
+  <p:clrMapOvr>
+    <a:masterClrMapping/>
+  </p:clrMapOvr>
+  <p:timing>
+    <p:tnLst>
+      <p:par>
+        <p:cTn id="1" dur="indefinite" restart="never" nodeType="tmRoot"/>
+      </p:par>
+    </p:tnLst>
+  </p:timing>
+</p:sld>
+</file>
+
+<file path=ppt/slides/slide10.xml><?xml version="1.0" encoding="utf-8"?>
+<p:sld xmlns:a="http://schemas.openxmlformats.org/drawingml/2006/main" xmlns:r="http://schemas.openxmlformats.org/officeDocument/2006/relationships" xmlns:p="http://schemas.openxmlformats.org/presentationml/2006/main">
+  <p:cSld>
+    <p:spTree>
+      <p:nvGrpSpPr>
+        <p:cNvPr id="1" name=""/>
+        <p:cNvGrpSpPr/>
+        <p:nvPr/>
+      </p:nvGrpSpPr>
+      <p:grpSpPr>
+        <a:xfrm>
+          <a:off x="0" y="0"/>
+          <a:ext cx="0" cy="0"/>
+          <a:chOff x="0" y="0"/>
+          <a:chExt cx="0" cy="0"/>
+        </a:xfrm>
+      </p:grpSpPr>
+      <p:sp>
+        <p:nvSpPr>
+          <p:cNvPr id="2" name="Title 1"/>
+          <p:cNvSpPr>
+            <a:spLocks noGrp="1"/>
+          </p:cNvSpPr>
+          <p:nvPr>
+            <p:ph type="title"/>
+          </p:nvPr>
+        </p:nvSpPr>
+        <p:spPr/>
+        <p:txBody>
+          <a:bodyPr/>
+          <a:lstStyle/>
+          <a:p>
+            <a:r>
+              <a:rPr lang="en-US" dirty="0" err="1"/>
+              <a:t>Varianza</a:t>
+            </a:r>
+            <a:r>
+              <a:rPr lang="es-CO" dirty="0"/>
+              <a:t/>
+            </a:r>
+            <a:br>
+              <a:rPr lang="es-CO" dirty="0"/>
+            </a:br>
+            <a:endParaRPr lang="es-CO" dirty="0"/>
+          </a:p>
+        </p:txBody>
+      </p:sp>
+      <p:sp>
+        <p:nvSpPr>
+          <p:cNvPr id="6" name="Content Placeholder 2"/>
+          <p:cNvSpPr txBox="1">
+            <a:spLocks/>
+          </p:cNvSpPr>
+          <p:nvPr/>
+        </p:nvSpPr>
+        <p:spPr>
+          <a:xfrm>
+            <a:off x="296005" y="1067106"/>
+            <a:ext cx="3679006" cy="2323078"/>
+          </a:xfrm>
+          <a:prstGeom prst="rect">
+            <a:avLst/>
+          </a:prstGeom>
+        </p:spPr>
+        <p:txBody>
+          <a:bodyPr/>
+          <a:lstStyle>
+            <a:lvl1pPr marL="228600" indent="-228600" algn="l" rtl="0" eaLnBrk="0" fontAlgn="base" hangingPunct="0">
+              <a:lnSpc>
+                <a:spcPct val="90000"/>
+              </a:lnSpc>
+              <a:spcBef>
+                <a:spcPts val="1000"/>
+              </a:spcBef>
+              <a:spcAft>
+                <a:spcPct val="0"/>
+              </a:spcAft>
+              <a:buFont typeface="Arial" panose="020B0604020202020204" pitchFamily="34" charset="0"/>
+              <a:buChar char="•"/>
+              <a:defRPr sz="2800" kern="1200">
+                <a:solidFill>
+                  <a:schemeClr val="tx1"/>
+                </a:solidFill>
+                <a:latin typeface="+mn-lt"/>
+                <a:ea typeface="+mn-ea"/>
+                <a:cs typeface="+mn-cs"/>
+              </a:defRPr>
+            </a:lvl1pPr>
+            <a:lvl2pPr marL="685800" indent="-228600" algn="l" rtl="0" eaLnBrk="0" fontAlgn="base" hangingPunct="0">
+              <a:lnSpc>
+                <a:spcPct val="90000"/>
+              </a:lnSpc>
+              <a:spcBef>
+                <a:spcPts val="500"/>
+              </a:spcBef>
+              <a:spcAft>
+                <a:spcPct val="0"/>
+              </a:spcAft>
+              <a:buFont typeface="Arial" panose="020B0604020202020204" pitchFamily="34" charset="0"/>
+              <a:buChar char="•"/>
+              <a:defRPr sz="2400" kern="1200">
+                <a:solidFill>
+                  <a:schemeClr val="tx1"/>
+                </a:solidFill>
+                <a:latin typeface="+mn-lt"/>
+                <a:ea typeface="+mn-ea"/>
+                <a:cs typeface="+mn-cs"/>
+              </a:defRPr>
+            </a:lvl2pPr>
+            <a:lvl3pPr marL="1143000" indent="-228600" algn="l" rtl="0" eaLnBrk="0" fontAlgn="base" hangingPunct="0">
+              <a:lnSpc>
+                <a:spcPct val="90000"/>
+              </a:lnSpc>
+              <a:spcBef>
+                <a:spcPts val="500"/>
+              </a:spcBef>
+              <a:spcAft>
+                <a:spcPct val="0"/>
+              </a:spcAft>
+              <a:buFont typeface="Arial" panose="020B0604020202020204" pitchFamily="34" charset="0"/>
+              <a:buChar char="•"/>
+              <a:defRPr sz="2000" kern="1200">
+                <a:solidFill>
+                  <a:schemeClr val="tx1"/>
+                </a:solidFill>
+                <a:latin typeface="+mn-lt"/>
+                <a:ea typeface="+mn-ea"/>
+                <a:cs typeface="+mn-cs"/>
+              </a:defRPr>
+            </a:lvl3pPr>
+            <a:lvl4pPr marL="1600200" indent="-228600" algn="l" rtl="0" eaLnBrk="0" fontAlgn="base" hangingPunct="0">
+              <a:lnSpc>
+                <a:spcPct val="90000"/>
+              </a:lnSpc>
+              <a:spcBef>
+                <a:spcPts val="500"/>
+              </a:spcBef>
+              <a:spcAft>
+                <a:spcPct val="0"/>
+              </a:spcAft>
+              <a:buFont typeface="Arial" panose="020B0604020202020204" pitchFamily="34" charset="0"/>
+              <a:buChar char="•"/>
+              <a:defRPr kern="1200">
+                <a:solidFill>
+                  <a:schemeClr val="tx1"/>
+                </a:solidFill>
+                <a:latin typeface="+mn-lt"/>
+                <a:ea typeface="+mn-ea"/>
+                <a:cs typeface="+mn-cs"/>
+              </a:defRPr>
+            </a:lvl4pPr>
+            <a:lvl5pPr marL="2057400" indent="-228600" algn="l" rtl="0" eaLnBrk="0" fontAlgn="base" hangingPunct="0">
+              <a:lnSpc>
+                <a:spcPct val="90000"/>
+              </a:lnSpc>
+              <a:spcBef>
+                <a:spcPts val="500"/>
+              </a:spcBef>
+              <a:spcAft>
+                <a:spcPct val="0"/>
+              </a:spcAft>
+              <a:buFont typeface="Arial" panose="020B0604020202020204" pitchFamily="34" charset="0"/>
+              <a:buChar char="•"/>
+              <a:defRPr kern="1200">
+                <a:solidFill>
+                  <a:schemeClr val="tx1"/>
+                </a:solidFill>
+                <a:latin typeface="+mn-lt"/>
+                <a:ea typeface="+mn-ea"/>
+                <a:cs typeface="+mn-cs"/>
+              </a:defRPr>
+            </a:lvl5pPr>
+            <a:lvl6pPr marL="2514600" indent="-228600" algn="l" defTabSz="914400" rtl="0" eaLnBrk="1" latinLnBrk="0" hangingPunct="1">
+              <a:lnSpc>
+                <a:spcPct val="90000"/>
+              </a:lnSpc>
+              <a:spcBef>
+                <a:spcPts val="500"/>
+              </a:spcBef>
+              <a:buFont typeface="Arial" panose="020B0604020202020204" pitchFamily="34" charset="0"/>
+              <a:buChar char="•"/>
+              <a:defRPr sz="1800" kern="1200">
+                <a:solidFill>
+                  <a:schemeClr val="tx1"/>
+                </a:solidFill>
+                <a:latin typeface="+mn-lt"/>
+                <a:ea typeface="+mn-ea"/>
+                <a:cs typeface="+mn-cs"/>
+              </a:defRPr>
+            </a:lvl6pPr>
+            <a:lvl7pPr marL="2971800" indent="-228600" algn="l" defTabSz="914400" rtl="0" eaLnBrk="1" latinLnBrk="0" hangingPunct="1">
+              <a:lnSpc>
+                <a:spcPct val="90000"/>
+              </a:lnSpc>
+              <a:spcBef>
+                <a:spcPts val="500"/>
+              </a:spcBef>
+              <a:buFont typeface="Arial" panose="020B0604020202020204" pitchFamily="34" charset="0"/>
+              <a:buChar char="•"/>
+              <a:defRPr sz="1800" kern="1200">
+                <a:solidFill>
+                  <a:schemeClr val="tx1"/>
+                </a:solidFill>
+                <a:latin typeface="+mn-lt"/>
+                <a:ea typeface="+mn-ea"/>
+                <a:cs typeface="+mn-cs"/>
+              </a:defRPr>
+            </a:lvl7pPr>
+            <a:lvl8pPr marL="3429000" indent="-228600" algn="l" defTabSz="914400" rtl="0" eaLnBrk="1" latinLnBrk="0" hangingPunct="1">
+              <a:lnSpc>
+                <a:spcPct val="90000"/>
+              </a:lnSpc>
+              <a:spcBef>
+                <a:spcPts val="500"/>
+              </a:spcBef>
+              <a:buFont typeface="Arial" panose="020B0604020202020204" pitchFamily="34" charset="0"/>
+              <a:buChar char="•"/>
+              <a:defRPr sz="1800" kern="1200">
+                <a:solidFill>
+                  <a:schemeClr val="tx1"/>
+                </a:solidFill>
+                <a:latin typeface="+mn-lt"/>
+                <a:ea typeface="+mn-ea"/>
+                <a:cs typeface="+mn-cs"/>
+              </a:defRPr>
+            </a:lvl8pPr>
+            <a:lvl9pPr marL="3886200" indent="-228600" algn="l" defTabSz="914400" rtl="0" eaLnBrk="1" latinLnBrk="0" hangingPunct="1">
+              <a:lnSpc>
+                <a:spcPct val="90000"/>
+              </a:lnSpc>
+              <a:spcBef>
+                <a:spcPts val="500"/>
+              </a:spcBef>
+              <a:buFont typeface="Arial" panose="020B0604020202020204" pitchFamily="34" charset="0"/>
+              <a:buChar char="•"/>
+              <a:defRPr sz="1800" kern="1200">
+                <a:solidFill>
+                  <a:schemeClr val="tx1"/>
+                </a:solidFill>
+                <a:latin typeface="+mn-lt"/>
+                <a:ea typeface="+mn-ea"/>
+                <a:cs typeface="+mn-cs"/>
+              </a:defRPr>
+            </a:lvl9pPr>
+          </a:lstStyle>
+          <a:p>
+            <a:r>
+              <a:rPr lang="es-CO" sz="2000" dirty="0" smtClean="0">
+                <a:latin typeface="Arial" panose="020B0604020202020204" pitchFamily="34" charset="0"/>
+                <a:cs typeface="Arial" panose="020B0604020202020204" pitchFamily="34" charset="0"/>
+              </a:rPr>
+              <a:t>Es el promedio del cuadrado de las distancias entre cada observación y la media aritmética del conjunto de observaciones.</a:t>
+            </a:r>
+          </a:p>
+          <a:p>
+            <a:endParaRPr lang="es-CO" dirty="0" smtClean="0"/>
+          </a:p>
+        </p:txBody>
+      </p:sp>
+      <mc:AlternateContent xmlns:mc="http://schemas.openxmlformats.org/markup-compatibility/2006">
+        <mc:Choice xmlns:a14="http://schemas.microsoft.com/office/drawing/2010/main" Requires="a14">
+          <p:sp>
+            <p:nvSpPr>
+              <p:cNvPr id="7" name="TextBox 6"/>
+              <p:cNvSpPr txBox="1"/>
+              <p:nvPr/>
+            </p:nvSpPr>
+            <p:spPr>
+              <a:xfrm>
+                <a:off x="5494698" y="1067106"/>
+                <a:ext cx="4433977" cy="1601657"/>
+              </a:xfrm>
+              <a:prstGeom prst="rect">
+                <a:avLst/>
+              </a:prstGeom>
+              <a:noFill/>
+            </p:spPr>
+            <p:txBody>
+              <a:bodyPr wrap="square" rtlCol="0">
+                <a:spAutoFit/>
+              </a:bodyPr>
+              <a:lstStyle/>
+              <a:p>
+                <a:r>
+                  <a:rPr lang="en-US" sz="1400" dirty="0"/>
+                  <a:t>  </a:t>
+                </a:r>
+                <a:r>
+                  <a:rPr lang="en-US" sz="1400" b="1" i="1" u="sng" dirty="0"/>
+                  <a:t>Que tan </a:t>
+                </a:r>
+                <a:r>
+                  <a:rPr lang="en-US" sz="1400" b="1" i="1" u="sng" dirty="0" err="1"/>
+                  <a:t>dispersos</a:t>
+                </a:r>
+                <a:r>
+                  <a:rPr lang="en-US" sz="1400" b="1" i="1" u="sng" dirty="0"/>
+                  <a:t> </a:t>
+                </a:r>
+                <a:r>
+                  <a:rPr lang="en-US" sz="1400" b="1" i="1" u="sng" dirty="0" err="1"/>
+                  <a:t>están</a:t>
+                </a:r>
+                <a:r>
+                  <a:rPr lang="en-US" sz="1400" b="1" i="1" u="sng" dirty="0"/>
+                  <a:t> </a:t>
+                </a:r>
+                <a:r>
+                  <a:rPr lang="en-US" sz="1400" b="1" i="1" u="sng" dirty="0" err="1"/>
+                  <a:t>los</a:t>
+                </a:r>
+                <a:r>
+                  <a:rPr lang="en-US" sz="1400" b="1" i="1" u="sng" dirty="0"/>
+                  <a:t> </a:t>
+                </a:r>
+                <a:r>
+                  <a:rPr lang="en-US" sz="1400" b="1" i="1" u="sng" dirty="0" err="1"/>
+                  <a:t>datos</a:t>
+                </a:r>
+                <a:r>
+                  <a:rPr lang="en-US" sz="1400" b="1" dirty="0"/>
+                  <a:t>.</a:t>
+                </a:r>
+              </a:p>
+              <a:p>
+                <a:endParaRPr lang="en-US" sz="1400" dirty="0" smtClean="0"/>
+              </a:p>
+              <a:p>
+                <a:r>
+                  <a:rPr lang="en-US" sz="1400" dirty="0" err="1" smtClean="0"/>
+                  <a:t>Ejemplo</a:t>
+                </a:r>
+                <a:r>
+                  <a:rPr lang="en-US" sz="1400" dirty="0" smtClean="0"/>
+                  <a:t>          5, 15, 3, 2, 25</a:t>
+                </a:r>
+              </a:p>
+              <a:p>
+                <a:r>
+                  <a:rPr lang="en-US" sz="1400" dirty="0"/>
+                  <a:t> </a:t>
+                </a:r>
+                <a:r>
+                  <a:rPr lang="en-US" sz="1400" dirty="0" smtClean="0"/>
+                  <a:t>                       V = </a:t>
+                </a:r>
+                <a14:m>
+                  <m:oMath xmlns:m="http://schemas.openxmlformats.org/officeDocument/2006/math">
+                    <m:f>
+                      <m:fPr>
+                        <m:ctrlPr>
+                          <a:rPr lang="en-US" i="1" smtClean="0">
+                            <a:latin typeface="Cambria Math" panose="02040503050406030204" pitchFamily="18" charset="0"/>
+                          </a:rPr>
+                        </m:ctrlPr>
+                      </m:fPr>
+                      <m:num>
+                        <m:sSup>
+                          <m:sSupPr>
+                            <m:ctrlPr>
+                              <a:rPr lang="en-US" i="1">
+                                <a:latin typeface="Cambria Math" panose="02040503050406030204" pitchFamily="18" charset="0"/>
+                              </a:rPr>
+                            </m:ctrlPr>
+                          </m:sSupPr>
+                          <m:e>
+                            <m:r>
+                              <a:rPr lang="en-US" i="1">
+                                <a:latin typeface="Cambria Math" panose="02040503050406030204" pitchFamily="18" charset="0"/>
+                              </a:rPr>
+                              <m:t>(5−</m:t>
+                            </m:r>
+                            <m:r>
+                              <a:rPr lang="en-US" b="0" i="1" smtClean="0">
+                                <a:solidFill>
+                                  <a:srgbClr val="0070C0"/>
+                                </a:solidFill>
+                                <a:latin typeface="Cambria Math" panose="02040503050406030204" pitchFamily="18" charset="0"/>
+                              </a:rPr>
+                              <m:t>5</m:t>
+                            </m:r>
+                            <m:r>
+                              <a:rPr lang="en-US" i="1">
+                                <a:latin typeface="Cambria Math" panose="02040503050406030204" pitchFamily="18" charset="0"/>
+                              </a:rPr>
+                              <m:t>)</m:t>
+                            </m:r>
+                          </m:e>
+                          <m:sup>
+                            <m:r>
+                              <a:rPr lang="en-US" i="1">
+                                <a:latin typeface="Cambria Math" panose="02040503050406030204" pitchFamily="18" charset="0"/>
+                              </a:rPr>
+                              <m:t>2</m:t>
+                            </m:r>
+                          </m:sup>
+                        </m:sSup>
+                        <m:r>
+                          <a:rPr lang="en-US" b="0" i="1" smtClean="0">
+                            <a:latin typeface="Cambria Math" panose="02040503050406030204" pitchFamily="18" charset="0"/>
+                          </a:rPr>
+                          <m:t>+</m:t>
+                        </m:r>
+                        <m:sSup>
+                          <m:sSupPr>
+                            <m:ctrlPr>
+                              <a:rPr lang="en-US" i="1">
+                                <a:latin typeface="Cambria Math" panose="02040503050406030204" pitchFamily="18" charset="0"/>
+                              </a:rPr>
+                            </m:ctrlPr>
+                          </m:sSupPr>
+                          <m:e>
+                            <m:r>
+                              <a:rPr lang="en-US" i="1">
+                                <a:latin typeface="Cambria Math" panose="02040503050406030204" pitchFamily="18" charset="0"/>
+                              </a:rPr>
+                              <m:t>(</m:t>
+                            </m:r>
+                            <m:r>
+                              <a:rPr lang="en-US" b="0" i="1" smtClean="0">
+                                <a:latin typeface="Cambria Math" panose="02040503050406030204" pitchFamily="18" charset="0"/>
+                              </a:rPr>
+                              <m:t>1</m:t>
+                            </m:r>
+                            <m:r>
+                              <a:rPr lang="en-US" i="1">
+                                <a:latin typeface="Cambria Math" panose="02040503050406030204" pitchFamily="18" charset="0"/>
+                              </a:rPr>
+                              <m:t>5−</m:t>
+                            </m:r>
+                            <m:r>
+                              <a:rPr lang="en-US" i="1" smtClean="0">
+                                <a:solidFill>
+                                  <a:srgbClr val="0070C0"/>
+                                </a:solidFill>
+                                <a:latin typeface="Cambria Math" panose="02040503050406030204" pitchFamily="18" charset="0"/>
+                              </a:rPr>
+                              <m:t>5</m:t>
+                            </m:r>
+                            <m:r>
+                              <a:rPr lang="en-US" i="1">
+                                <a:latin typeface="Cambria Math" panose="02040503050406030204" pitchFamily="18" charset="0"/>
+                              </a:rPr>
+                              <m:t>)</m:t>
+                            </m:r>
+                          </m:e>
+                          <m:sup>
+                            <m:r>
+                              <a:rPr lang="en-US" i="1">
+                                <a:latin typeface="Cambria Math" panose="02040503050406030204" pitchFamily="18" charset="0"/>
+                              </a:rPr>
+                              <m:t>2</m:t>
+                            </m:r>
+                          </m:sup>
+                        </m:sSup>
+                        <m:r>
+                          <a:rPr lang="en-US" b="0" i="1" smtClean="0">
+                            <a:latin typeface="Cambria Math" panose="02040503050406030204" pitchFamily="18" charset="0"/>
+                          </a:rPr>
+                          <m:t>+</m:t>
+                        </m:r>
+                        <m:sSup>
+                          <m:sSupPr>
+                            <m:ctrlPr>
+                              <a:rPr lang="en-US" i="1">
+                                <a:latin typeface="Cambria Math" panose="02040503050406030204" pitchFamily="18" charset="0"/>
+                              </a:rPr>
+                            </m:ctrlPr>
+                          </m:sSupPr>
+                          <m:e>
+                            <m:r>
+                              <a:rPr lang="en-US" i="1">
+                                <a:latin typeface="Cambria Math" panose="02040503050406030204" pitchFamily="18" charset="0"/>
+                              </a:rPr>
+                              <m:t>(</m:t>
+                            </m:r>
+                            <m:r>
+                              <a:rPr lang="en-US" b="0" i="1" smtClean="0">
+                                <a:latin typeface="Cambria Math" panose="02040503050406030204" pitchFamily="18" charset="0"/>
+                              </a:rPr>
+                              <m:t>3</m:t>
+                            </m:r>
+                            <m:r>
+                              <a:rPr lang="en-US" i="1">
+                                <a:latin typeface="Cambria Math" panose="02040503050406030204" pitchFamily="18" charset="0"/>
+                              </a:rPr>
+                              <m:t>−</m:t>
+                            </m:r>
+                            <m:r>
+                              <a:rPr lang="en-US" i="1" smtClean="0">
+                                <a:solidFill>
+                                  <a:srgbClr val="0070C0"/>
+                                </a:solidFill>
+                                <a:latin typeface="Cambria Math" panose="02040503050406030204" pitchFamily="18" charset="0"/>
+                              </a:rPr>
+                              <m:t>5</m:t>
+                            </m:r>
+                            <m:r>
+                              <a:rPr lang="en-US" i="1">
+                                <a:latin typeface="Cambria Math" panose="02040503050406030204" pitchFamily="18" charset="0"/>
+                              </a:rPr>
+                              <m:t>)</m:t>
+                            </m:r>
+                          </m:e>
+                          <m:sup>
+                            <m:r>
+                              <a:rPr lang="en-US" i="1">
+                                <a:latin typeface="Cambria Math" panose="02040503050406030204" pitchFamily="18" charset="0"/>
+                              </a:rPr>
+                              <m:t>2</m:t>
+                            </m:r>
+                          </m:sup>
+                        </m:sSup>
+                        <m:r>
+                          <a:rPr lang="en-US" b="0" i="1" smtClean="0">
+                            <a:latin typeface="Cambria Math" panose="02040503050406030204" pitchFamily="18" charset="0"/>
+                          </a:rPr>
+                          <m:t>+</m:t>
+                        </m:r>
+                        <m:sSup>
+                          <m:sSupPr>
+                            <m:ctrlPr>
+                              <a:rPr lang="en-US" i="1">
+                                <a:latin typeface="Cambria Math" panose="02040503050406030204" pitchFamily="18" charset="0"/>
+                              </a:rPr>
+                            </m:ctrlPr>
+                          </m:sSupPr>
+                          <m:e>
+                            <m:r>
+                              <a:rPr lang="en-US" i="1">
+                                <a:latin typeface="Cambria Math" panose="02040503050406030204" pitchFamily="18" charset="0"/>
+                              </a:rPr>
+                              <m:t>(3−</m:t>
+                            </m:r>
+                            <m:r>
+                              <a:rPr lang="en-US" i="1" smtClean="0">
+                                <a:solidFill>
+                                  <a:srgbClr val="0070C0"/>
+                                </a:solidFill>
+                                <a:latin typeface="Cambria Math" panose="02040503050406030204" pitchFamily="18" charset="0"/>
+                              </a:rPr>
+                              <m:t>5</m:t>
+                            </m:r>
+                            <m:r>
+                              <a:rPr lang="en-US" i="1">
+                                <a:latin typeface="Cambria Math" panose="02040503050406030204" pitchFamily="18" charset="0"/>
+                              </a:rPr>
+                              <m:t>)</m:t>
+                            </m:r>
+                          </m:e>
+                          <m:sup>
+                            <m:r>
+                              <a:rPr lang="en-US" i="1">
+                                <a:latin typeface="Cambria Math" panose="02040503050406030204" pitchFamily="18" charset="0"/>
+                              </a:rPr>
+                              <m:t>2</m:t>
+                            </m:r>
+                          </m:sup>
+                        </m:sSup>
+                      </m:num>
+                      <m:den>
+                        <m:r>
+                          <a:rPr lang="en-US" b="0" i="1" smtClean="0">
+                            <a:solidFill>
+                              <a:srgbClr val="FF0000"/>
+                            </a:solidFill>
+                            <a:latin typeface="Cambria Math" panose="02040503050406030204" pitchFamily="18" charset="0"/>
+                          </a:rPr>
+                          <m:t>5</m:t>
+                        </m:r>
+                      </m:den>
+                    </m:f>
+                  </m:oMath>
+                </a14:m>
+                <a:endParaRPr lang="en-US" dirty="0" smtClean="0"/>
+              </a:p>
+              <a:p>
+                <a:r>
+                  <a:rPr lang="en-US" sz="1400" dirty="0" smtClean="0"/>
+                  <a:t>	</a:t>
+                </a:r>
+                <a:r>
+                  <a:rPr lang="en-US" sz="1400" dirty="0"/>
+                  <a:t> </a:t>
+                </a:r>
+                <a:r>
+                  <a:rPr lang="en-US" sz="1400" dirty="0" smtClean="0"/>
+                  <a:t>      V = 35.583</a:t>
+                </a:r>
+              </a:p>
+              <a:p>
+                <a:endParaRPr lang="es-CO" sz="1400" dirty="0"/>
+              </a:p>
+            </p:txBody>
+          </p:sp>
+        </mc:Choice>
+        <mc:Fallback>
+          <p:sp>
+            <p:nvSpPr>
+              <p:cNvPr id="7" name="TextBox 6"/>
+              <p:cNvSpPr txBox="1">
+                <a:spLocks noRot="1" noChangeAspect="1" noMove="1" noResize="1" noEditPoints="1" noAdjustHandles="1" noChangeArrowheads="1" noChangeShapeType="1" noTextEdit="1"/>
+              </p:cNvSpPr>
+              <p:nvPr/>
+            </p:nvSpPr>
+            <p:spPr>
+              <a:xfrm>
+                <a:off x="5494698" y="1067106"/>
+                <a:ext cx="4433977" cy="1601657"/>
+              </a:xfrm>
+              <a:prstGeom prst="rect">
+                <a:avLst/>
+              </a:prstGeom>
+              <a:blipFill rotWithShape="0">
+                <a:blip r:embed="rId3"/>
+                <a:stretch>
+                  <a:fillRect l="-412" t="-760"/>
+                </a:stretch>
+              </a:blipFill>
+            </p:spPr>
+            <p:txBody>
+              <a:bodyPr/>
+              <a:lstStyle/>
+              <a:p>
+                <a:r>
+                  <a:rPr lang="es-CO">
+                    <a:noFill/>
+                  </a:rPr>
+                  <a:t> </a:t>
+                </a:r>
+              </a:p>
+            </p:txBody>
+          </p:sp>
+        </mc:Fallback>
+      </mc:AlternateContent>
+      <p:pic>
+        <p:nvPicPr>
+          <p:cNvPr id="8" name="Picture 2" descr="http://www.definicionabc.com/wp-content/uploads/varianza1.gif"/>
+          <p:cNvPicPr>
+            <a:picLocks noChangeAspect="1" noChangeArrowheads="1"/>
+          </p:cNvPicPr>
+          <p:nvPr/>
+        </p:nvPicPr>
+        <p:blipFill>
+          <a:blip r:embed="rId4" cstate="print">
+            <a:extLst>
+              <a:ext uri="{28A0092B-C50C-407E-A947-70E740481C1C}">
+                <a14:useLocalDpi xmlns:a14="http://schemas.microsoft.com/office/drawing/2010/main" val="0"/>
+              </a:ext>
+            </a:extLst>
+          </a:blip>
+          <a:srcRect/>
+          <a:stretch>
+            <a:fillRect/>
+          </a:stretch>
+        </p:blipFill>
+        <p:spPr bwMode="auto">
+          <a:xfrm>
+            <a:off x="1640109" y="2558965"/>
+            <a:ext cx="2193291" cy="849379"/>
+          </a:xfrm>
+          <a:prstGeom prst="rect">
+            <a:avLst/>
+          </a:prstGeom>
+          <a:noFill/>
+          <a:extLst>
+            <a:ext uri="{909E8E84-426E-40DD-AFC4-6F175D3DCCD1}">
+              <a14:hiddenFill xmlns:a14="http://schemas.microsoft.com/office/drawing/2010/main">
+                <a:solidFill>
+                  <a:srgbClr val="FFFFFF"/>
+                </a:solidFill>
+              </a14:hiddenFill>
+            </a:ext>
+          </a:extLst>
+        </p:spPr>
+      </p:pic>
+      <p:sp>
+        <p:nvSpPr>
+          <p:cNvPr id="10" name="Title 1"/>
+          <p:cNvSpPr txBox="1">
+            <a:spLocks/>
+          </p:cNvSpPr>
+          <p:nvPr/>
+        </p:nvSpPr>
+        <p:spPr>
+          <a:xfrm>
+            <a:off x="296005" y="3478564"/>
+            <a:ext cx="11599990" cy="470027"/>
+          </a:xfrm>
+          <a:prstGeom prst="rect">
+            <a:avLst/>
+          </a:prstGeom>
+        </p:spPr>
+        <p:txBody>
+          <a:bodyPr/>
+          <a:lstStyle>
+            <a:lvl1pPr algn="l" rtl="0" eaLnBrk="0" fontAlgn="base" hangingPunct="0">
+              <a:lnSpc>
+                <a:spcPct val="90000"/>
+              </a:lnSpc>
+              <a:spcBef>
+                <a:spcPct val="0"/>
+              </a:spcBef>
+              <a:spcAft>
+                <a:spcPct val="0"/>
+              </a:spcAft>
+              <a:defRPr sz="3200" b="1" kern="1200" baseline="0">
+                <a:solidFill>
+                  <a:srgbClr val="BB3A26"/>
+                </a:solidFill>
+                <a:latin typeface="+mj-lt"/>
+                <a:ea typeface="+mj-ea"/>
+                <a:cs typeface="+mj-cs"/>
+              </a:defRPr>
+            </a:lvl1pPr>
+            <a:lvl2pPr algn="l" rtl="0" eaLnBrk="0" fontAlgn="base" hangingPunct="0">
+              <a:lnSpc>
+                <a:spcPct val="90000"/>
+              </a:lnSpc>
+              <a:spcBef>
+                <a:spcPct val="0"/>
+              </a:spcBef>
+              <a:spcAft>
+                <a:spcPct val="0"/>
+              </a:spcAft>
+              <a:defRPr sz="4400">
+                <a:solidFill>
+                  <a:schemeClr val="tx1"/>
+                </a:solidFill>
+                <a:latin typeface="Calibri Light" panose="020F0302020204030204" pitchFamily="34" charset="0"/>
+              </a:defRPr>
+            </a:lvl2pPr>
+            <a:lvl3pPr algn="l" rtl="0" eaLnBrk="0" fontAlgn="base" hangingPunct="0">
+              <a:lnSpc>
+                <a:spcPct val="90000"/>
+              </a:lnSpc>
+              <a:spcBef>
+                <a:spcPct val="0"/>
+              </a:spcBef>
+              <a:spcAft>
+                <a:spcPct val="0"/>
+              </a:spcAft>
+              <a:defRPr sz="4400">
+                <a:solidFill>
+                  <a:schemeClr val="tx1"/>
+                </a:solidFill>
+                <a:latin typeface="Calibri Light" panose="020F0302020204030204" pitchFamily="34" charset="0"/>
+              </a:defRPr>
+            </a:lvl3pPr>
+            <a:lvl4pPr algn="l" rtl="0" eaLnBrk="0" fontAlgn="base" hangingPunct="0">
+              <a:lnSpc>
+                <a:spcPct val="90000"/>
+              </a:lnSpc>
+              <a:spcBef>
+                <a:spcPct val="0"/>
+              </a:spcBef>
+              <a:spcAft>
+                <a:spcPct val="0"/>
+              </a:spcAft>
+              <a:defRPr sz="4400">
+                <a:solidFill>
+                  <a:schemeClr val="tx1"/>
+                </a:solidFill>
+                <a:latin typeface="Calibri Light" panose="020F0302020204030204" pitchFamily="34" charset="0"/>
+              </a:defRPr>
+            </a:lvl4pPr>
+            <a:lvl5pPr algn="l" rtl="0" eaLnBrk="0" fontAlgn="base" hangingPunct="0">
+              <a:lnSpc>
+                <a:spcPct val="90000"/>
+              </a:lnSpc>
+              <a:spcBef>
+                <a:spcPct val="0"/>
+              </a:spcBef>
+              <a:spcAft>
+                <a:spcPct val="0"/>
+              </a:spcAft>
+              <a:defRPr sz="4400">
+                <a:solidFill>
+                  <a:schemeClr val="tx1"/>
+                </a:solidFill>
+                <a:latin typeface="Calibri Light" panose="020F0302020204030204" pitchFamily="34" charset="0"/>
+              </a:defRPr>
+            </a:lvl5pPr>
+            <a:lvl6pPr marL="457200" algn="l" rtl="0" fontAlgn="base">
+              <a:lnSpc>
+                <a:spcPct val="90000"/>
+              </a:lnSpc>
+              <a:spcBef>
+                <a:spcPct val="0"/>
+              </a:spcBef>
+              <a:spcAft>
+                <a:spcPct val="0"/>
+              </a:spcAft>
+              <a:defRPr sz="4400">
+                <a:solidFill>
+                  <a:schemeClr val="tx1"/>
+                </a:solidFill>
+                <a:latin typeface="Calibri Light" panose="020F0302020204030204" pitchFamily="34" charset="0"/>
+              </a:defRPr>
+            </a:lvl6pPr>
+            <a:lvl7pPr marL="914400" algn="l" rtl="0" fontAlgn="base">
+              <a:lnSpc>
+                <a:spcPct val="90000"/>
+              </a:lnSpc>
+              <a:spcBef>
+                <a:spcPct val="0"/>
+              </a:spcBef>
+              <a:spcAft>
+                <a:spcPct val="0"/>
+              </a:spcAft>
+              <a:defRPr sz="4400">
+                <a:solidFill>
+                  <a:schemeClr val="tx1"/>
+                </a:solidFill>
+                <a:latin typeface="Calibri Light" panose="020F0302020204030204" pitchFamily="34" charset="0"/>
+              </a:defRPr>
+            </a:lvl7pPr>
+            <a:lvl8pPr marL="1371600" algn="l" rtl="0" fontAlgn="base">
+              <a:lnSpc>
+                <a:spcPct val="90000"/>
+              </a:lnSpc>
+              <a:spcBef>
+                <a:spcPct val="0"/>
+              </a:spcBef>
+              <a:spcAft>
+                <a:spcPct val="0"/>
+              </a:spcAft>
+              <a:defRPr sz="4400">
+                <a:solidFill>
+                  <a:schemeClr val="tx1"/>
+                </a:solidFill>
+                <a:latin typeface="Calibri Light" panose="020F0302020204030204" pitchFamily="34" charset="0"/>
+              </a:defRPr>
+            </a:lvl8pPr>
+            <a:lvl9pPr marL="1828800" algn="l" rtl="0" fontAlgn="base">
+              <a:lnSpc>
+                <a:spcPct val="90000"/>
+              </a:lnSpc>
+              <a:spcBef>
+                <a:spcPct val="0"/>
+              </a:spcBef>
+              <a:spcAft>
+                <a:spcPct val="0"/>
+              </a:spcAft>
+              <a:defRPr sz="4400">
+                <a:solidFill>
+                  <a:schemeClr val="tx1"/>
+                </a:solidFill>
+                <a:latin typeface="Calibri Light" panose="020F0302020204030204" pitchFamily="34" charset="0"/>
+              </a:defRPr>
+            </a:lvl9pPr>
+          </a:lstStyle>
+          <a:p>
+            <a:r>
+              <a:rPr lang="en-US" dirty="0" err="1"/>
+              <a:t>Desviación</a:t>
+            </a:r>
+            <a:r>
+              <a:rPr lang="en-US" dirty="0"/>
+              <a:t> </a:t>
+            </a:r>
+            <a:r>
+              <a:rPr lang="en-US" dirty="0" err="1"/>
+              <a:t>Estandar</a:t>
+            </a:r>
+            <a:r>
+              <a:rPr lang="es-CO" dirty="0" smtClean="0"/>
+              <a:t/>
+            </a:r>
+            <a:br>
+              <a:rPr lang="es-CO" dirty="0" smtClean="0"/>
+            </a:br>
+            <a:endParaRPr lang="es-CO" dirty="0"/>
+          </a:p>
+        </p:txBody>
+      </p:sp>
+      <mc:AlternateContent xmlns:mc="http://schemas.openxmlformats.org/markup-compatibility/2006">
+        <mc:Choice xmlns:a14="http://schemas.microsoft.com/office/drawing/2010/main" Requires="a14">
+          <p:sp>
+            <p:nvSpPr>
+              <p:cNvPr id="11" name="TextBox 10"/>
+              <p:cNvSpPr txBox="1"/>
+              <p:nvPr/>
+            </p:nvSpPr>
+            <p:spPr>
+              <a:xfrm>
+                <a:off x="511938" y="4350147"/>
+                <a:ext cx="4449632" cy="1785104"/>
+              </a:xfrm>
+              <a:prstGeom prst="rect">
+                <a:avLst/>
+              </a:prstGeom>
+              <a:noFill/>
+            </p:spPr>
+            <p:txBody>
+              <a:bodyPr wrap="square" rtlCol="0">
+                <a:spAutoFit/>
+              </a:bodyPr>
+              <a:lstStyle/>
+              <a:p>
+                <a:r>
+                  <a:rPr lang="en-US" dirty="0">
+                    <a:latin typeface="Arial" panose="020B0604020202020204" pitchFamily="34" charset="0"/>
+                    <a:cs typeface="Arial" panose="020B0604020202020204" pitchFamily="34" charset="0"/>
+                  </a:rPr>
+                  <a:t>Que tan </a:t>
+                </a:r>
+                <a:r>
+                  <a:rPr lang="en-US" dirty="0" err="1">
+                    <a:latin typeface="Arial" panose="020B0604020202020204" pitchFamily="34" charset="0"/>
+                    <a:cs typeface="Arial" panose="020B0604020202020204" pitchFamily="34" charset="0"/>
+                  </a:rPr>
+                  <a:t>dispersos</a:t>
+                </a:r>
+                <a:r>
+                  <a:rPr lang="en-US" dirty="0">
+                    <a:latin typeface="Arial" panose="020B0604020202020204" pitchFamily="34" charset="0"/>
+                    <a:cs typeface="Arial" panose="020B0604020202020204" pitchFamily="34" charset="0"/>
+                  </a:rPr>
+                  <a:t> </a:t>
+                </a:r>
+                <a:r>
+                  <a:rPr lang="en-US" dirty="0" err="1">
+                    <a:latin typeface="Arial" panose="020B0604020202020204" pitchFamily="34" charset="0"/>
+                    <a:cs typeface="Arial" panose="020B0604020202020204" pitchFamily="34" charset="0"/>
+                  </a:rPr>
+                  <a:t>están</a:t>
+                </a:r>
+                <a:r>
+                  <a:rPr lang="en-US" dirty="0">
+                    <a:latin typeface="Arial" panose="020B0604020202020204" pitchFamily="34" charset="0"/>
+                    <a:cs typeface="Arial" panose="020B0604020202020204" pitchFamily="34" charset="0"/>
+                  </a:rPr>
+                  <a:t> </a:t>
+                </a:r>
+                <a:r>
+                  <a:rPr lang="en-US" dirty="0" err="1">
+                    <a:latin typeface="Arial" panose="020B0604020202020204" pitchFamily="34" charset="0"/>
+                    <a:cs typeface="Arial" panose="020B0604020202020204" pitchFamily="34" charset="0"/>
+                  </a:rPr>
+                  <a:t>los</a:t>
+                </a:r>
+                <a:r>
+                  <a:rPr lang="en-US" dirty="0">
+                    <a:latin typeface="Arial" panose="020B0604020202020204" pitchFamily="34" charset="0"/>
+                    <a:cs typeface="Arial" panose="020B0604020202020204" pitchFamily="34" charset="0"/>
+                  </a:rPr>
+                  <a:t> </a:t>
+                </a:r>
+                <a:r>
+                  <a:rPr lang="en-US" dirty="0" err="1">
+                    <a:latin typeface="Arial" panose="020B0604020202020204" pitchFamily="34" charset="0"/>
+                    <a:cs typeface="Arial" panose="020B0604020202020204" pitchFamily="34" charset="0"/>
+                  </a:rPr>
+                  <a:t>datos</a:t>
+                </a:r>
+                <a:r>
+                  <a:rPr lang="en-US" dirty="0">
+                    <a:latin typeface="Arial" panose="020B0604020202020204" pitchFamily="34" charset="0"/>
+                    <a:cs typeface="Arial" panose="020B0604020202020204" pitchFamily="34" charset="0"/>
+                  </a:rPr>
+                  <a:t> </a:t>
+                </a:r>
+                <a:r>
+                  <a:rPr lang="en-US" dirty="0" err="1">
+                    <a:latin typeface="Arial" panose="020B0604020202020204" pitchFamily="34" charset="0"/>
+                    <a:cs typeface="Arial" panose="020B0604020202020204" pitchFamily="34" charset="0"/>
+                  </a:rPr>
+                  <a:t>respecto</a:t>
+                </a:r>
+                <a:r>
+                  <a:rPr lang="en-US" dirty="0">
+                    <a:latin typeface="Arial" panose="020B0604020202020204" pitchFamily="34" charset="0"/>
+                    <a:cs typeface="Arial" panose="020B0604020202020204" pitchFamily="34" charset="0"/>
+                  </a:rPr>
+                  <a:t> a la</a:t>
+                </a:r>
+                <a:br>
+                  <a:rPr lang="en-US" dirty="0">
+                    <a:latin typeface="Arial" panose="020B0604020202020204" pitchFamily="34" charset="0"/>
+                    <a:cs typeface="Arial" panose="020B0604020202020204" pitchFamily="34" charset="0"/>
+                  </a:rPr>
+                </a:br>
+                <a:r>
+                  <a:rPr lang="en-US" dirty="0">
+                    <a:latin typeface="Arial" panose="020B0604020202020204" pitchFamily="34" charset="0"/>
+                    <a:cs typeface="Arial" panose="020B0604020202020204" pitchFamily="34" charset="0"/>
+                  </a:rPr>
+                  <a:t>media</a:t>
+                </a:r>
+                <a:r>
+                  <a:rPr lang="en-US" dirty="0" smtClean="0">
+                    <a:latin typeface="Arial" panose="020B0604020202020204" pitchFamily="34" charset="0"/>
+                    <a:cs typeface="Arial" panose="020B0604020202020204" pitchFamily="34" charset="0"/>
+                  </a:rPr>
+                  <a:t>.</a:t>
+                </a:r>
+              </a:p>
+              <a:p>
+                <a:pPr/>
+                <a14:m>
+                  <m:oMathPara xmlns:m="http://schemas.openxmlformats.org/officeDocument/2006/math">
+                    <m:oMathParaPr>
+                      <m:jc m:val="centerGroup"/>
+                    </m:oMathParaPr>
+                    <m:oMath xmlns:m="http://schemas.openxmlformats.org/officeDocument/2006/math">
+                      <m:r>
+                        <m:rPr>
+                          <m:sty m:val="p"/>
+                        </m:rPr>
+                        <a:rPr lang="en-US">
+                          <a:latin typeface="Cambria Math" panose="02040503050406030204" pitchFamily="18" charset="0"/>
+                        </a:rPr>
+                        <m:t>S</m:t>
+                      </m:r>
+                      <m:r>
+                        <a:rPr lang="en-US" i="1">
+                          <a:latin typeface="Cambria Math" panose="02040503050406030204" pitchFamily="18" charset="0"/>
+                        </a:rPr>
+                        <m:t>=</m:t>
+                      </m:r>
+                      <m:rad>
+                        <m:radPr>
+                          <m:degHide m:val="on"/>
+                          <m:ctrlPr>
+                            <a:rPr lang="en-US" i="1">
+                              <a:latin typeface="Cambria Math" panose="02040503050406030204" pitchFamily="18" charset="0"/>
+                            </a:rPr>
+                          </m:ctrlPr>
+                        </m:radPr>
+                        <m:deg/>
+                        <m:e>
+                          <m:r>
+                            <a:rPr lang="en-US" i="1">
+                              <a:latin typeface="Cambria Math" panose="02040503050406030204" pitchFamily="18" charset="0"/>
+                            </a:rPr>
+                            <m:t>𝑉</m:t>
+                          </m:r>
+                        </m:e>
+                      </m:rad>
+                    </m:oMath>
+                  </m:oMathPara>
+                </a14:m>
+                <a:endParaRPr lang="en-US" dirty="0" smtClean="0"/>
+              </a:p>
+              <a:p>
+                <a:endParaRPr lang="en-US" dirty="0"/>
+              </a:p>
+              <a:p>
+                <a:endParaRPr lang="es-CO" dirty="0"/>
+              </a:p>
+            </p:txBody>
+          </p:sp>
+        </mc:Choice>
+        <mc:Fallback>
+          <p:sp>
+            <p:nvSpPr>
+              <p:cNvPr id="11" name="TextBox 10"/>
+              <p:cNvSpPr txBox="1">
+                <a:spLocks noRot="1" noChangeAspect="1" noMove="1" noResize="1" noEditPoints="1" noAdjustHandles="1" noChangeArrowheads="1" noChangeShapeType="1" noTextEdit="1"/>
+              </p:cNvSpPr>
+              <p:nvPr/>
+            </p:nvSpPr>
+            <p:spPr>
+              <a:xfrm>
+                <a:off x="511938" y="4350147"/>
+                <a:ext cx="4449632" cy="1785104"/>
+              </a:xfrm>
+              <a:prstGeom prst="rect">
+                <a:avLst/>
+              </a:prstGeom>
+              <a:blipFill rotWithShape="0">
+                <a:blip r:embed="rId5"/>
+                <a:stretch>
+                  <a:fillRect l="-1233" t="-2055"/>
+                </a:stretch>
+              </a:blipFill>
+            </p:spPr>
+            <p:txBody>
+              <a:bodyPr/>
+              <a:lstStyle/>
+              <a:p>
+                <a:r>
+                  <a:rPr lang="es-CO">
+                    <a:noFill/>
+                  </a:rPr>
+                  <a:t> </a:t>
+                </a:r>
+              </a:p>
+            </p:txBody>
+          </p:sp>
+        </mc:Fallback>
+      </mc:AlternateContent>
+      <mc:AlternateContent xmlns:mc="http://schemas.openxmlformats.org/markup-compatibility/2006">
+        <mc:Choice xmlns:a14="http://schemas.microsoft.com/office/drawing/2010/main" Requires="a14">
+          <p:sp>
+            <p:nvSpPr>
+              <p:cNvPr id="12" name="TextBox 11"/>
+              <p:cNvSpPr txBox="1"/>
+              <p:nvPr/>
+            </p:nvSpPr>
+            <p:spPr>
+              <a:xfrm>
+                <a:off x="5494698" y="4036971"/>
+                <a:ext cx="4433977" cy="984372"/>
+              </a:xfrm>
+              <a:prstGeom prst="rect">
+                <a:avLst/>
+              </a:prstGeom>
+              <a:noFill/>
+            </p:spPr>
+            <p:txBody>
+              <a:bodyPr wrap="square" rtlCol="0">
+                <a:spAutoFit/>
+              </a:bodyPr>
+              <a:lstStyle/>
+              <a:p>
+                <a:r>
+                  <a:rPr lang="en-US" sz="1400" dirty="0" smtClean="0"/>
+                  <a:t>  </a:t>
+                </a:r>
+              </a:p>
+              <a:p>
+                <a:r>
+                  <a:rPr lang="en-US" sz="1400" dirty="0" err="1" smtClean="0"/>
+                  <a:t>Ejemplo</a:t>
+                </a:r>
+                <a:r>
+                  <a:rPr lang="en-US" sz="1400" dirty="0" smtClean="0"/>
+                  <a:t>            </a:t>
+                </a:r>
+                <a:r>
+                  <a:rPr lang="en-US" sz="1400" dirty="0"/>
+                  <a:t>S</a:t>
+                </a:r>
+                <a:r>
+                  <a:rPr lang="en-US" sz="1400" dirty="0" smtClean="0"/>
+                  <a:t> = </a:t>
+                </a:r>
+                <a14:m>
+                  <m:oMath xmlns:m="http://schemas.openxmlformats.org/officeDocument/2006/math">
+                    <m:rad>
+                      <m:radPr>
+                        <m:degHide m:val="on"/>
+                        <m:ctrlPr>
+                          <a:rPr lang="en-US" sz="1400" i="1">
+                            <a:latin typeface="Cambria Math" panose="02040503050406030204" pitchFamily="18" charset="0"/>
+                          </a:rPr>
+                        </m:ctrlPr>
+                      </m:radPr>
+                      <m:deg/>
+                      <m:e>
+                        <m:r>
+                          <a:rPr lang="en-US" sz="1400" b="0" i="1" smtClean="0">
+                            <a:latin typeface="Cambria Math" panose="02040503050406030204" pitchFamily="18" charset="0"/>
+                          </a:rPr>
+                          <m:t>35.583</m:t>
+                        </m:r>
+                      </m:e>
+                    </m:rad>
+                  </m:oMath>
+                </a14:m>
+                <a:r>
+                  <a:rPr lang="en-US" sz="1400" dirty="0" smtClean="0"/>
+                  <a:t> </a:t>
+                </a:r>
+                <a:endParaRPr lang="en-US" dirty="0" smtClean="0"/>
+              </a:p>
+              <a:p>
+                <a:r>
+                  <a:rPr lang="en-US" sz="1400" dirty="0" smtClean="0"/>
+                  <a:t>	</a:t>
+                </a:r>
+                <a:r>
+                  <a:rPr lang="en-US" sz="1400" dirty="0"/>
+                  <a:t> </a:t>
+                </a:r>
+                <a:r>
+                  <a:rPr lang="en-US" sz="1400" dirty="0" smtClean="0"/>
+                  <a:t>      S = 5.96</a:t>
+                </a:r>
+              </a:p>
+              <a:p>
+                <a:endParaRPr lang="es-CO" sz="1400" dirty="0"/>
+              </a:p>
+            </p:txBody>
+          </p:sp>
+        </mc:Choice>
+        <mc:Fallback>
+          <p:sp>
+            <p:nvSpPr>
+              <p:cNvPr id="12" name="TextBox 11"/>
+              <p:cNvSpPr txBox="1">
+                <a:spLocks noRot="1" noChangeAspect="1" noMove="1" noResize="1" noEditPoints="1" noAdjustHandles="1" noChangeArrowheads="1" noChangeShapeType="1" noTextEdit="1"/>
+              </p:cNvSpPr>
+              <p:nvPr/>
+            </p:nvSpPr>
+            <p:spPr>
+              <a:xfrm>
+                <a:off x="5494698" y="4036971"/>
+                <a:ext cx="4433977" cy="984372"/>
+              </a:xfrm>
+              <a:prstGeom prst="rect">
+                <a:avLst/>
+              </a:prstGeom>
+              <a:blipFill rotWithShape="0">
+                <a:blip r:embed="rId6"/>
+                <a:stretch>
+                  <a:fillRect l="-412"/>
+                </a:stretch>
+              </a:blipFill>
+            </p:spPr>
+            <p:txBody>
+              <a:bodyPr/>
+              <a:lstStyle/>
+              <a:p>
+                <a:r>
+                  <a:rPr lang="es-CO">
+                    <a:noFill/>
+                  </a:rPr>
+                  <a:t> </a:t>
+                </a:r>
+              </a:p>
+            </p:txBody>
+          </p:sp>
+        </mc:Fallback>
+      </mc:AlternateContent>
+    </p:spTree>
+    <p:extLst>
+      <p:ext uri="{BB962C8B-B14F-4D97-AF65-F5344CB8AC3E}">
+        <p14:creationId xmlns:p14="http://schemas.microsoft.com/office/powerpoint/2010/main" val="3554068563"/>
+      </p:ext>
+    </p:extLst>
+  </p:cSld>
+  <p:clrMapOvr>
+    <a:masterClrMapping/>
+  </p:clrMapOvr>
+  <p:timing>
+    <p:tnLst>
+      <p:par>
+        <p:cTn id="1" dur="indefinite" restart="never" nodeType="tmRoot">
+          <p:childTnLst>
+            <p:seq concurrent="1" nextAc="seek">
+              <p:cTn id="2" dur="indefinite" nodeType="mainSeq">
+                <p:childTnLst>
+                  <p:par>
+                    <p:cTn id="3" fill="hold">
+                      <p:stCondLst>
+                        <p:cond delay="indefinite"/>
+                        <p:cond evt="onBegin" delay="0">
+                          <p:tn val="2"/>
+                        </p:cond>
+                      </p:stCondLst>
+                      <p:childTnLst>
+                        <p:par>
+                          <p:cTn id="4" fill="hold">
+                            <p:stCondLst>
+                              <p:cond delay="0"/>
+                            </p:stCondLst>
+                            <p:childTnLst>
+                              <p:par>
+                                <p:cTn id="5" presetID="1" presetClass="entr" presetSubtype="0" fill="hold" grpId="0" nodeType="withEffect">
+                                  <p:stCondLst>
+                                    <p:cond delay="0"/>
+                                  </p:stCondLst>
+                                  <p:childTnLst>
+                                    <p:set>
+                                      <p:cBhvr>
+                                        <p:cTn id="6" dur="1" fill="hold">
+                                          <p:stCondLst>
+                                            <p:cond delay="0"/>
+                                          </p:stCondLst>
+                                        </p:cTn>
+                                        <p:tgtEl>
+                                          <p:spTgt spid="6">
+                                            <p:txEl>
+                                              <p:pRg st="0" end="0"/>
+                                            </p:txEl>
+                                          </p:spTgt>
+                                        </p:tgtEl>
+                                        <p:attrNameLst>
+                                          <p:attrName>style.visibility</p:attrName>
+                                        </p:attrNameLst>
+                                      </p:cBhvr>
+                                      <p:to>
+                                        <p:strVal val="visible"/>
+                                      </p:to>
+                                    </p:set>
+                                  </p:childTnLst>
+                                </p:cTn>
+                              </p:par>
+                            </p:childTnLst>
+                          </p:cTn>
+                        </p:par>
+                      </p:childTnLst>
+                    </p:cTn>
+                  </p:par>
+                  <p:par>
+                    <p:cTn id="7" fill="hold">
+                      <p:stCondLst>
+                        <p:cond delay="indefinite"/>
+                      </p:stCondLst>
+                      <p:childTnLst>
+                        <p:par>
+                          <p:cTn id="8" fill="hold">
+                            <p:stCondLst>
+                              <p:cond delay="0"/>
+                            </p:stCondLst>
+                            <p:childTnLst>
+                              <p:par>
+                                <p:cTn id="9" presetID="1" presetClass="entr" presetSubtype="0" fill="hold" grpId="0" nodeType="clickEffect">
+                                  <p:stCondLst>
+                                    <p:cond delay="0"/>
+                                  </p:stCondLst>
+                                  <p:childTnLst>
+                                    <p:set>
+                                      <p:cBhvr>
+                                        <p:cTn id="10" dur="1" fill="hold">
+                                          <p:stCondLst>
+                                            <p:cond delay="0"/>
+                                          </p:stCondLst>
+                                        </p:cTn>
+                                        <p:tgtEl>
+                                          <p:spTgt spid="7"/>
+                                        </p:tgtEl>
+                                        <p:attrNameLst>
+                                          <p:attrName>style.visibility</p:attrName>
+                                        </p:attrNameLst>
+                                      </p:cBhvr>
+                                      <p:to>
+                                        <p:strVal val="visible"/>
+                                      </p:to>
+                                    </p:set>
+                                  </p:childTnLst>
+                                </p:cTn>
+                              </p:par>
+                              <p:par>
+                                <p:cTn id="11" presetID="1" presetClass="entr" presetSubtype="0" fill="hold" nodeType="withEffect">
+                                  <p:stCondLst>
+                                    <p:cond delay="0"/>
+                                  </p:stCondLst>
+                                  <p:childTnLst>
+                                    <p:set>
+                                      <p:cBhvr>
+                                        <p:cTn id="12" dur="1" fill="hold">
+                                          <p:stCondLst>
+                                            <p:cond delay="0"/>
+                                          </p:stCondLst>
+                                        </p:cTn>
+                                        <p:tgtEl>
+                                          <p:spTgt spid="8"/>
+                                        </p:tgtEl>
+                                        <p:attrNameLst>
+                                          <p:attrName>style.visibility</p:attrName>
+                                        </p:attrNameLst>
+                                      </p:cBhvr>
+                                      <p:to>
+                                        <p:strVal val="visible"/>
+                                      </p:to>
+                                    </p:set>
+                                  </p:childTnLst>
+                                </p:cTn>
+                              </p:par>
+                              <p:par>
+                                <p:cTn id="13" presetID="1" presetClass="entr" presetSubtype="0" fill="hold" grpId="0" nodeType="withEffect">
+                                  <p:stCondLst>
+                                    <p:cond delay="0"/>
+                                  </p:stCondLst>
+                                  <p:childTnLst>
+                                    <p:set>
+                                      <p:cBhvr>
+                                        <p:cTn id="14" dur="1" fill="hold">
+                                          <p:stCondLst>
+                                            <p:cond delay="0"/>
+                                          </p:stCondLst>
+                                        </p:cTn>
+                                        <p:tgtEl>
+                                          <p:spTgt spid="11"/>
+                                        </p:tgtEl>
+                                        <p:attrNameLst>
+                                          <p:attrName>style.visibility</p:attrName>
+                                        </p:attrNameLst>
+                                      </p:cBhvr>
+                                      <p:to>
+                                        <p:strVal val="visible"/>
+                                      </p:to>
+                                    </p:set>
+                                  </p:childTnLst>
+                                </p:cTn>
+                              </p:par>
+                            </p:childTnLst>
+                          </p:cTn>
+                        </p:par>
+                      </p:childTnLst>
+                    </p:cTn>
+                  </p:par>
+                  <p:par>
+                    <p:cTn id="15" fill="hold">
+                      <p:stCondLst>
+                        <p:cond delay="indefinite"/>
+                      </p:stCondLst>
+                      <p:childTnLst>
+                        <p:par>
+                          <p:cTn id="16" fill="hold">
+                            <p:stCondLst>
+                              <p:cond delay="0"/>
+                            </p:stCondLst>
+                            <p:childTnLst>
+                              <p:par>
+                                <p:cTn id="17" presetID="1" presetClass="entr" presetSubtype="0" fill="hold" grpId="0" nodeType="clickEffect">
+                                  <p:stCondLst>
+                                    <p:cond delay="0"/>
+                                  </p:stCondLst>
+                                  <p:childTnLst>
+                                    <p:set>
+                                      <p:cBhvr>
+                                        <p:cTn id="18" dur="1" fill="hold">
+                                          <p:stCondLst>
+                                            <p:cond delay="0"/>
+                                          </p:stCondLst>
+                                        </p:cTn>
+                                        <p:tgtEl>
+                                          <p:spTgt spid="12"/>
+                                        </p:tgtEl>
+                                        <p:attrNameLst>
+                                          <p:attrName>style.visibility</p:attrName>
+                                        </p:attrNameLst>
+                                      </p:cBhvr>
+                                      <p:to>
+                                        <p:strVal val="visible"/>
+                                      </p:to>
+                                    </p:set>
+                                  </p:childTnLst>
+                                </p:cTn>
+                              </p:par>
+                            </p:childTnLst>
+                          </p:cTn>
+                        </p:par>
+                      </p:childTnLst>
+                    </p:cTn>
+                  </p:par>
+                </p:childTnLst>
+              </p:cTn>
+              <p:prevCondLst>
+                <p:cond evt="onPrev" delay="0">
+                  <p:tgtEl>
+                    <p:sldTgt/>
+                  </p:tgtEl>
+                </p:cond>
+              </p:prevCondLst>
+              <p:nextCondLst>
+                <p:cond evt="onNext" delay="0">
+                  <p:tgtEl>
+                    <p:sldTgt/>
+                  </p:tgtEl>
+                </p:cond>
+              </p:nextCondLst>
+            </p:seq>
+          </p:childTnLst>
+        </p:cTn>
+      </p:par>
+    </p:tnLst>
+    <p:bldLst>
+      <p:bldP spid="6" grpId="0" build="p"/>
+      <p:bldP spid="7" grpId="0"/>
+      <p:bldP spid="11" grpId="0"/>
+      <p:bldP spid="12" grpId="0"/>
+    </p:bldLst>
+  </p:timing>
+</p:sld>
+</file>
+
+<file path=ppt/slides/slide11.xml><?xml version="1.0" encoding="utf-8"?>
+<p:sld xmlns:a="http://schemas.openxmlformats.org/drawingml/2006/main" xmlns:r="http://schemas.openxmlformats.org/officeDocument/2006/relationships" xmlns:p="http://schemas.openxmlformats.org/presentationml/2006/main">
+  <p:cSld>
+    <p:spTree>
+      <p:nvGrpSpPr>
+        <p:cNvPr id="1" name=""/>
+        <p:cNvGrpSpPr/>
+        <p:nvPr/>
+      </p:nvGrpSpPr>
+      <p:grpSpPr>
+        <a:xfrm>
+          <a:off x="0" y="0"/>
+          <a:ext cx="0" cy="0"/>
+          <a:chOff x="0" y="0"/>
+          <a:chExt cx="0" cy="0"/>
+        </a:xfrm>
+      </p:grpSpPr>
+      <p:sp>
+        <p:nvSpPr>
+          <p:cNvPr id="2" name="Title 1"/>
+          <p:cNvSpPr>
+            <a:spLocks noGrp="1"/>
+          </p:cNvSpPr>
+          <p:nvPr>
+            <p:ph type="title"/>
+          </p:nvPr>
+        </p:nvSpPr>
+        <p:spPr/>
+        <p:txBody>
+          <a:bodyPr/>
+          <a:lstStyle/>
+          <a:p>
+            <a:r>
+              <a:rPr lang="en-US" dirty="0" err="1"/>
+              <a:t>Cuantiles</a:t>
+            </a:r>
+            <a:r>
+              <a:rPr lang="en-US" dirty="0"/>
+              <a:t> </a:t>
+            </a:r>
+            <a:endParaRPr lang="es-CO" dirty="0"/>
+          </a:p>
+        </p:txBody>
+      </p:sp>
+      <p:sp>
+        <p:nvSpPr>
+          <p:cNvPr id="3" name="Text Placeholder 2"/>
+          <p:cNvSpPr>
+            <a:spLocks noGrp="1"/>
+          </p:cNvSpPr>
+          <p:nvPr>
+            <p:ph type="body" sz="quarter" idx="16"/>
+          </p:nvPr>
+        </p:nvSpPr>
+        <p:spPr/>
+        <p:txBody>
+          <a:bodyPr/>
+          <a:lstStyle/>
+          <a:p>
+            <a:r>
+              <a:rPr lang="en-US" dirty="0"/>
+              <a:t>Son </a:t>
+            </a:r>
+            <a:r>
+              <a:rPr lang="en-US" dirty="0" err="1"/>
+              <a:t>puntos</a:t>
+            </a:r>
+            <a:r>
+              <a:rPr lang="en-US" dirty="0"/>
+              <a:t> que </a:t>
+            </a:r>
+            <a:r>
+              <a:rPr lang="en-US" dirty="0" err="1"/>
+              <a:t>dividen</a:t>
+            </a:r>
+            <a:r>
+              <a:rPr lang="en-US" dirty="0"/>
+              <a:t> la </a:t>
+            </a:r>
+            <a:r>
+              <a:rPr lang="en-US" dirty="0" err="1"/>
+              <a:t>muestra</a:t>
+            </a:r>
+            <a:r>
+              <a:rPr lang="en-US" dirty="0"/>
+              <a:t> </a:t>
+            </a:r>
+            <a:r>
+              <a:rPr lang="en-US" dirty="0" err="1"/>
+              <a:t>en</a:t>
+            </a:r>
+            <a:r>
+              <a:rPr lang="en-US" dirty="0"/>
+              <a:t> </a:t>
+            </a:r>
+            <a:r>
+              <a:rPr lang="en-US" dirty="0" err="1"/>
+              <a:t>cuatro</a:t>
+            </a:r>
+            <a:r>
+              <a:rPr lang="en-US" dirty="0"/>
+              <a:t> </a:t>
+            </a:r>
+            <a:r>
+              <a:rPr lang="en-US" dirty="0" err="1"/>
+              <a:t>partes</a:t>
+            </a:r>
+            <a:r>
+              <a:rPr lang="en-US" dirty="0"/>
+              <a:t> </a:t>
+            </a:r>
+            <a:r>
+              <a:rPr lang="en-US" dirty="0" err="1"/>
+              <a:t>iguales</a:t>
+            </a:r>
+            <a:r>
+              <a:rPr lang="en-US" dirty="0"/>
+              <a:t>. </a:t>
+            </a:r>
+          </a:p>
+          <a:p>
+            <a:endParaRPr lang="es-CO" dirty="0"/>
+          </a:p>
+        </p:txBody>
+      </p:sp>
+      <p:pic>
+        <p:nvPicPr>
+          <p:cNvPr id="4" name="Picture 3"/>
+          <p:cNvPicPr>
+            <a:picLocks noChangeAspect="1"/>
+          </p:cNvPicPr>
+          <p:nvPr/>
+        </p:nvPicPr>
+        <p:blipFill>
+          <a:blip r:embed="rId2">
+            <a:extLst>
+              <a:ext uri="{28A0092B-C50C-407E-A947-70E740481C1C}">
+                <a14:useLocalDpi xmlns:a14="http://schemas.microsoft.com/office/drawing/2010/main" val="0"/>
+              </a:ext>
+            </a:extLst>
+          </a:blip>
+          <a:stretch>
+            <a:fillRect/>
+          </a:stretch>
+        </p:blipFill>
+        <p:spPr>
+          <a:xfrm>
+            <a:off x="3598418" y="1889323"/>
+            <a:ext cx="3424686" cy="1059272"/>
+          </a:xfrm>
+          <a:prstGeom prst="rect">
+            <a:avLst/>
+          </a:prstGeom>
+        </p:spPr>
+      </p:pic>
+      <p:pic>
+        <p:nvPicPr>
+          <p:cNvPr id="5" name="Picture 4"/>
+          <p:cNvPicPr>
+            <a:picLocks noChangeAspect="1"/>
+          </p:cNvPicPr>
+          <p:nvPr/>
+        </p:nvPicPr>
+        <p:blipFill>
+          <a:blip r:embed="rId3">
+            <a:extLst>
+              <a:ext uri="{28A0092B-C50C-407E-A947-70E740481C1C}">
+                <a14:useLocalDpi xmlns:a14="http://schemas.microsoft.com/office/drawing/2010/main" val="0"/>
+              </a:ext>
+            </a:extLst>
+          </a:blip>
+          <a:stretch>
+            <a:fillRect/>
+          </a:stretch>
+        </p:blipFill>
+        <p:spPr>
+          <a:xfrm>
+            <a:off x="2738788" y="3025614"/>
+            <a:ext cx="5143946" cy="2423370"/>
+          </a:xfrm>
+          <a:prstGeom prst="rect">
+            <a:avLst/>
+          </a:prstGeom>
+        </p:spPr>
+      </p:pic>
+    </p:spTree>
+    <p:extLst>
+      <p:ext uri="{BB962C8B-B14F-4D97-AF65-F5344CB8AC3E}">
+        <p14:creationId xmlns:p14="http://schemas.microsoft.com/office/powerpoint/2010/main" val="3105402036"/>
+      </p:ext>
+    </p:extLst>
+  </p:cSld>
+  <p:clrMapOvr>
+    <a:masterClrMapping/>
+  </p:clrMapOvr>
+</p:sld>
+</file>
+
+<file path=ppt/slides/slide12.xml><?xml version="1.0" encoding="utf-8"?>
+<p:sld xmlns:a="http://schemas.openxmlformats.org/drawingml/2006/main" xmlns:r="http://schemas.openxmlformats.org/officeDocument/2006/relationships" xmlns:p="http://schemas.openxmlformats.org/presentationml/2006/main">
+  <p:cSld>
+    <p:spTree>
+      <p:nvGrpSpPr>
+        <p:cNvPr id="1" name=""/>
+        <p:cNvGrpSpPr/>
+        <p:nvPr/>
+      </p:nvGrpSpPr>
+      <p:grpSpPr>
+        <a:xfrm>
+          <a:off x="0" y="0"/>
+          <a:ext cx="0" cy="0"/>
+          <a:chOff x="0" y="0"/>
+          <a:chExt cx="0" cy="0"/>
+        </a:xfrm>
+      </p:grpSpPr>
+      <p:sp>
+        <p:nvSpPr>
+          <p:cNvPr id="4" name="Content Placeholder 2"/>
+          <p:cNvSpPr txBox="1">
+            <a:spLocks/>
+          </p:cNvSpPr>
+          <p:nvPr/>
+        </p:nvSpPr>
+        <p:spPr>
+          <a:xfrm>
+            <a:off x="746782" y="322891"/>
+            <a:ext cx="8596668" cy="1112808"/>
+          </a:xfrm>
+          <a:prstGeom prst="rect">
+            <a:avLst/>
+          </a:prstGeom>
+        </p:spPr>
+        <p:txBody>
+          <a:bodyPr/>
+          <a:lstStyle>
+            <a:lvl1pPr marL="228600" indent="-228600" algn="l" rtl="0" eaLnBrk="0" fontAlgn="base" hangingPunct="0">
+              <a:lnSpc>
+                <a:spcPct val="90000"/>
+              </a:lnSpc>
+              <a:spcBef>
+                <a:spcPts val="1000"/>
+              </a:spcBef>
+              <a:spcAft>
+                <a:spcPct val="0"/>
+              </a:spcAft>
+              <a:buFont typeface="Arial" panose="020B0604020202020204" pitchFamily="34" charset="0"/>
+              <a:buChar char="•"/>
+              <a:defRPr sz="2800" kern="1200">
+                <a:solidFill>
+                  <a:schemeClr val="tx1"/>
+                </a:solidFill>
+                <a:latin typeface="+mn-lt"/>
+                <a:ea typeface="+mn-ea"/>
+                <a:cs typeface="+mn-cs"/>
+              </a:defRPr>
+            </a:lvl1pPr>
+            <a:lvl2pPr marL="685800" indent="-228600" algn="l" rtl="0" eaLnBrk="0" fontAlgn="base" hangingPunct="0">
+              <a:lnSpc>
+                <a:spcPct val="90000"/>
+              </a:lnSpc>
+              <a:spcBef>
+                <a:spcPts val="500"/>
+              </a:spcBef>
+              <a:spcAft>
+                <a:spcPct val="0"/>
+              </a:spcAft>
+              <a:buFont typeface="Arial" panose="020B0604020202020204" pitchFamily="34" charset="0"/>
+              <a:buChar char="•"/>
+              <a:defRPr sz="2400" kern="1200">
+                <a:solidFill>
+                  <a:schemeClr val="tx1"/>
+                </a:solidFill>
+                <a:latin typeface="+mn-lt"/>
+                <a:ea typeface="+mn-ea"/>
+                <a:cs typeface="+mn-cs"/>
+              </a:defRPr>
+            </a:lvl2pPr>
+            <a:lvl3pPr marL="1143000" indent="-228600" algn="l" rtl="0" eaLnBrk="0" fontAlgn="base" hangingPunct="0">
+              <a:lnSpc>
+                <a:spcPct val="90000"/>
+              </a:lnSpc>
+              <a:spcBef>
+                <a:spcPts val="500"/>
+              </a:spcBef>
+              <a:spcAft>
+                <a:spcPct val="0"/>
+              </a:spcAft>
+              <a:buFont typeface="Arial" panose="020B0604020202020204" pitchFamily="34" charset="0"/>
+              <a:buChar char="•"/>
+              <a:defRPr sz="2000" kern="1200">
+                <a:solidFill>
+                  <a:schemeClr val="tx1"/>
+                </a:solidFill>
+                <a:latin typeface="+mn-lt"/>
+                <a:ea typeface="+mn-ea"/>
+                <a:cs typeface="+mn-cs"/>
+              </a:defRPr>
+            </a:lvl3pPr>
+            <a:lvl4pPr marL="1600200" indent="-228600" algn="l" rtl="0" eaLnBrk="0" fontAlgn="base" hangingPunct="0">
+              <a:lnSpc>
+                <a:spcPct val="90000"/>
+              </a:lnSpc>
+              <a:spcBef>
+                <a:spcPts val="500"/>
+              </a:spcBef>
+              <a:spcAft>
+                <a:spcPct val="0"/>
+              </a:spcAft>
+              <a:buFont typeface="Arial" panose="020B0604020202020204" pitchFamily="34" charset="0"/>
+              <a:buChar char="•"/>
+              <a:defRPr kern="1200">
+                <a:solidFill>
+                  <a:schemeClr val="tx1"/>
+                </a:solidFill>
+                <a:latin typeface="+mn-lt"/>
+                <a:ea typeface="+mn-ea"/>
+                <a:cs typeface="+mn-cs"/>
+              </a:defRPr>
+            </a:lvl4pPr>
+            <a:lvl5pPr marL="2057400" indent="-228600" algn="l" rtl="0" eaLnBrk="0" fontAlgn="base" hangingPunct="0">
+              <a:lnSpc>
+                <a:spcPct val="90000"/>
+              </a:lnSpc>
+              <a:spcBef>
+                <a:spcPts val="500"/>
+              </a:spcBef>
+              <a:spcAft>
+                <a:spcPct val="0"/>
+              </a:spcAft>
+              <a:buFont typeface="Arial" panose="020B0604020202020204" pitchFamily="34" charset="0"/>
+              <a:buChar char="•"/>
+              <a:defRPr kern="1200">
+                <a:solidFill>
+                  <a:schemeClr val="tx1"/>
+                </a:solidFill>
+                <a:latin typeface="+mn-lt"/>
+                <a:ea typeface="+mn-ea"/>
+                <a:cs typeface="+mn-cs"/>
+              </a:defRPr>
+            </a:lvl5pPr>
+            <a:lvl6pPr marL="2514600" indent="-228600" algn="l" defTabSz="914400" rtl="0" eaLnBrk="1" latinLnBrk="0" hangingPunct="1">
+              <a:lnSpc>
+                <a:spcPct val="90000"/>
+              </a:lnSpc>
+              <a:spcBef>
+                <a:spcPts val="500"/>
+              </a:spcBef>
+              <a:buFont typeface="Arial" panose="020B0604020202020204" pitchFamily="34" charset="0"/>
+              <a:buChar char="•"/>
+              <a:defRPr sz="1800" kern="1200">
+                <a:solidFill>
+                  <a:schemeClr val="tx1"/>
+                </a:solidFill>
+                <a:latin typeface="+mn-lt"/>
+                <a:ea typeface="+mn-ea"/>
+                <a:cs typeface="+mn-cs"/>
+              </a:defRPr>
+            </a:lvl6pPr>
+            <a:lvl7pPr marL="2971800" indent="-228600" algn="l" defTabSz="914400" rtl="0" eaLnBrk="1" latinLnBrk="0" hangingPunct="1">
+              <a:lnSpc>
+                <a:spcPct val="90000"/>
+              </a:lnSpc>
+              <a:spcBef>
+                <a:spcPts val="500"/>
+              </a:spcBef>
+              <a:buFont typeface="Arial" panose="020B0604020202020204" pitchFamily="34" charset="0"/>
+              <a:buChar char="•"/>
+              <a:defRPr sz="1800" kern="1200">
+                <a:solidFill>
+                  <a:schemeClr val="tx1"/>
+                </a:solidFill>
+                <a:latin typeface="+mn-lt"/>
+                <a:ea typeface="+mn-ea"/>
+                <a:cs typeface="+mn-cs"/>
+              </a:defRPr>
+            </a:lvl7pPr>
+            <a:lvl8pPr marL="3429000" indent="-228600" algn="l" defTabSz="914400" rtl="0" eaLnBrk="1" latinLnBrk="0" hangingPunct="1">
+              <a:lnSpc>
+                <a:spcPct val="90000"/>
+              </a:lnSpc>
+              <a:spcBef>
+                <a:spcPts val="500"/>
+              </a:spcBef>
+              <a:buFont typeface="Arial" panose="020B0604020202020204" pitchFamily="34" charset="0"/>
+              <a:buChar char="•"/>
+              <a:defRPr sz="1800" kern="1200">
+                <a:solidFill>
+                  <a:schemeClr val="tx1"/>
+                </a:solidFill>
+                <a:latin typeface="+mn-lt"/>
+                <a:ea typeface="+mn-ea"/>
+                <a:cs typeface="+mn-cs"/>
+              </a:defRPr>
+            </a:lvl8pPr>
+            <a:lvl9pPr marL="3886200" indent="-228600" algn="l" defTabSz="914400" rtl="0" eaLnBrk="1" latinLnBrk="0" hangingPunct="1">
+              <a:lnSpc>
+                <a:spcPct val="90000"/>
+              </a:lnSpc>
+              <a:spcBef>
+                <a:spcPts val="500"/>
+              </a:spcBef>
+              <a:buFont typeface="Arial" panose="020B0604020202020204" pitchFamily="34" charset="0"/>
+              <a:buChar char="•"/>
+              <a:defRPr sz="1800" kern="1200">
+                <a:solidFill>
+                  <a:schemeClr val="tx1"/>
+                </a:solidFill>
+                <a:latin typeface="+mn-lt"/>
+                <a:ea typeface="+mn-ea"/>
+                <a:cs typeface="+mn-cs"/>
+              </a:defRPr>
+            </a:lvl9pPr>
+          </a:lstStyle>
+          <a:p>
+            <a:r>
+              <a:rPr lang="en-US" dirty="0" err="1" smtClean="0"/>
+              <a:t>Ejemplo</a:t>
+            </a:r>
+            <a:r>
+              <a:rPr lang="en-US" dirty="0" smtClean="0"/>
+              <a:t>:</a:t>
+            </a:r>
+          </a:p>
+          <a:p>
+            <a:pPr marL="0" indent="0">
+              <a:buFont typeface="Arial" panose="020B0604020202020204" pitchFamily="34" charset="0"/>
+              <a:buNone/>
+            </a:pPr>
+            <a:r>
+              <a:rPr lang="en-US" dirty="0" err="1" smtClean="0"/>
+              <a:t>Datos</a:t>
+            </a:r>
+            <a:r>
+              <a:rPr lang="en-US" dirty="0" smtClean="0"/>
+              <a:t>:                          6, 7, 15, 36, 39, 40, 41, 42, 43, 47, 49</a:t>
+            </a:r>
+            <a:endParaRPr lang="en-US" dirty="0"/>
+          </a:p>
+        </p:txBody>
+      </p:sp>
+      <p:sp>
+        <p:nvSpPr>
+          <p:cNvPr id="5" name="TextBox 4"/>
+          <p:cNvSpPr txBox="1"/>
+          <p:nvPr/>
+        </p:nvSpPr>
+        <p:spPr>
+          <a:xfrm>
+            <a:off x="474563" y="1663369"/>
+            <a:ext cx="9769032" cy="800219"/>
+          </a:xfrm>
+          <a:prstGeom prst="rect">
+            <a:avLst/>
+          </a:prstGeom>
+          <a:noFill/>
+        </p:spPr>
+        <p:txBody>
+          <a:bodyPr wrap="square" rtlCol="0">
+            <a:spAutoFit/>
+          </a:bodyPr>
+          <a:lstStyle/>
+          <a:p>
+            <a:r>
+              <a:rPr lang="en-US" sz="2800" dirty="0" smtClean="0"/>
+              <a:t>2 </a:t>
+            </a:r>
+            <a:r>
+              <a:rPr lang="en-US" sz="2800" dirty="0" err="1" smtClean="0"/>
+              <a:t>Quantil</a:t>
+            </a:r>
+            <a:r>
+              <a:rPr lang="en-US" sz="2800" dirty="0" smtClean="0"/>
+              <a:t> (</a:t>
+            </a:r>
+            <a:r>
+              <a:rPr lang="en-US" sz="2800" dirty="0" err="1" smtClean="0"/>
+              <a:t>Mediana</a:t>
+            </a:r>
+            <a:r>
+              <a:rPr lang="en-US" sz="2800" dirty="0" smtClean="0"/>
+              <a:t>):    6</a:t>
+            </a:r>
+            <a:r>
+              <a:rPr lang="en-US" sz="2800" dirty="0"/>
+              <a:t>, 7, 15, 36, 39, </a:t>
+            </a:r>
+            <a:r>
+              <a:rPr lang="en-US" sz="2800" dirty="0">
+                <a:solidFill>
+                  <a:srgbClr val="FF0000"/>
+                </a:solidFill>
+              </a:rPr>
+              <a:t>40</a:t>
+            </a:r>
+            <a:r>
+              <a:rPr lang="en-US" sz="2800" dirty="0" smtClean="0"/>
+              <a:t>, 41</a:t>
+            </a:r>
+            <a:r>
+              <a:rPr lang="en-US" sz="2800" dirty="0"/>
+              <a:t>, 42, 43, 47, 49</a:t>
+            </a:r>
+          </a:p>
+          <a:p>
+            <a:r>
+              <a:rPr lang="en-US" dirty="0" smtClean="0"/>
+              <a:t>  </a:t>
+            </a:r>
+            <a:endParaRPr lang="es-CO" dirty="0"/>
+          </a:p>
+        </p:txBody>
+      </p:sp>
+      <p:sp>
+        <p:nvSpPr>
+          <p:cNvPr id="6" name="TextBox 5"/>
+          <p:cNvSpPr txBox="1"/>
+          <p:nvPr/>
+        </p:nvSpPr>
+        <p:spPr>
+          <a:xfrm>
+            <a:off x="746782" y="2463588"/>
+            <a:ext cx="8929653" cy="800219"/>
+          </a:xfrm>
+          <a:prstGeom prst="rect">
+            <a:avLst/>
+          </a:prstGeom>
+          <a:noFill/>
+        </p:spPr>
+        <p:txBody>
+          <a:bodyPr wrap="square" rtlCol="0">
+            <a:spAutoFit/>
+          </a:bodyPr>
+          <a:lstStyle/>
+          <a:p>
+            <a:r>
+              <a:rPr lang="en-US" sz="2800" dirty="0" smtClean="0"/>
+              <a:t> 1 </a:t>
+            </a:r>
+            <a:r>
+              <a:rPr lang="en-US" sz="2800" dirty="0" err="1" smtClean="0"/>
+              <a:t>Quantil</a:t>
+            </a:r>
+            <a:r>
+              <a:rPr lang="en-US" sz="2800" dirty="0" smtClean="0"/>
+              <a:t>:                    6</a:t>
+            </a:r>
+            <a:r>
+              <a:rPr lang="en-US" sz="2800" dirty="0"/>
+              <a:t>, 7, </a:t>
+            </a:r>
+            <a:r>
+              <a:rPr lang="en-US" sz="2800" dirty="0">
+                <a:solidFill>
+                  <a:srgbClr val="FF0000"/>
+                </a:solidFill>
+              </a:rPr>
+              <a:t>15</a:t>
+            </a:r>
+            <a:r>
+              <a:rPr lang="en-US" sz="2800" dirty="0"/>
+              <a:t>, 36, 39, 40</a:t>
+            </a:r>
+            <a:r>
+              <a:rPr lang="en-US" sz="2800" dirty="0" smtClean="0"/>
+              <a:t>, 41</a:t>
+            </a:r>
+            <a:r>
+              <a:rPr lang="en-US" sz="2800" dirty="0"/>
+              <a:t>, 42, 43, 47, 49</a:t>
+            </a:r>
+          </a:p>
+          <a:p>
+            <a:r>
+              <a:rPr lang="en-US" dirty="0" smtClean="0"/>
+              <a:t>  </a:t>
+            </a:r>
+            <a:endParaRPr lang="es-CO" dirty="0"/>
+          </a:p>
+        </p:txBody>
+      </p:sp>
+      <p:sp>
+        <p:nvSpPr>
+          <p:cNvPr id="7" name="TextBox 6"/>
+          <p:cNvSpPr txBox="1"/>
+          <p:nvPr/>
+        </p:nvSpPr>
+        <p:spPr>
+          <a:xfrm>
+            <a:off x="746782" y="3263807"/>
+            <a:ext cx="9091699" cy="800219"/>
+          </a:xfrm>
+          <a:prstGeom prst="rect">
+            <a:avLst/>
+          </a:prstGeom>
+          <a:noFill/>
+        </p:spPr>
+        <p:txBody>
+          <a:bodyPr wrap="square" rtlCol="0">
+            <a:spAutoFit/>
+          </a:bodyPr>
+          <a:lstStyle/>
+          <a:p>
+            <a:r>
+              <a:rPr lang="en-US" sz="2800" dirty="0" smtClean="0"/>
+              <a:t> 3 </a:t>
+            </a:r>
+            <a:r>
+              <a:rPr lang="en-US" sz="2800" dirty="0" err="1" smtClean="0"/>
+              <a:t>Quantil</a:t>
+            </a:r>
+            <a:r>
+              <a:rPr lang="en-US" sz="2800" dirty="0" smtClean="0"/>
+              <a:t>:                    6</a:t>
+            </a:r>
+            <a:r>
+              <a:rPr lang="en-US" sz="2800" dirty="0"/>
+              <a:t>, 7, 15, 36, 39, 40</a:t>
+            </a:r>
+            <a:r>
+              <a:rPr lang="en-US" sz="2800" dirty="0" smtClean="0"/>
+              <a:t>, </a:t>
+            </a:r>
+            <a:r>
+              <a:rPr lang="en-US" sz="2800" dirty="0" smtClean="0"/>
+              <a:t>41,42</a:t>
+            </a:r>
+            <a:r>
+              <a:rPr lang="en-US" sz="2800" dirty="0"/>
+              <a:t>, </a:t>
+            </a:r>
+            <a:r>
+              <a:rPr lang="en-US" sz="2800" dirty="0">
+                <a:solidFill>
+                  <a:srgbClr val="FF0000"/>
+                </a:solidFill>
+              </a:rPr>
+              <a:t>43</a:t>
+            </a:r>
+            <a:r>
+              <a:rPr lang="en-US" sz="2800" dirty="0"/>
+              <a:t>, 47, 49</a:t>
+            </a:r>
+          </a:p>
+          <a:p>
+            <a:r>
+              <a:rPr lang="en-US" dirty="0" smtClean="0"/>
+              <a:t>  </a:t>
+            </a:r>
+            <a:endParaRPr lang="es-CO" dirty="0"/>
+          </a:p>
+        </p:txBody>
+      </p:sp>
+      <p:sp>
+        <p:nvSpPr>
+          <p:cNvPr id="8" name="TextBox 7"/>
+          <p:cNvSpPr txBox="1"/>
+          <p:nvPr/>
+        </p:nvSpPr>
+        <p:spPr>
+          <a:xfrm>
+            <a:off x="636607" y="4217914"/>
+            <a:ext cx="9201873" cy="800219"/>
+          </a:xfrm>
+          <a:prstGeom prst="rect">
+            <a:avLst/>
+          </a:prstGeom>
+          <a:noFill/>
+        </p:spPr>
+        <p:txBody>
+          <a:bodyPr wrap="square" rtlCol="0">
+            <a:spAutoFit/>
+          </a:bodyPr>
+          <a:lstStyle/>
+          <a:p>
+            <a:r>
+              <a:rPr lang="en-US" dirty="0" smtClean="0"/>
+              <a:t> </a:t>
+            </a:r>
+            <a:r>
+              <a:rPr lang="en-US" sz="2800" dirty="0" smtClean="0"/>
+              <a:t>Total Quantiles:           6</a:t>
+            </a:r>
+            <a:r>
+              <a:rPr lang="en-US" sz="2800" dirty="0"/>
+              <a:t>, 7, </a:t>
+            </a:r>
+            <a:r>
+              <a:rPr lang="en-US" sz="2800" dirty="0">
+                <a:solidFill>
+                  <a:srgbClr val="FF0000"/>
+                </a:solidFill>
+              </a:rPr>
+              <a:t>15</a:t>
+            </a:r>
+            <a:r>
+              <a:rPr lang="en-US" sz="2800" dirty="0"/>
+              <a:t>, 36, 39, </a:t>
+            </a:r>
+            <a:r>
+              <a:rPr lang="en-US" sz="2800" dirty="0">
+                <a:solidFill>
+                  <a:srgbClr val="FF0000"/>
+                </a:solidFill>
+              </a:rPr>
+              <a:t>40</a:t>
+            </a:r>
+            <a:r>
+              <a:rPr lang="en-US" sz="2800" dirty="0" smtClean="0"/>
+              <a:t>, </a:t>
+            </a:r>
+            <a:r>
+              <a:rPr lang="en-US" sz="2800" dirty="0" smtClean="0"/>
+              <a:t>41,42</a:t>
+            </a:r>
+            <a:r>
+              <a:rPr lang="en-US" sz="2800" dirty="0"/>
+              <a:t>, </a:t>
+            </a:r>
+            <a:r>
+              <a:rPr lang="en-US" sz="2800" dirty="0">
+                <a:solidFill>
+                  <a:srgbClr val="FF0000"/>
+                </a:solidFill>
+              </a:rPr>
+              <a:t>43</a:t>
+            </a:r>
+            <a:r>
+              <a:rPr lang="en-US" sz="2800" dirty="0"/>
+              <a:t>, 47, 49</a:t>
+            </a:r>
+          </a:p>
+          <a:p>
+            <a:r>
+              <a:rPr lang="en-US" dirty="0" smtClean="0"/>
+              <a:t>  </a:t>
+            </a:r>
+            <a:endParaRPr lang="es-CO" dirty="0"/>
+          </a:p>
+        </p:txBody>
+      </p:sp>
+    </p:spTree>
+    <p:extLst>
+      <p:ext uri="{BB962C8B-B14F-4D97-AF65-F5344CB8AC3E}">
+        <p14:creationId xmlns:p14="http://schemas.microsoft.com/office/powerpoint/2010/main" val="2028708747"/>
+      </p:ext>
+    </p:extLst>
+  </p:cSld>
+  <p:clrMapOvr>
+    <a:masterClrMapping/>
+  </p:clrMapOvr>
+  <p:timing>
+    <p:tnLst>
+      <p:par>
+        <p:cTn id="1" dur="indefinite" restart="never" nodeType="tmRoot">
+          <p:childTnLst>
+            <p:seq concurrent="1" nextAc="seek">
+              <p:cTn id="2" dur="indefinite" nodeType="mainSeq">
+                <p:childTnLst>
+                  <p:par>
+                    <p:cTn id="3" fill="hold">
+                      <p:stCondLst>
+                        <p:cond delay="indefinite"/>
+                      </p:stCondLst>
+                      <p:childTnLst>
+                        <p:par>
+                          <p:cTn id="4" fill="hold">
+                            <p:stCondLst>
+                              <p:cond delay="0"/>
+                            </p:stCondLst>
+                            <p:childTnLst>
+                              <p:par>
+                                <p:cTn id="5" presetID="1" presetClass="entr" presetSubtype="0" fill="hold" grpId="0" nodeType="clickEffect">
+                                  <p:stCondLst>
+                                    <p:cond delay="0"/>
+                                  </p:stCondLst>
+                                  <p:childTnLst>
+                                    <p:set>
+                                      <p:cBhvr>
+                                        <p:cTn id="6" dur="1" fill="hold">
+                                          <p:stCondLst>
+                                            <p:cond delay="0"/>
+                                          </p:stCondLst>
+                                        </p:cTn>
+                                        <p:tgtEl>
+                                          <p:spTgt spid="5"/>
+                                        </p:tgtEl>
+                                        <p:attrNameLst>
+                                          <p:attrName>style.visibility</p:attrName>
+                                        </p:attrNameLst>
+                                      </p:cBhvr>
+                                      <p:to>
+                                        <p:strVal val="visible"/>
+                                      </p:to>
+                                    </p:set>
+                                  </p:childTnLst>
+                                </p:cTn>
+                              </p:par>
+                            </p:childTnLst>
+                          </p:cTn>
+                        </p:par>
+                      </p:childTnLst>
+                    </p:cTn>
+                  </p:par>
+                  <p:par>
+                    <p:cTn id="7" fill="hold">
+                      <p:stCondLst>
+                        <p:cond delay="indefinite"/>
+                      </p:stCondLst>
+                      <p:childTnLst>
+                        <p:par>
+                          <p:cTn id="8" fill="hold">
+                            <p:stCondLst>
+                              <p:cond delay="0"/>
+                            </p:stCondLst>
+                            <p:childTnLst>
+                              <p:par>
+                                <p:cTn id="9" presetID="1" presetClass="entr" presetSubtype="0" fill="hold" grpId="0" nodeType="clickEffect">
+                                  <p:stCondLst>
+                                    <p:cond delay="0"/>
+                                  </p:stCondLst>
+                                  <p:childTnLst>
+                                    <p:set>
+                                      <p:cBhvr>
+                                        <p:cTn id="10" dur="1" fill="hold">
+                                          <p:stCondLst>
+                                            <p:cond delay="0"/>
+                                          </p:stCondLst>
+                                        </p:cTn>
+                                        <p:tgtEl>
+                                          <p:spTgt spid="6"/>
+                                        </p:tgtEl>
+                                        <p:attrNameLst>
+                                          <p:attrName>style.visibility</p:attrName>
+                                        </p:attrNameLst>
+                                      </p:cBhvr>
+                                      <p:to>
+                                        <p:strVal val="visible"/>
+                                      </p:to>
+                                    </p:set>
+                                  </p:childTnLst>
+                                </p:cTn>
+                              </p:par>
+                            </p:childTnLst>
+                          </p:cTn>
+                        </p:par>
+                      </p:childTnLst>
+                    </p:cTn>
+                  </p:par>
+                  <p:par>
+                    <p:cTn id="11" fill="hold">
+                      <p:stCondLst>
+                        <p:cond delay="indefinite"/>
+                      </p:stCondLst>
+                      <p:childTnLst>
+                        <p:par>
+                          <p:cTn id="12" fill="hold">
+                            <p:stCondLst>
+                              <p:cond delay="0"/>
+                            </p:stCondLst>
+                            <p:childTnLst>
+                              <p:par>
+                                <p:cTn id="13" presetID="1" presetClass="entr" presetSubtype="0" fill="hold" grpId="0" nodeType="clickEffect">
+                                  <p:stCondLst>
+                                    <p:cond delay="0"/>
+                                  </p:stCondLst>
+                                  <p:childTnLst>
+                                    <p:set>
+                                      <p:cBhvr>
+                                        <p:cTn id="14" dur="1" fill="hold">
+                                          <p:stCondLst>
+                                            <p:cond delay="0"/>
+                                          </p:stCondLst>
+                                        </p:cTn>
+                                        <p:tgtEl>
+                                          <p:spTgt spid="7"/>
+                                        </p:tgtEl>
+                                        <p:attrNameLst>
+                                          <p:attrName>style.visibility</p:attrName>
+                                        </p:attrNameLst>
+                                      </p:cBhvr>
+                                      <p:to>
+                                        <p:strVal val="visible"/>
+                                      </p:to>
+                                    </p:set>
+                                  </p:childTnLst>
+                                </p:cTn>
+                              </p:par>
+                            </p:childTnLst>
+                          </p:cTn>
+                        </p:par>
+                      </p:childTnLst>
+                    </p:cTn>
+                  </p:par>
+                  <p:par>
+                    <p:cTn id="15" fill="hold">
+                      <p:stCondLst>
+                        <p:cond delay="indefinite"/>
+                      </p:stCondLst>
+                      <p:childTnLst>
+                        <p:par>
+                          <p:cTn id="16" fill="hold">
+                            <p:stCondLst>
+                              <p:cond delay="0"/>
+                            </p:stCondLst>
+                            <p:childTnLst>
+                              <p:par>
+                                <p:cTn id="17" presetID="1" presetClass="entr" presetSubtype="0" fill="hold" grpId="0" nodeType="clickEffect">
+                                  <p:stCondLst>
+                                    <p:cond delay="0"/>
+                                  </p:stCondLst>
+                                  <p:childTnLst>
+                                    <p:set>
+                                      <p:cBhvr>
+                                        <p:cTn id="18" dur="1" fill="hold">
+                                          <p:stCondLst>
+                                            <p:cond delay="0"/>
+                                          </p:stCondLst>
+                                        </p:cTn>
+                                        <p:tgtEl>
+                                          <p:spTgt spid="8"/>
+                                        </p:tgtEl>
+                                        <p:attrNameLst>
+                                          <p:attrName>style.visibility</p:attrName>
+                                        </p:attrNameLst>
+                                      </p:cBhvr>
+                                      <p:to>
+                                        <p:strVal val="visible"/>
+                                      </p:to>
+                                    </p:set>
+                                  </p:childTnLst>
+                                </p:cTn>
+                              </p:par>
+                            </p:childTnLst>
+                          </p:cTn>
+                        </p:par>
+                      </p:childTnLst>
+                    </p:cTn>
+                  </p:par>
+                </p:childTnLst>
+              </p:cTn>
+              <p:prevCondLst>
+                <p:cond evt="onPrev" delay="0">
+                  <p:tgtEl>
+                    <p:sldTgt/>
+                  </p:tgtEl>
+                </p:cond>
+              </p:prevCondLst>
+              <p:nextCondLst>
+                <p:cond evt="onNext" delay="0">
+                  <p:tgtEl>
+                    <p:sldTgt/>
+                  </p:tgtEl>
+                </p:cond>
+              </p:nextCondLst>
+            </p:seq>
+          </p:childTnLst>
+        </p:cTn>
+      </p:par>
+    </p:tnLst>
+    <p:bldLst>
+      <p:bldP spid="5" grpId="0"/>
+      <p:bldP spid="6" grpId="0"/>
+      <p:bldP spid="7" grpId="0"/>
+      <p:bldP spid="8" grpId="0"/>
+    </p:bldLst>
+  </p:timing>
+</p:sld>
+</file>
+
+<file path=ppt/slides/slide13.xml><?xml version="1.0" encoding="utf-8"?>
+<p:sld xmlns:a="http://schemas.openxmlformats.org/drawingml/2006/main" xmlns:r="http://schemas.openxmlformats.org/officeDocument/2006/relationships" xmlns:p="http://schemas.openxmlformats.org/presentationml/2006/main">
+  <p:cSld>
+    <p:spTree>
+      <p:nvGrpSpPr>
+        <p:cNvPr id="1" name=""/>
+        <p:cNvGrpSpPr/>
+        <p:nvPr/>
+      </p:nvGrpSpPr>
+      <p:grpSpPr>
+        <a:xfrm>
+          <a:off x="0" y="0"/>
+          <a:ext cx="0" cy="0"/>
+          <a:chOff x="0" y="0"/>
+          <a:chExt cx="0" cy="0"/>
+        </a:xfrm>
+      </p:grpSpPr>
+      <p:sp>
+        <p:nvSpPr>
+          <p:cNvPr id="2" name="Title 1"/>
+          <p:cNvSpPr>
+            <a:spLocks noGrp="1"/>
+          </p:cNvSpPr>
+          <p:nvPr>
+            <p:ph type="title"/>
+          </p:nvPr>
+        </p:nvSpPr>
+        <p:spPr/>
+        <p:txBody>
+          <a:bodyPr/>
+          <a:lstStyle/>
+          <a:p>
+            <a:r>
+              <a:rPr lang="en-US" dirty="0" err="1" smtClean="0"/>
+              <a:t>Codigo</a:t>
+            </a:r>
+            <a:r>
+              <a:rPr lang="en-US" dirty="0" smtClean="0"/>
+              <a:t> </a:t>
+            </a:r>
+            <a:r>
+              <a:rPr lang="en-US" dirty="0" err="1" smtClean="0"/>
+              <a:t>en</a:t>
+            </a:r>
+            <a:r>
+              <a:rPr lang="en-US" dirty="0" smtClean="0"/>
+              <a:t> R</a:t>
+            </a:r>
+            <a:endParaRPr lang="es-CO" dirty="0"/>
+          </a:p>
+        </p:txBody>
+      </p:sp>
+      <p:pic>
+        <p:nvPicPr>
+          <p:cNvPr id="5" name="Picture 4"/>
+          <p:cNvPicPr>
+            <a:picLocks noChangeAspect="1"/>
+          </p:cNvPicPr>
+          <p:nvPr/>
+        </p:nvPicPr>
+        <p:blipFill>
+          <a:blip r:embed="rId2"/>
+          <a:stretch>
+            <a:fillRect/>
+          </a:stretch>
+        </p:blipFill>
+        <p:spPr>
+          <a:xfrm>
+            <a:off x="427962" y="825540"/>
+            <a:ext cx="5139462" cy="5065974"/>
+          </a:xfrm>
+          <a:prstGeom prst="rect">
+            <a:avLst/>
+          </a:prstGeom>
+        </p:spPr>
+      </p:pic>
+    </p:spTree>
+    <p:extLst>
+      <p:ext uri="{BB962C8B-B14F-4D97-AF65-F5344CB8AC3E}">
+        <p14:creationId xmlns:p14="http://schemas.microsoft.com/office/powerpoint/2010/main" val="4228817387"/>
+      </p:ext>
+    </p:extLst>
+  </p:cSld>
+  <p:clrMapOvr>
+    <a:masterClrMapping/>
+  </p:clrMapOvr>
+</p:sld>
+</file>
+
+<file path=ppt/slides/slide14.xml><?xml version="1.0" encoding="utf-8"?>
+<p:sld xmlns:a="http://schemas.openxmlformats.org/drawingml/2006/main" xmlns:r="http://schemas.openxmlformats.org/officeDocument/2006/relationships" xmlns:p="http://schemas.openxmlformats.org/presentationml/2006/main">
+  <p:cSld>
+    <p:spTree>
+      <p:nvGrpSpPr>
+        <p:cNvPr id="1" name=""/>
+        <p:cNvGrpSpPr/>
+        <p:nvPr/>
+      </p:nvGrpSpPr>
+      <p:grpSpPr>
+        <a:xfrm>
+          <a:off x="0" y="0"/>
+          <a:ext cx="0" cy="0"/>
+          <a:chOff x="0" y="0"/>
+          <a:chExt cx="0" cy="0"/>
+        </a:xfrm>
+      </p:grpSpPr>
+      <p:sp>
+        <p:nvSpPr>
+          <p:cNvPr id="9218" name="TextBox 1"/>
+          <p:cNvSpPr txBox="1">
+            <a:spLocks noChangeArrowheads="1"/>
+          </p:cNvSpPr>
+          <p:nvPr/>
+        </p:nvSpPr>
+        <p:spPr bwMode="auto">
+          <a:xfrm>
+            <a:off x="1104795" y="1732961"/>
+            <a:ext cx="4890278" cy="1323439"/>
+          </a:xfrm>
+          <a:prstGeom prst="rect">
+            <a:avLst/>
+          </a:prstGeom>
+          <a:noFill/>
+          <a:ln>
+            <a:noFill/>
+          </a:ln>
+          <a:extLst>
+            <a:ext uri="{909E8E84-426E-40DD-AFC4-6F175D3DCCD1}">
+              <a14:hiddenFill xmlns:a14="http://schemas.microsoft.com/office/drawing/2010/main">
+                <a:solidFill>
+                  <a:srgbClr val="FFFFFF"/>
+                </a:solidFill>
+              </a14:hiddenFill>
+            </a:ext>
+            <a:ext uri="{91240B29-F687-4F45-9708-019B960494DF}">
+              <a14:hiddenLine xmlns:a14="http://schemas.microsoft.com/office/drawing/2010/main" w="9525">
+                <a:solidFill>
+                  <a:srgbClr val="000000"/>
+                </a:solidFill>
+                <a:miter lim="800000"/>
+                <a:headEnd/>
+                <a:tailEnd/>
+              </a14:hiddenLine>
+            </a:ext>
+          </a:extLst>
+        </p:spPr>
+        <p:txBody>
+          <a:bodyPr wrap="square">
+            <a:spAutoFit/>
+          </a:bodyPr>
+          <a:lstStyle>
+            <a:lvl1pPr>
+              <a:defRPr>
+                <a:solidFill>
+                  <a:schemeClr val="tx1"/>
+                </a:solidFill>
+                <a:latin typeface="Calibri" panose="020F0502020204030204" pitchFamily="34" charset="0"/>
+              </a:defRPr>
+            </a:lvl1pPr>
+            <a:lvl2pPr marL="742950" indent="-285750">
+              <a:defRPr>
+                <a:solidFill>
+                  <a:schemeClr val="tx1"/>
+                </a:solidFill>
+                <a:latin typeface="Calibri" panose="020F0502020204030204" pitchFamily="34" charset="0"/>
+              </a:defRPr>
+            </a:lvl2pPr>
+            <a:lvl3pPr marL="1143000" indent="-228600">
+              <a:defRPr>
+                <a:solidFill>
+                  <a:schemeClr val="tx1"/>
+                </a:solidFill>
+                <a:latin typeface="Calibri" panose="020F0502020204030204" pitchFamily="34" charset="0"/>
+              </a:defRPr>
+            </a:lvl3pPr>
+            <a:lvl4pPr marL="1600200" indent="-228600">
+              <a:defRPr>
+                <a:solidFill>
+                  <a:schemeClr val="tx1"/>
+                </a:solidFill>
+                <a:latin typeface="Calibri" panose="020F0502020204030204" pitchFamily="34" charset="0"/>
+              </a:defRPr>
+            </a:lvl4pPr>
+            <a:lvl5pPr marL="2057400" indent="-228600">
+              <a:defRPr>
+                <a:solidFill>
+                  <a:schemeClr val="tx1"/>
+                </a:solidFill>
+                <a:latin typeface="Calibri" panose="020F0502020204030204" pitchFamily="34" charset="0"/>
+              </a:defRPr>
+            </a:lvl5pPr>
+            <a:lvl6pPr marL="2514600" indent="-228600" eaLnBrk="0" fontAlgn="base" hangingPunct="0">
+              <a:spcBef>
+                <a:spcPct val="0"/>
+              </a:spcBef>
+              <a:spcAft>
+                <a:spcPct val="0"/>
+              </a:spcAft>
+              <a:defRPr>
+                <a:solidFill>
+                  <a:schemeClr val="tx1"/>
+                </a:solidFill>
+                <a:latin typeface="Calibri" panose="020F0502020204030204" pitchFamily="34" charset="0"/>
+              </a:defRPr>
+            </a:lvl6pPr>
+            <a:lvl7pPr marL="2971800" indent="-228600" eaLnBrk="0" fontAlgn="base" hangingPunct="0">
+              <a:spcBef>
+                <a:spcPct val="0"/>
+              </a:spcBef>
+              <a:spcAft>
+                <a:spcPct val="0"/>
+              </a:spcAft>
+              <a:defRPr>
+                <a:solidFill>
+                  <a:schemeClr val="tx1"/>
+                </a:solidFill>
+                <a:latin typeface="Calibri" panose="020F0502020204030204" pitchFamily="34" charset="0"/>
+              </a:defRPr>
+            </a:lvl7pPr>
+            <a:lvl8pPr marL="3429000" indent="-228600" eaLnBrk="0" fontAlgn="base" hangingPunct="0">
+              <a:spcBef>
+                <a:spcPct val="0"/>
+              </a:spcBef>
+              <a:spcAft>
+                <a:spcPct val="0"/>
+              </a:spcAft>
+              <a:defRPr>
+                <a:solidFill>
+                  <a:schemeClr val="tx1"/>
+                </a:solidFill>
+                <a:latin typeface="Calibri" panose="020F0502020204030204" pitchFamily="34" charset="0"/>
+              </a:defRPr>
+            </a:lvl8pPr>
+            <a:lvl9pPr marL="3886200" indent="-228600" eaLnBrk="0" fontAlgn="base" hangingPunct="0">
+              <a:spcBef>
+                <a:spcPct val="0"/>
+              </a:spcBef>
+              <a:spcAft>
+                <a:spcPct val="0"/>
+              </a:spcAft>
+              <a:defRPr>
+                <a:solidFill>
+                  <a:schemeClr val="tx1"/>
+                </a:solidFill>
+                <a:latin typeface="Calibri" panose="020F0502020204030204" pitchFamily="34" charset="0"/>
+              </a:defRPr>
+            </a:lvl9pPr>
+          </a:lstStyle>
+          <a:p>
+            <a:pPr algn="ctr"/>
+            <a:r>
+              <a:rPr lang="en-US" altLang="en-US" sz="8000" dirty="0" smtClean="0">
+                <a:solidFill>
+                  <a:schemeClr val="bg1"/>
+                </a:solidFill>
+              </a:rPr>
+              <a:t>Thank you!</a:t>
+            </a:r>
+            <a:endParaRPr lang="en-US" altLang="en-US" sz="8000" dirty="0">
+              <a:solidFill>
+                <a:schemeClr val="bg1"/>
+              </a:solidFill>
+            </a:endParaRPr>
           </a:p>
         </p:txBody>
       </p:sp>
@@ -4815,14 +7576,7 @@
                 <a:latin typeface="Times New Roman" pitchFamily="18" charset="0"/>
                 <a:cs typeface="Times New Roman" pitchFamily="18" charset="0"/>
               </a:rPr>
-              <a:t>Sexo </a:t>
-            </a:r>
-            <a:r>
-              <a:rPr lang="es-ES" sz="1400" dirty="0" smtClean="0">
-                <a:latin typeface="Times New Roman" pitchFamily="18" charset="0"/>
-                <a:cs typeface="Times New Roman" pitchFamily="18" charset="0"/>
-              </a:rPr>
-              <a:t>(Masculino, Femenino)</a:t>
+              <a:t>Sexo (Masculino, Femenino)</a:t>
             </a:r>
           </a:p>
           <a:p>
@@ -5791,7 +8545,670 @@
           <a:chExt cx="0" cy="0"/>
         </a:xfrm>
       </p:grpSpPr>
+      <p:sp>
+        <p:nvSpPr>
+          <p:cNvPr id="2" name="Title 1"/>
+          <p:cNvSpPr>
+            <a:spLocks noGrp="1"/>
+          </p:cNvSpPr>
+          <p:nvPr>
+            <p:ph type="title"/>
+          </p:nvPr>
+        </p:nvSpPr>
+        <p:spPr/>
+        <p:txBody>
+          <a:bodyPr/>
+          <a:lstStyle/>
+          <a:p>
+            <a:r>
+              <a:rPr lang="en-US" dirty="0" err="1"/>
+              <a:t>Mediana</a:t>
+            </a:r>
+            <a:endParaRPr lang="es-CO" dirty="0"/>
+          </a:p>
+        </p:txBody>
+      </p:sp>
+      <p:sp>
+        <p:nvSpPr>
+          <p:cNvPr id="4" name="Content Placeholder 2"/>
+          <p:cNvSpPr>
+            <a:spLocks noGrp="1"/>
+          </p:cNvSpPr>
+          <p:nvPr>
+            <p:ph type="body" sz="quarter" idx="16"/>
+          </p:nvPr>
+        </p:nvSpPr>
+        <p:spPr/>
+        <p:txBody>
+          <a:bodyPr>
+            <a:normAutofit/>
+          </a:bodyPr>
+          <a:lstStyle/>
+          <a:p>
+            <a:pPr algn="just"/>
+            <a:r>
+              <a:rPr lang="en-US" dirty="0" err="1" smtClean="0"/>
+              <a:t>Es</a:t>
+            </a:r>
+            <a:r>
+              <a:rPr lang="en-US" dirty="0" smtClean="0"/>
+              <a:t> el valor que </a:t>
+            </a:r>
+            <a:r>
+              <a:rPr lang="en-US" dirty="0" err="1" smtClean="0"/>
+              <a:t>separa</a:t>
+            </a:r>
+            <a:r>
+              <a:rPr lang="en-US" dirty="0" smtClean="0"/>
+              <a:t> la </a:t>
+            </a:r>
+            <a:r>
+              <a:rPr lang="en-US" dirty="0" err="1" smtClean="0"/>
+              <a:t>mitad</a:t>
+            </a:r>
+            <a:r>
+              <a:rPr lang="en-US" dirty="0" smtClean="0"/>
+              <a:t> de las </a:t>
+            </a:r>
+            <a:r>
+              <a:rPr lang="en-US" dirty="0" err="1" smtClean="0"/>
+              <a:t>observaciones</a:t>
+            </a:r>
+            <a:r>
+              <a:rPr lang="en-US" dirty="0" smtClean="0"/>
+              <a:t> </a:t>
+            </a:r>
+            <a:r>
+              <a:rPr lang="en-US" dirty="0" err="1" smtClean="0"/>
+              <a:t>ordenadas</a:t>
+            </a:r>
+            <a:r>
+              <a:rPr lang="en-US" dirty="0" smtClean="0"/>
+              <a:t> de </a:t>
+            </a:r>
+            <a:r>
+              <a:rPr lang="en-US" dirty="0" err="1" smtClean="0"/>
+              <a:t>menor</a:t>
+            </a:r>
+            <a:r>
+              <a:rPr lang="en-US" dirty="0" smtClean="0"/>
+              <a:t> a mayor.</a:t>
+            </a:r>
+          </a:p>
+          <a:p>
+            <a:pPr marL="0" indent="0">
+              <a:buNone/>
+            </a:pPr>
+            <a:r>
+              <a:rPr lang="en-US" sz="2400" dirty="0" smtClean="0"/>
+              <a:t>                                      </a:t>
+            </a:r>
+            <a:endParaRPr lang="en-US" dirty="0">
+              <a:latin typeface="+mj-lt"/>
+            </a:endParaRPr>
+          </a:p>
+          <a:p>
+            <a:pPr marL="0" indent="0">
+              <a:buNone/>
+            </a:pPr>
+            <a:endParaRPr lang="en-US" dirty="0" smtClean="0">
+              <a:latin typeface="+mj-lt"/>
+            </a:endParaRPr>
+          </a:p>
+          <a:p>
+            <a:pPr marL="0" indent="0">
+              <a:buNone/>
+            </a:pPr>
+            <a:endParaRPr lang="en-US" dirty="0"/>
+          </a:p>
+          <a:p>
+            <a:pPr marL="0" indent="0">
+              <a:buNone/>
+            </a:pPr>
+            <a:endParaRPr lang="en-US" dirty="0"/>
+          </a:p>
+        </p:txBody>
+      </p:sp>
+      <p:pic>
+        <p:nvPicPr>
+          <p:cNvPr id="6" name="Picture 5"/>
+          <p:cNvPicPr>
+            <a:picLocks noChangeAspect="1"/>
+          </p:cNvPicPr>
+          <p:nvPr/>
+        </p:nvPicPr>
+        <p:blipFill>
+          <a:blip r:embed="rId2"/>
+          <a:stretch>
+            <a:fillRect/>
+          </a:stretch>
+        </p:blipFill>
+        <p:spPr>
+          <a:xfrm>
+            <a:off x="1879992" y="2149470"/>
+            <a:ext cx="1024217" cy="591363"/>
+          </a:xfrm>
+          <a:prstGeom prst="rect">
+            <a:avLst/>
+          </a:prstGeom>
+        </p:spPr>
+      </p:pic>
+      <p:sp>
+        <p:nvSpPr>
+          <p:cNvPr id="7" name="TextBox 6"/>
+          <p:cNvSpPr txBox="1"/>
+          <p:nvPr/>
+        </p:nvSpPr>
+        <p:spPr>
+          <a:xfrm>
+            <a:off x="3996515" y="2243008"/>
+            <a:ext cx="2082621" cy="646331"/>
+          </a:xfrm>
+          <a:prstGeom prst="rect">
+            <a:avLst/>
+          </a:prstGeom>
+          <a:noFill/>
+        </p:spPr>
+        <p:txBody>
+          <a:bodyPr wrap="none" rtlCol="0">
+            <a:spAutoFit/>
+          </a:bodyPr>
+          <a:lstStyle/>
+          <a:p>
+            <a:r>
+              <a:rPr lang="en-US" dirty="0" smtClean="0"/>
+              <a:t>3, 1, 5, 6, 7, 9, 10</a:t>
+            </a:r>
+          </a:p>
+          <a:p>
+            <a:endParaRPr lang="es-CO" dirty="0"/>
+          </a:p>
+        </p:txBody>
+      </p:sp>
+      <p:sp>
+        <p:nvSpPr>
+          <p:cNvPr id="8" name="TextBox 7"/>
+          <p:cNvSpPr txBox="1"/>
+          <p:nvPr/>
+        </p:nvSpPr>
+        <p:spPr>
+          <a:xfrm>
+            <a:off x="1774830" y="2889339"/>
+            <a:ext cx="1897811" cy="523220"/>
+          </a:xfrm>
+          <a:prstGeom prst="rect">
+            <a:avLst/>
+          </a:prstGeom>
+          <a:noFill/>
+        </p:spPr>
+        <p:txBody>
+          <a:bodyPr wrap="square" rtlCol="0">
+            <a:spAutoFit/>
+          </a:bodyPr>
+          <a:lstStyle/>
+          <a:p>
+            <a:r>
+              <a:rPr lang="en-US" sz="1400" dirty="0" err="1" smtClean="0"/>
+              <a:t>Organizarlos</a:t>
+            </a:r>
+            <a:r>
+              <a:rPr lang="en-US" sz="1400" dirty="0" smtClean="0"/>
+              <a:t> </a:t>
+            </a:r>
+            <a:r>
+              <a:rPr lang="en-US" sz="1400" dirty="0" err="1" smtClean="0"/>
+              <a:t>menor</a:t>
+            </a:r>
+            <a:r>
+              <a:rPr lang="en-US" sz="1400" dirty="0" smtClean="0"/>
+              <a:t> a mayor</a:t>
+            </a:r>
+            <a:endParaRPr lang="es-CO" sz="1400" dirty="0"/>
+          </a:p>
+        </p:txBody>
+      </p:sp>
+      <p:sp>
+        <p:nvSpPr>
+          <p:cNvPr id="9" name="TextBox 8"/>
+          <p:cNvSpPr txBox="1"/>
+          <p:nvPr/>
+        </p:nvSpPr>
+        <p:spPr>
+          <a:xfrm>
+            <a:off x="3971298" y="2791597"/>
+            <a:ext cx="2151551" cy="646331"/>
+          </a:xfrm>
+          <a:prstGeom prst="rect">
+            <a:avLst/>
+          </a:prstGeom>
+          <a:noFill/>
+        </p:spPr>
+        <p:txBody>
+          <a:bodyPr wrap="none" rtlCol="0">
+            <a:spAutoFit/>
+          </a:bodyPr>
+          <a:lstStyle/>
+          <a:p>
+            <a:r>
+              <a:rPr lang="en-US" dirty="0" smtClean="0"/>
+              <a:t>1, 3, 5, </a:t>
+            </a:r>
+            <a:r>
+              <a:rPr lang="en-US" dirty="0" smtClean="0">
+                <a:solidFill>
+                  <a:schemeClr val="tx1"/>
+                </a:solidFill>
+              </a:rPr>
+              <a:t>6</a:t>
+            </a:r>
+            <a:r>
+              <a:rPr lang="en-US" dirty="0" smtClean="0"/>
+              <a:t>, 7, 9, 10 </a:t>
+            </a:r>
+          </a:p>
+          <a:p>
+            <a:endParaRPr lang="es-CO" dirty="0"/>
+          </a:p>
+        </p:txBody>
+      </p:sp>
+      <p:sp>
+        <p:nvSpPr>
+          <p:cNvPr id="10" name="TextBox 9"/>
+          <p:cNvSpPr txBox="1"/>
+          <p:nvPr/>
+        </p:nvSpPr>
+        <p:spPr>
+          <a:xfrm>
+            <a:off x="3971298" y="3312717"/>
+            <a:ext cx="2082621" cy="369332"/>
+          </a:xfrm>
+          <a:prstGeom prst="rect">
+            <a:avLst/>
+          </a:prstGeom>
+          <a:noFill/>
+        </p:spPr>
+        <p:txBody>
+          <a:bodyPr wrap="none" rtlCol="0">
+            <a:spAutoFit/>
+          </a:bodyPr>
+          <a:lstStyle/>
+          <a:p>
+            <a:r>
+              <a:rPr lang="en-US" dirty="0" smtClean="0"/>
+              <a:t>1, 3, 5, </a:t>
+            </a:r>
+            <a:r>
+              <a:rPr lang="en-US" dirty="0" smtClean="0">
+                <a:solidFill>
+                  <a:srgbClr val="FF0000"/>
+                </a:solidFill>
+              </a:rPr>
+              <a:t>6</a:t>
+            </a:r>
+            <a:r>
+              <a:rPr lang="en-US" dirty="0" smtClean="0"/>
+              <a:t>, 7, 9, 10</a:t>
+            </a:r>
+            <a:endParaRPr lang="es-CO" dirty="0"/>
+          </a:p>
+        </p:txBody>
+      </p:sp>
+      <p:cxnSp>
+        <p:nvCxnSpPr>
+          <p:cNvPr id="11" name="Straight Arrow Connector 10"/>
+          <p:cNvCxnSpPr/>
+          <p:nvPr/>
+        </p:nvCxnSpPr>
+        <p:spPr>
+          <a:xfrm>
+            <a:off x="4816399" y="3676825"/>
+            <a:ext cx="8627" cy="396815"/>
+          </a:xfrm>
+          <a:prstGeom prst="straightConnector1">
+            <a:avLst/>
+          </a:prstGeom>
+          <a:ln>
+            <a:tailEnd type="triangle"/>
+          </a:ln>
+        </p:spPr>
+        <p:style>
+          <a:lnRef idx="1">
+            <a:schemeClr val="accent1"/>
+          </a:lnRef>
+          <a:fillRef idx="0">
+            <a:schemeClr val="accent1"/>
+          </a:fillRef>
+          <a:effectRef idx="0">
+            <a:schemeClr val="accent1"/>
+          </a:effectRef>
+          <a:fontRef idx="minor">
+            <a:schemeClr val="tx1"/>
+          </a:fontRef>
+        </p:style>
+      </p:cxnSp>
+      <p:sp>
+        <p:nvSpPr>
+          <p:cNvPr id="12" name="TextBox 11"/>
+          <p:cNvSpPr txBox="1"/>
+          <p:nvPr/>
+        </p:nvSpPr>
+        <p:spPr>
+          <a:xfrm>
+            <a:off x="4405758" y="4132572"/>
+            <a:ext cx="838536" cy="307777"/>
+          </a:xfrm>
+          <a:prstGeom prst="rect">
+            <a:avLst/>
+          </a:prstGeom>
+          <a:noFill/>
+        </p:spPr>
+        <p:txBody>
+          <a:bodyPr wrap="square" rtlCol="0">
+            <a:spAutoFit/>
+          </a:bodyPr>
+          <a:lstStyle/>
+          <a:p>
+            <a:r>
+              <a:rPr lang="en-US" sz="1400" dirty="0" err="1" smtClean="0"/>
+              <a:t>Mediana</a:t>
+            </a:r>
+            <a:endParaRPr lang="es-CO" sz="1400" dirty="0"/>
+          </a:p>
+        </p:txBody>
+      </p:sp>
+      <p:sp>
+        <p:nvSpPr>
+          <p:cNvPr id="13" name="TextBox 12"/>
+          <p:cNvSpPr txBox="1"/>
+          <p:nvPr/>
+        </p:nvSpPr>
+        <p:spPr>
+          <a:xfrm>
+            <a:off x="746345" y="4718649"/>
+            <a:ext cx="5081840" cy="646331"/>
+          </a:xfrm>
+          <a:prstGeom prst="rect">
+            <a:avLst/>
+          </a:prstGeom>
+          <a:noFill/>
+        </p:spPr>
+        <p:txBody>
+          <a:bodyPr wrap="none" rtlCol="0">
+            <a:spAutoFit/>
+          </a:bodyPr>
+          <a:lstStyle/>
+          <a:p>
+            <a:r>
+              <a:rPr lang="en-US" dirty="0">
+                <a:cs typeface="Times New Roman" panose="02020603050405020304" pitchFamily="18" charset="0"/>
+              </a:rPr>
+              <a:t>¿</a:t>
+            </a:r>
+            <a:r>
+              <a:rPr lang="en-US" dirty="0"/>
+              <a:t>Que </a:t>
+            </a:r>
+            <a:r>
+              <a:rPr lang="en-US" dirty="0" err="1"/>
+              <a:t>pasa</a:t>
+            </a:r>
+            <a:r>
+              <a:rPr lang="en-US" dirty="0"/>
+              <a:t> </a:t>
+            </a:r>
+            <a:r>
+              <a:rPr lang="en-US" dirty="0" err="1"/>
+              <a:t>si</a:t>
+            </a:r>
+            <a:r>
+              <a:rPr lang="en-US" dirty="0"/>
+              <a:t> el </a:t>
+            </a:r>
+            <a:r>
+              <a:rPr lang="en-US" dirty="0" err="1"/>
+              <a:t>tamaño</a:t>
+            </a:r>
+            <a:r>
+              <a:rPr lang="en-US" dirty="0"/>
+              <a:t> de la </a:t>
+            </a:r>
+            <a:r>
+              <a:rPr lang="en-US" dirty="0" err="1"/>
+              <a:t>muestra</a:t>
+            </a:r>
+            <a:r>
+              <a:rPr lang="en-US" dirty="0"/>
+              <a:t> </a:t>
+            </a:r>
+            <a:r>
+              <a:rPr lang="en-US" dirty="0" err="1"/>
+              <a:t>es</a:t>
+            </a:r>
+            <a:r>
+              <a:rPr lang="en-US" dirty="0"/>
+              <a:t> </a:t>
+            </a:r>
+            <a:r>
+              <a:rPr lang="en-US" dirty="0" err="1">
+                <a:solidFill>
+                  <a:srgbClr val="92D050"/>
+                </a:solidFill>
+              </a:rPr>
+              <a:t>impar</a:t>
+            </a:r>
+            <a:r>
+              <a:rPr lang="en-US" dirty="0"/>
+              <a:t>?</a:t>
+            </a:r>
+          </a:p>
+          <a:p>
+            <a:endParaRPr lang="es-CO" dirty="0"/>
+          </a:p>
+        </p:txBody>
+      </p:sp>
+      <p:sp>
+        <p:nvSpPr>
+          <p:cNvPr id="15" name="TextBox 14"/>
+          <p:cNvSpPr txBox="1"/>
+          <p:nvPr/>
+        </p:nvSpPr>
+        <p:spPr>
+          <a:xfrm>
+            <a:off x="6737231" y="4796286"/>
+            <a:ext cx="1377300" cy="369332"/>
+          </a:xfrm>
+          <a:prstGeom prst="rect">
+            <a:avLst/>
+          </a:prstGeom>
+          <a:noFill/>
+        </p:spPr>
+        <p:txBody>
+          <a:bodyPr wrap="none" rtlCol="0">
+            <a:spAutoFit/>
+          </a:bodyPr>
+          <a:lstStyle/>
+          <a:p>
+            <a:r>
+              <a:rPr lang="en-US" dirty="0" smtClean="0"/>
+              <a:t>20, 2, 6, 12</a:t>
+            </a:r>
+            <a:endParaRPr lang="es-CO" dirty="0"/>
+          </a:p>
+        </p:txBody>
+      </p:sp>
+      <p:sp>
+        <p:nvSpPr>
+          <p:cNvPr id="17" name="Rectangle 16"/>
+          <p:cNvSpPr/>
+          <p:nvPr/>
+        </p:nvSpPr>
+        <p:spPr>
+          <a:xfrm>
+            <a:off x="6370608" y="5364980"/>
+            <a:ext cx="2096218" cy="1199722"/>
+          </a:xfrm>
+          <a:prstGeom prst="rect">
+            <a:avLst/>
+          </a:prstGeom>
+          <a:solidFill>
+            <a:schemeClr val="bg1"/>
+          </a:solidFill>
+          <a:ln>
+            <a:solidFill>
+              <a:schemeClr val="bg1"/>
+            </a:solidFill>
+          </a:ln>
+        </p:spPr>
+        <p:style>
+          <a:lnRef idx="2">
+            <a:schemeClr val="accent1">
+              <a:shade val="50000"/>
+            </a:schemeClr>
+          </a:lnRef>
+          <a:fillRef idx="1">
+            <a:schemeClr val="accent1"/>
+          </a:fillRef>
+          <a:effectRef idx="0">
+            <a:schemeClr val="accent1"/>
+          </a:effectRef>
+          <a:fontRef idx="minor">
+            <a:schemeClr val="lt1"/>
+          </a:fontRef>
+        </p:style>
+        <p:txBody>
+          <a:bodyPr rtlCol="0" anchor="ctr"/>
+          <a:lstStyle/>
+          <a:p>
+            <a:pPr algn="ctr"/>
+            <a:r>
+              <a:rPr lang="en-US" dirty="0" smtClean="0">
+                <a:solidFill>
+                  <a:schemeClr val="tx1"/>
+                </a:solidFill>
+              </a:rPr>
+              <a:t>2, 6, 12, 2</a:t>
+            </a:r>
+          </a:p>
+          <a:p>
+            <a:pPr algn="ctr"/>
+            <a:endParaRPr lang="en-US" dirty="0" smtClean="0">
+              <a:solidFill>
+                <a:schemeClr val="tx1"/>
+              </a:solidFill>
+            </a:endParaRPr>
+          </a:p>
+          <a:p>
+            <a:pPr algn="ctr"/>
+            <a:r>
+              <a:rPr lang="en-US" dirty="0" smtClean="0">
+                <a:solidFill>
+                  <a:schemeClr val="tx1"/>
+                </a:solidFill>
+              </a:rPr>
+              <a:t>(6+12)÷2</a:t>
+            </a:r>
+          </a:p>
+          <a:p>
+            <a:pPr algn="ctr"/>
+            <a:r>
+              <a:rPr lang="en-US" dirty="0">
+                <a:solidFill>
+                  <a:srgbClr val="FF0000"/>
+                </a:solidFill>
+              </a:rPr>
+              <a:t>9</a:t>
+            </a:r>
+          </a:p>
+          <a:p>
+            <a:pPr algn="ctr"/>
+            <a:endParaRPr lang="en-US" dirty="0" smtClean="0">
+              <a:solidFill>
+                <a:schemeClr val="tx1"/>
+              </a:solidFill>
+            </a:endParaRPr>
+          </a:p>
+          <a:p>
+            <a:pPr algn="ctr"/>
+            <a:endParaRPr lang="es-CO" dirty="0">
+              <a:solidFill>
+                <a:schemeClr val="tx1"/>
+              </a:solidFill>
+            </a:endParaRPr>
+          </a:p>
+        </p:txBody>
+      </p:sp>
+      <p:cxnSp>
+        <p:nvCxnSpPr>
+          <p:cNvPr id="18" name="Straight Arrow Connector 17"/>
+          <p:cNvCxnSpPr/>
+          <p:nvPr/>
+        </p:nvCxnSpPr>
+        <p:spPr>
+          <a:xfrm>
+            <a:off x="7254815" y="5426015"/>
+            <a:ext cx="0" cy="284172"/>
+          </a:xfrm>
+          <a:prstGeom prst="straightConnector1">
+            <a:avLst/>
+          </a:prstGeom>
+          <a:ln>
+            <a:tailEnd type="triangle"/>
+          </a:ln>
+        </p:spPr>
+        <p:style>
+          <a:lnRef idx="1">
+            <a:schemeClr val="accent1"/>
+          </a:lnRef>
+          <a:fillRef idx="0">
+            <a:schemeClr val="accent1"/>
+          </a:fillRef>
+          <a:effectRef idx="0">
+            <a:schemeClr val="accent1"/>
+          </a:effectRef>
+          <a:fontRef idx="minor">
+            <a:schemeClr val="tx1"/>
+          </a:fontRef>
+        </p:style>
+      </p:cxnSp>
+      <p:cxnSp>
+        <p:nvCxnSpPr>
+          <p:cNvPr id="19" name="Straight Arrow Connector 18"/>
+          <p:cNvCxnSpPr/>
+          <p:nvPr/>
+        </p:nvCxnSpPr>
+        <p:spPr>
+          <a:xfrm>
+            <a:off x="7536611" y="5426015"/>
+            <a:ext cx="0" cy="284172"/>
+          </a:xfrm>
+          <a:prstGeom prst="straightConnector1">
+            <a:avLst/>
+          </a:prstGeom>
+          <a:ln>
+            <a:tailEnd type="triangle"/>
+          </a:ln>
+        </p:spPr>
+        <p:style>
+          <a:lnRef idx="1">
+            <a:schemeClr val="accent1"/>
+          </a:lnRef>
+          <a:fillRef idx="0">
+            <a:schemeClr val="accent1"/>
+          </a:fillRef>
+          <a:effectRef idx="0">
+            <a:schemeClr val="accent1"/>
+          </a:effectRef>
+          <a:fontRef idx="minor">
+            <a:schemeClr val="tx1"/>
+          </a:fontRef>
+        </p:style>
+      </p:cxnSp>
     </p:spTree>
+    <p:extLst>
+      <p:ext uri="{BB962C8B-B14F-4D97-AF65-F5344CB8AC3E}">
+        <p14:creationId xmlns:p14="http://schemas.microsoft.com/office/powerpoint/2010/main" val="3110116955"/>
+      </p:ext>
+    </p:extLst>
   </p:cSld>
   <p:clrMapOvr>
     <a:masterClrMapping/>
@@ -5799,7 +9216,646 @@
   <p:timing>
     <p:tnLst>
       <p:par>
-        <p:cTn id="1" dur="indefinite" restart="never" nodeType="tmRoot"/>
+        <p:cTn id="1" dur="indefinite" restart="never" nodeType="tmRoot">
+          <p:childTnLst>
+            <p:seq concurrent="1" nextAc="seek">
+              <p:cTn id="2" dur="indefinite" nodeType="mainSeq">
+                <p:childTnLst>
+                  <p:par>
+                    <p:cTn id="3" fill="hold">
+                      <p:stCondLst>
+                        <p:cond delay="indefinite"/>
+                      </p:stCondLst>
+                      <p:childTnLst>
+                        <p:par>
+                          <p:cTn id="4" fill="hold">
+                            <p:stCondLst>
+                              <p:cond delay="0"/>
+                            </p:stCondLst>
+                            <p:childTnLst>
+                              <p:par>
+                                <p:cTn id="5" presetID="31" presetClass="entr" presetSubtype="0" fill="hold" nodeType="clickEffect">
+                                  <p:stCondLst>
+                                    <p:cond delay="0"/>
+                                  </p:stCondLst>
+                                  <p:childTnLst>
+                                    <p:set>
+                                      <p:cBhvr>
+                                        <p:cTn id="6" dur="1" fill="hold">
+                                          <p:stCondLst>
+                                            <p:cond delay="0"/>
+                                          </p:stCondLst>
+                                        </p:cTn>
+                                        <p:tgtEl>
+                                          <p:spTgt spid="17">
+                                            <p:txEl>
+                                              <p:pRg st="0" end="0"/>
+                                            </p:txEl>
+                                          </p:spTgt>
+                                        </p:tgtEl>
+                                        <p:attrNameLst>
+                                          <p:attrName>style.visibility</p:attrName>
+                                        </p:attrNameLst>
+                                      </p:cBhvr>
+                                      <p:to>
+                                        <p:strVal val="visible"/>
+                                      </p:to>
+                                    </p:set>
+                                    <p:anim calcmode="lin" valueType="num">
+                                      <p:cBhvr>
+                                        <p:cTn id="7" dur="1000" fill="hold"/>
+                                        <p:tgtEl>
+                                          <p:spTgt spid="17">
+                                            <p:txEl>
+                                              <p:pRg st="0" end="0"/>
+                                            </p:txEl>
+                                          </p:spTgt>
+                                        </p:tgtEl>
+                                        <p:attrNameLst>
+                                          <p:attrName>ppt_w</p:attrName>
+                                        </p:attrNameLst>
+                                      </p:cBhvr>
+                                      <p:tavLst>
+                                        <p:tav tm="0">
+                                          <p:val>
+                                            <p:fltVal val="0"/>
+                                          </p:val>
+                                        </p:tav>
+                                        <p:tav tm="100000">
+                                          <p:val>
+                                            <p:strVal val="#ppt_w"/>
+                                          </p:val>
+                                        </p:tav>
+                                      </p:tavLst>
+                                    </p:anim>
+                                    <p:anim calcmode="lin" valueType="num">
+                                      <p:cBhvr>
+                                        <p:cTn id="8" dur="1000" fill="hold"/>
+                                        <p:tgtEl>
+                                          <p:spTgt spid="17">
+                                            <p:txEl>
+                                              <p:pRg st="0" end="0"/>
+                                            </p:txEl>
+                                          </p:spTgt>
+                                        </p:tgtEl>
+                                        <p:attrNameLst>
+                                          <p:attrName>ppt_h</p:attrName>
+                                        </p:attrNameLst>
+                                      </p:cBhvr>
+                                      <p:tavLst>
+                                        <p:tav tm="0">
+                                          <p:val>
+                                            <p:fltVal val="0"/>
+                                          </p:val>
+                                        </p:tav>
+                                        <p:tav tm="100000">
+                                          <p:val>
+                                            <p:strVal val="#ppt_h"/>
+                                          </p:val>
+                                        </p:tav>
+                                      </p:tavLst>
+                                    </p:anim>
+                                    <p:anim calcmode="lin" valueType="num">
+                                      <p:cBhvr>
+                                        <p:cTn id="9" dur="1000" fill="hold"/>
+                                        <p:tgtEl>
+                                          <p:spTgt spid="17">
+                                            <p:txEl>
+                                              <p:pRg st="0" end="0"/>
+                                            </p:txEl>
+                                          </p:spTgt>
+                                        </p:tgtEl>
+                                        <p:attrNameLst>
+                                          <p:attrName>style.rotation</p:attrName>
+                                        </p:attrNameLst>
+                                      </p:cBhvr>
+                                      <p:tavLst>
+                                        <p:tav tm="0">
+                                          <p:val>
+                                            <p:fltVal val="90"/>
+                                          </p:val>
+                                        </p:tav>
+                                        <p:tav tm="100000">
+                                          <p:val>
+                                            <p:fltVal val="0"/>
+                                          </p:val>
+                                        </p:tav>
+                                      </p:tavLst>
+                                    </p:anim>
+                                    <p:animEffect transition="in" filter="fade">
+                                      <p:cBhvr>
+                                        <p:cTn id="10" dur="1000"/>
+                                        <p:tgtEl>
+                                          <p:spTgt spid="17">
+                                            <p:txEl>
+                                              <p:pRg st="0" end="0"/>
+                                            </p:txEl>
+                                          </p:spTgt>
+                                        </p:tgtEl>
+                                      </p:cBhvr>
+                                    </p:animEffect>
+                                  </p:childTnLst>
+                                </p:cTn>
+                              </p:par>
+                              <p:par>
+                                <p:cTn id="11" presetID="31" presetClass="entr" presetSubtype="0" fill="hold" nodeType="withEffect">
+                                  <p:stCondLst>
+                                    <p:cond delay="0"/>
+                                  </p:stCondLst>
+                                  <p:childTnLst>
+                                    <p:set>
+                                      <p:cBhvr>
+                                        <p:cTn id="12" dur="1" fill="hold">
+                                          <p:stCondLst>
+                                            <p:cond delay="0"/>
+                                          </p:stCondLst>
+                                        </p:cTn>
+                                        <p:tgtEl>
+                                          <p:spTgt spid="17">
+                                            <p:txEl>
+                                              <p:pRg st="2" end="2"/>
+                                            </p:txEl>
+                                          </p:spTgt>
+                                        </p:tgtEl>
+                                        <p:attrNameLst>
+                                          <p:attrName>style.visibility</p:attrName>
+                                        </p:attrNameLst>
+                                      </p:cBhvr>
+                                      <p:to>
+                                        <p:strVal val="visible"/>
+                                      </p:to>
+                                    </p:set>
+                                    <p:anim calcmode="lin" valueType="num">
+                                      <p:cBhvr>
+                                        <p:cTn id="13" dur="1000" fill="hold"/>
+                                        <p:tgtEl>
+                                          <p:spTgt spid="17">
+                                            <p:txEl>
+                                              <p:pRg st="2" end="2"/>
+                                            </p:txEl>
+                                          </p:spTgt>
+                                        </p:tgtEl>
+                                        <p:attrNameLst>
+                                          <p:attrName>ppt_w</p:attrName>
+                                        </p:attrNameLst>
+                                      </p:cBhvr>
+                                      <p:tavLst>
+                                        <p:tav tm="0">
+                                          <p:val>
+                                            <p:fltVal val="0"/>
+                                          </p:val>
+                                        </p:tav>
+                                        <p:tav tm="100000">
+                                          <p:val>
+                                            <p:strVal val="#ppt_w"/>
+                                          </p:val>
+                                        </p:tav>
+                                      </p:tavLst>
+                                    </p:anim>
+                                    <p:anim calcmode="lin" valueType="num">
+                                      <p:cBhvr>
+                                        <p:cTn id="14" dur="1000" fill="hold"/>
+                                        <p:tgtEl>
+                                          <p:spTgt spid="17">
+                                            <p:txEl>
+                                              <p:pRg st="2" end="2"/>
+                                            </p:txEl>
+                                          </p:spTgt>
+                                        </p:tgtEl>
+                                        <p:attrNameLst>
+                                          <p:attrName>ppt_h</p:attrName>
+                                        </p:attrNameLst>
+                                      </p:cBhvr>
+                                      <p:tavLst>
+                                        <p:tav tm="0">
+                                          <p:val>
+                                            <p:fltVal val="0"/>
+                                          </p:val>
+                                        </p:tav>
+                                        <p:tav tm="100000">
+                                          <p:val>
+                                            <p:strVal val="#ppt_h"/>
+                                          </p:val>
+                                        </p:tav>
+                                      </p:tavLst>
+                                    </p:anim>
+                                    <p:anim calcmode="lin" valueType="num">
+                                      <p:cBhvr>
+                                        <p:cTn id="15" dur="1000" fill="hold"/>
+                                        <p:tgtEl>
+                                          <p:spTgt spid="17">
+                                            <p:txEl>
+                                              <p:pRg st="2" end="2"/>
+                                            </p:txEl>
+                                          </p:spTgt>
+                                        </p:tgtEl>
+                                        <p:attrNameLst>
+                                          <p:attrName>style.rotation</p:attrName>
+                                        </p:attrNameLst>
+                                      </p:cBhvr>
+                                      <p:tavLst>
+                                        <p:tav tm="0">
+                                          <p:val>
+                                            <p:fltVal val="90"/>
+                                          </p:val>
+                                        </p:tav>
+                                        <p:tav tm="100000">
+                                          <p:val>
+                                            <p:fltVal val="0"/>
+                                          </p:val>
+                                        </p:tav>
+                                      </p:tavLst>
+                                    </p:anim>
+                                    <p:animEffect transition="in" filter="fade">
+                                      <p:cBhvr>
+                                        <p:cTn id="16" dur="1000"/>
+                                        <p:tgtEl>
+                                          <p:spTgt spid="17">
+                                            <p:txEl>
+                                              <p:pRg st="2" end="2"/>
+                                            </p:txEl>
+                                          </p:spTgt>
+                                        </p:tgtEl>
+                                      </p:cBhvr>
+                                    </p:animEffect>
+                                  </p:childTnLst>
+                                </p:cTn>
+                              </p:par>
+                              <p:par>
+                                <p:cTn id="17" presetID="31" presetClass="entr" presetSubtype="0" fill="hold" nodeType="withEffect">
+                                  <p:stCondLst>
+                                    <p:cond delay="0"/>
+                                  </p:stCondLst>
+                                  <p:childTnLst>
+                                    <p:set>
+                                      <p:cBhvr>
+                                        <p:cTn id="18" dur="1" fill="hold">
+                                          <p:stCondLst>
+                                            <p:cond delay="0"/>
+                                          </p:stCondLst>
+                                        </p:cTn>
+                                        <p:tgtEl>
+                                          <p:spTgt spid="17">
+                                            <p:txEl>
+                                              <p:pRg st="3" end="3"/>
+                                            </p:txEl>
+                                          </p:spTgt>
+                                        </p:tgtEl>
+                                        <p:attrNameLst>
+                                          <p:attrName>style.visibility</p:attrName>
+                                        </p:attrNameLst>
+                                      </p:cBhvr>
+                                      <p:to>
+                                        <p:strVal val="visible"/>
+                                      </p:to>
+                                    </p:set>
+                                    <p:anim calcmode="lin" valueType="num">
+                                      <p:cBhvr>
+                                        <p:cTn id="19" dur="1000" fill="hold"/>
+                                        <p:tgtEl>
+                                          <p:spTgt spid="17">
+                                            <p:txEl>
+                                              <p:pRg st="3" end="3"/>
+                                            </p:txEl>
+                                          </p:spTgt>
+                                        </p:tgtEl>
+                                        <p:attrNameLst>
+                                          <p:attrName>ppt_w</p:attrName>
+                                        </p:attrNameLst>
+                                      </p:cBhvr>
+                                      <p:tavLst>
+                                        <p:tav tm="0">
+                                          <p:val>
+                                            <p:fltVal val="0"/>
+                                          </p:val>
+                                        </p:tav>
+                                        <p:tav tm="100000">
+                                          <p:val>
+                                            <p:strVal val="#ppt_w"/>
+                                          </p:val>
+                                        </p:tav>
+                                      </p:tavLst>
+                                    </p:anim>
+                                    <p:anim calcmode="lin" valueType="num">
+                                      <p:cBhvr>
+                                        <p:cTn id="20" dur="1000" fill="hold"/>
+                                        <p:tgtEl>
+                                          <p:spTgt spid="17">
+                                            <p:txEl>
+                                              <p:pRg st="3" end="3"/>
+                                            </p:txEl>
+                                          </p:spTgt>
+                                        </p:tgtEl>
+                                        <p:attrNameLst>
+                                          <p:attrName>ppt_h</p:attrName>
+                                        </p:attrNameLst>
+                                      </p:cBhvr>
+                                      <p:tavLst>
+                                        <p:tav tm="0">
+                                          <p:val>
+                                            <p:fltVal val="0"/>
+                                          </p:val>
+                                        </p:tav>
+                                        <p:tav tm="100000">
+                                          <p:val>
+                                            <p:strVal val="#ppt_h"/>
+                                          </p:val>
+                                        </p:tav>
+                                      </p:tavLst>
+                                    </p:anim>
+                                    <p:anim calcmode="lin" valueType="num">
+                                      <p:cBhvr>
+                                        <p:cTn id="21" dur="1000" fill="hold"/>
+                                        <p:tgtEl>
+                                          <p:spTgt spid="17">
+                                            <p:txEl>
+                                              <p:pRg st="3" end="3"/>
+                                            </p:txEl>
+                                          </p:spTgt>
+                                        </p:tgtEl>
+                                        <p:attrNameLst>
+                                          <p:attrName>style.rotation</p:attrName>
+                                        </p:attrNameLst>
+                                      </p:cBhvr>
+                                      <p:tavLst>
+                                        <p:tav tm="0">
+                                          <p:val>
+                                            <p:fltVal val="90"/>
+                                          </p:val>
+                                        </p:tav>
+                                        <p:tav tm="100000">
+                                          <p:val>
+                                            <p:fltVal val="0"/>
+                                          </p:val>
+                                        </p:tav>
+                                      </p:tavLst>
+                                    </p:anim>
+                                    <p:animEffect transition="in" filter="fade">
+                                      <p:cBhvr>
+                                        <p:cTn id="22" dur="1000"/>
+                                        <p:tgtEl>
+                                          <p:spTgt spid="17">
+                                            <p:txEl>
+                                              <p:pRg st="3" end="3"/>
+                                            </p:txEl>
+                                          </p:spTgt>
+                                        </p:tgtEl>
+                                      </p:cBhvr>
+                                    </p:animEffect>
+                                  </p:childTnLst>
+                                </p:cTn>
+                              </p:par>
+                              <p:par>
+                                <p:cTn id="23" presetID="31" presetClass="entr" presetSubtype="0" fill="hold" nodeType="withEffect">
+                                  <p:stCondLst>
+                                    <p:cond delay="0"/>
+                                  </p:stCondLst>
+                                  <p:childTnLst>
+                                    <p:set>
+                                      <p:cBhvr>
+                                        <p:cTn id="24" dur="1" fill="hold">
+                                          <p:stCondLst>
+                                            <p:cond delay="0"/>
+                                          </p:stCondLst>
+                                        </p:cTn>
+                                        <p:tgtEl>
+                                          <p:spTgt spid="18"/>
+                                        </p:tgtEl>
+                                        <p:attrNameLst>
+                                          <p:attrName>style.visibility</p:attrName>
+                                        </p:attrNameLst>
+                                      </p:cBhvr>
+                                      <p:to>
+                                        <p:strVal val="visible"/>
+                                      </p:to>
+                                    </p:set>
+                                    <p:anim calcmode="lin" valueType="num">
+                                      <p:cBhvr>
+                                        <p:cTn id="25" dur="1000" fill="hold"/>
+                                        <p:tgtEl>
+                                          <p:spTgt spid="18"/>
+                                        </p:tgtEl>
+                                        <p:attrNameLst>
+                                          <p:attrName>ppt_w</p:attrName>
+                                        </p:attrNameLst>
+                                      </p:cBhvr>
+                                      <p:tavLst>
+                                        <p:tav tm="0">
+                                          <p:val>
+                                            <p:fltVal val="0"/>
+                                          </p:val>
+                                        </p:tav>
+                                        <p:tav tm="100000">
+                                          <p:val>
+                                            <p:strVal val="#ppt_w"/>
+                                          </p:val>
+                                        </p:tav>
+                                      </p:tavLst>
+                                    </p:anim>
+                                    <p:anim calcmode="lin" valueType="num">
+                                      <p:cBhvr>
+                                        <p:cTn id="26" dur="1000" fill="hold"/>
+                                        <p:tgtEl>
+                                          <p:spTgt spid="18"/>
+                                        </p:tgtEl>
+                                        <p:attrNameLst>
+                                          <p:attrName>ppt_h</p:attrName>
+                                        </p:attrNameLst>
+                                      </p:cBhvr>
+                                      <p:tavLst>
+                                        <p:tav tm="0">
+                                          <p:val>
+                                            <p:fltVal val="0"/>
+                                          </p:val>
+                                        </p:tav>
+                                        <p:tav tm="100000">
+                                          <p:val>
+                                            <p:strVal val="#ppt_h"/>
+                                          </p:val>
+                                        </p:tav>
+                                      </p:tavLst>
+                                    </p:anim>
+                                    <p:anim calcmode="lin" valueType="num">
+                                      <p:cBhvr>
+                                        <p:cTn id="27" dur="1000" fill="hold"/>
+                                        <p:tgtEl>
+                                          <p:spTgt spid="18"/>
+                                        </p:tgtEl>
+                                        <p:attrNameLst>
+                                          <p:attrName>style.rotation</p:attrName>
+                                        </p:attrNameLst>
+                                      </p:cBhvr>
+                                      <p:tavLst>
+                                        <p:tav tm="0">
+                                          <p:val>
+                                            <p:fltVal val="90"/>
+                                          </p:val>
+                                        </p:tav>
+                                        <p:tav tm="100000">
+                                          <p:val>
+                                            <p:fltVal val="0"/>
+                                          </p:val>
+                                        </p:tav>
+                                      </p:tavLst>
+                                    </p:anim>
+                                    <p:animEffect transition="in" filter="fade">
+                                      <p:cBhvr>
+                                        <p:cTn id="28" dur="1000"/>
+                                        <p:tgtEl>
+                                          <p:spTgt spid="18"/>
+                                        </p:tgtEl>
+                                      </p:cBhvr>
+                                    </p:animEffect>
+                                  </p:childTnLst>
+                                </p:cTn>
+                              </p:par>
+                            </p:childTnLst>
+                          </p:cTn>
+                        </p:par>
+                      </p:childTnLst>
+                    </p:cTn>
+                  </p:par>
+                  <p:par>
+                    <p:cTn id="29" fill="hold">
+                      <p:stCondLst>
+                        <p:cond delay="indefinite"/>
+                      </p:stCondLst>
+                      <p:childTnLst>
+                        <p:par>
+                          <p:cTn id="30" fill="hold">
+                            <p:stCondLst>
+                              <p:cond delay="0"/>
+                            </p:stCondLst>
+                            <p:childTnLst>
+                              <p:par>
+                                <p:cTn id="31" presetID="31" presetClass="entr" presetSubtype="0" fill="hold" nodeType="clickEffect">
+                                  <p:stCondLst>
+                                    <p:cond delay="0"/>
+                                  </p:stCondLst>
+                                  <p:childTnLst>
+                                    <p:set>
+                                      <p:cBhvr>
+                                        <p:cTn id="32" dur="1" fill="hold">
+                                          <p:stCondLst>
+                                            <p:cond delay="0"/>
+                                          </p:stCondLst>
+                                        </p:cTn>
+                                        <p:tgtEl>
+                                          <p:spTgt spid="19"/>
+                                        </p:tgtEl>
+                                        <p:attrNameLst>
+                                          <p:attrName>style.visibility</p:attrName>
+                                        </p:attrNameLst>
+                                      </p:cBhvr>
+                                      <p:to>
+                                        <p:strVal val="visible"/>
+                                      </p:to>
+                                    </p:set>
+                                    <p:anim calcmode="lin" valueType="num">
+                                      <p:cBhvr>
+                                        <p:cTn id="33" dur="1000" fill="hold"/>
+                                        <p:tgtEl>
+                                          <p:spTgt spid="19"/>
+                                        </p:tgtEl>
+                                        <p:attrNameLst>
+                                          <p:attrName>ppt_w</p:attrName>
+                                        </p:attrNameLst>
+                                      </p:cBhvr>
+                                      <p:tavLst>
+                                        <p:tav tm="0">
+                                          <p:val>
+                                            <p:fltVal val="0"/>
+                                          </p:val>
+                                        </p:tav>
+                                        <p:tav tm="100000">
+                                          <p:val>
+                                            <p:strVal val="#ppt_w"/>
+                                          </p:val>
+                                        </p:tav>
+                                      </p:tavLst>
+                                    </p:anim>
+                                    <p:anim calcmode="lin" valueType="num">
+                                      <p:cBhvr>
+                                        <p:cTn id="34" dur="1000" fill="hold"/>
+                                        <p:tgtEl>
+                                          <p:spTgt spid="19"/>
+                                        </p:tgtEl>
+                                        <p:attrNameLst>
+                                          <p:attrName>ppt_h</p:attrName>
+                                        </p:attrNameLst>
+                                      </p:cBhvr>
+                                      <p:tavLst>
+                                        <p:tav tm="0">
+                                          <p:val>
+                                            <p:fltVal val="0"/>
+                                          </p:val>
+                                        </p:tav>
+                                        <p:tav tm="100000">
+                                          <p:val>
+                                            <p:strVal val="#ppt_h"/>
+                                          </p:val>
+                                        </p:tav>
+                                      </p:tavLst>
+                                    </p:anim>
+                                    <p:anim calcmode="lin" valueType="num">
+                                      <p:cBhvr>
+                                        <p:cTn id="35" dur="1000" fill="hold"/>
+                                        <p:tgtEl>
+                                          <p:spTgt spid="19"/>
+                                        </p:tgtEl>
+                                        <p:attrNameLst>
+                                          <p:attrName>style.rotation</p:attrName>
+                                        </p:attrNameLst>
+                                      </p:cBhvr>
+                                      <p:tavLst>
+                                        <p:tav tm="0">
+                                          <p:val>
+                                            <p:fltVal val="90"/>
+                                          </p:val>
+                                        </p:tav>
+                                        <p:tav tm="100000">
+                                          <p:val>
+                                            <p:fltVal val="0"/>
+                                          </p:val>
+                                        </p:tav>
+                                      </p:tavLst>
+                                    </p:anim>
+                                    <p:animEffect transition="in" filter="fade">
+                                      <p:cBhvr>
+                                        <p:cTn id="36" dur="1000"/>
+                                        <p:tgtEl>
+                                          <p:spTgt spid="19"/>
+                                        </p:tgtEl>
+                                      </p:cBhvr>
+                                    </p:animEffect>
+                                  </p:childTnLst>
+                                </p:cTn>
+                              </p:par>
+                            </p:childTnLst>
+                          </p:cTn>
+                        </p:par>
+                      </p:childTnLst>
+                    </p:cTn>
+                  </p:par>
+                </p:childTnLst>
+              </p:cTn>
+              <p:prevCondLst>
+                <p:cond evt="onPrev" delay="0">
+                  <p:tgtEl>
+                    <p:sldTgt/>
+                  </p:tgtEl>
+                </p:cond>
+              </p:prevCondLst>
+              <p:nextCondLst>
+                <p:cond evt="onNext" delay="0">
+                  <p:tgtEl>
+                    <p:sldTgt/>
+                  </p:tgtEl>
+                </p:cond>
+              </p:nextCondLst>
+            </p:seq>
+          </p:childTnLst>
+        </p:cTn>
       </p:par>
     </p:tnLst>
   </p:timing>
@@ -5825,165 +9881,1085 @@
       </p:grpSpPr>
       <p:sp>
         <p:nvSpPr>
-          <p:cNvPr id="9218" name="TextBox 1"/>
-          <p:cNvSpPr txBox="1">
-            <a:spLocks noChangeArrowheads="1"/>
+          <p:cNvPr id="2" name="Title 1"/>
+          <p:cNvSpPr>
+            <a:spLocks noGrp="1"/>
           </p:cNvSpPr>
+          <p:nvPr>
+            <p:ph type="title"/>
+          </p:nvPr>
+        </p:nvSpPr>
+        <p:spPr/>
+        <p:txBody>
+          <a:bodyPr/>
+          <a:lstStyle/>
+          <a:p>
+            <a:r>
+              <a:rPr lang="en-US" dirty="0" smtClean="0"/>
+              <a:t>Media </a:t>
+            </a:r>
+            <a:endParaRPr lang="es-CO" dirty="0"/>
+          </a:p>
+        </p:txBody>
+      </p:sp>
+      <p:sp>
+        <p:nvSpPr>
+          <p:cNvPr id="4" name="Content Placeholder 2"/>
+          <p:cNvSpPr>
+            <a:spLocks noGrp="1"/>
+          </p:cNvSpPr>
+          <p:nvPr>
+            <p:ph type="body" sz="quarter" idx="16"/>
+          </p:nvPr>
+        </p:nvSpPr>
+        <p:spPr/>
+        <p:txBody>
+          <a:bodyPr>
+            <a:normAutofit/>
+          </a:bodyPr>
+          <a:lstStyle/>
+          <a:p>
+            <a:pPr marL="0" indent="0">
+              <a:buNone/>
+            </a:pPr>
+            <a:r>
+              <a:rPr lang="en-US" sz="2000" dirty="0" err="1" smtClean="0">
+                <a:latin typeface="Arial" panose="020B0604020202020204" pitchFamily="34" charset="0"/>
+                <a:cs typeface="Arial" panose="020B0604020202020204" pitchFamily="34" charset="0"/>
+              </a:rPr>
+              <a:t>Promedio</a:t>
+            </a:r>
+            <a:r>
+              <a:rPr lang="en-US" sz="2000" dirty="0" smtClean="0">
+                <a:latin typeface="Arial" panose="020B0604020202020204" pitchFamily="34" charset="0"/>
+                <a:cs typeface="Arial" panose="020B0604020202020204" pitchFamily="34" charset="0"/>
+              </a:rPr>
+              <a:t> </a:t>
+            </a:r>
+            <a:r>
+              <a:rPr lang="en-US" sz="2000" dirty="0" err="1" smtClean="0">
+                <a:latin typeface="Arial" panose="020B0604020202020204" pitchFamily="34" charset="0"/>
+                <a:cs typeface="Arial" panose="020B0604020202020204" pitchFamily="34" charset="0"/>
+              </a:rPr>
+              <a:t>aritmético</a:t>
+            </a:r>
+            <a:r>
+              <a:rPr lang="en-US" sz="2000" dirty="0" smtClean="0">
+                <a:latin typeface="Arial" panose="020B0604020202020204" pitchFamily="34" charset="0"/>
+                <a:cs typeface="Arial" panose="020B0604020202020204" pitchFamily="34" charset="0"/>
+              </a:rPr>
+              <a:t> de las </a:t>
+            </a:r>
+            <a:r>
+              <a:rPr lang="en-US" sz="2000" dirty="0" err="1" smtClean="0">
+                <a:latin typeface="Arial" panose="020B0604020202020204" pitchFamily="34" charset="0"/>
+                <a:cs typeface="Arial" panose="020B0604020202020204" pitchFamily="34" charset="0"/>
+              </a:rPr>
+              <a:t>observaciones</a:t>
+            </a:r>
+            <a:r>
+              <a:rPr lang="en-US" sz="2000" dirty="0" smtClean="0">
+                <a:latin typeface="Arial" panose="020B0604020202020204" pitchFamily="34" charset="0"/>
+                <a:cs typeface="Arial" panose="020B0604020202020204" pitchFamily="34" charset="0"/>
+              </a:rPr>
+              <a:t>. </a:t>
+            </a:r>
+          </a:p>
+          <a:p>
+            <a:pPr marL="0" indent="0">
+              <a:buNone/>
+            </a:pPr>
+            <a:r>
+              <a:rPr lang="en-US" dirty="0"/>
+              <a:t> </a:t>
+            </a:r>
+            <a:r>
+              <a:rPr lang="en-US" dirty="0" smtClean="0"/>
+              <a:t>  </a:t>
+            </a:r>
+          </a:p>
+          <a:p>
+            <a:pPr marL="0" indent="0">
+              <a:buNone/>
+            </a:pPr>
+            <a:r>
+              <a:rPr lang="en-US" dirty="0" smtClean="0"/>
+              <a:t> </a:t>
+            </a:r>
+            <a:endParaRPr lang="en-US" dirty="0"/>
+          </a:p>
+          <a:p>
+            <a:pPr marL="0" indent="0">
+              <a:buNone/>
+            </a:pPr>
+            <a:r>
+              <a:rPr lang="en-US" dirty="0" smtClean="0"/>
+              <a:t>      </a:t>
+            </a:r>
+            <a:endParaRPr lang="es-CO" dirty="0"/>
+          </a:p>
+        </p:txBody>
+      </p:sp>
+      <mc:AlternateContent xmlns:mc="http://schemas.openxmlformats.org/markup-compatibility/2006">
+        <mc:Choice xmlns:a14="http://schemas.microsoft.com/office/drawing/2010/main" Requires="a14">
+          <p:sp>
+            <p:nvSpPr>
+              <p:cNvPr id="5" name="3 CuadroTexto"/>
+              <p:cNvSpPr txBox="1"/>
+              <p:nvPr/>
+            </p:nvSpPr>
+            <p:spPr>
+              <a:xfrm>
+                <a:off x="943552" y="1460419"/>
+                <a:ext cx="2486865" cy="764761"/>
+              </a:xfrm>
+              <a:prstGeom prst="rect">
+                <a:avLst/>
+              </a:prstGeom>
+              <a:noFill/>
+            </p:spPr>
+            <p:txBody>
+              <a:bodyPr wrap="square" rtlCol="0">
+                <a:spAutoFit/>
+              </a:bodyPr>
+              <a:lstStyle/>
+              <a:p>
+                <a:pPr/>
+                <a14:m>
+                  <m:oMathPara xmlns:m="http://schemas.openxmlformats.org/officeDocument/2006/math">
+                    <m:oMathParaPr>
+                      <m:jc m:val="centerGroup"/>
+                    </m:oMathParaPr>
+                    <m:oMath xmlns:m="http://schemas.openxmlformats.org/officeDocument/2006/math">
+                      <m:acc>
+                        <m:accPr>
+                          <m:chr m:val="̅"/>
+                          <m:ctrlPr>
+                            <a:rPr lang="es-CO" sz="1600" b="0" i="1" smtClean="0">
+                              <a:latin typeface="Cambria Math" panose="02040503050406030204" pitchFamily="18" charset="0"/>
+                            </a:rPr>
+                          </m:ctrlPr>
+                        </m:accPr>
+                        <m:e>
+                          <m:r>
+                            <a:rPr lang="es-CO" sz="1600" i="1">
+                              <a:latin typeface="Cambria Math"/>
+                            </a:rPr>
+                            <m:t>𝑥</m:t>
+                          </m:r>
+                        </m:e>
+                      </m:acc>
+                      <m:r>
+                        <a:rPr lang="es-CO" sz="1600" b="0" i="1" smtClean="0">
+                          <a:latin typeface="Cambria Math"/>
+                        </a:rPr>
+                        <m:t>=</m:t>
+                      </m:r>
+                      <m:nary>
+                        <m:naryPr>
+                          <m:chr m:val="∑"/>
+                          <m:ctrlPr>
+                            <a:rPr lang="es-CO" sz="1600" i="1" smtClean="0">
+                              <a:latin typeface="Cambria Math" panose="02040503050406030204" pitchFamily="18" charset="0"/>
+                            </a:rPr>
+                          </m:ctrlPr>
+                        </m:naryPr>
+                        <m:sub>
+                          <m:r>
+                            <a:rPr lang="es-CO" sz="1600" i="1" smtClean="0">
+                              <a:latin typeface="Cambria Math"/>
+                            </a:rPr>
+                            <m:t>𝑖</m:t>
+                          </m:r>
+                          <m:r>
+                            <a:rPr lang="es-CO" sz="1600" i="1" smtClean="0">
+                              <a:latin typeface="Cambria Math"/>
+                            </a:rPr>
+                            <m:t>=0</m:t>
+                          </m:r>
+                        </m:sub>
+                        <m:sup>
+                          <m:r>
+                            <a:rPr lang="es-CO" sz="1600" i="1" smtClean="0">
+                              <a:latin typeface="Cambria Math"/>
+                            </a:rPr>
+                            <m:t>𝑛</m:t>
+                          </m:r>
+                        </m:sup>
+                        <m:e>
+                          <m:f>
+                            <m:fPr>
+                              <m:ctrlPr>
+                                <a:rPr lang="es-CO" sz="1600" i="1" smtClean="0">
+                                  <a:latin typeface="Cambria Math" panose="02040503050406030204" pitchFamily="18" charset="0"/>
+                                </a:rPr>
+                              </m:ctrlPr>
+                            </m:fPr>
+                            <m:num>
+                              <m:sSub>
+                                <m:sSubPr>
+                                  <m:ctrlPr>
+                                    <a:rPr lang="es-CO" sz="1600" b="0" i="1" smtClean="0">
+                                      <a:latin typeface="Cambria Math" panose="02040503050406030204" pitchFamily="18" charset="0"/>
+                                    </a:rPr>
+                                  </m:ctrlPr>
+                                </m:sSubPr>
+                                <m:e>
+                                  <m:r>
+                                    <a:rPr lang="es-CO" sz="1600" b="0" i="1" smtClean="0">
+                                      <a:latin typeface="Cambria Math"/>
+                                    </a:rPr>
+                                    <m:t>𝑥</m:t>
+                                  </m:r>
+                                </m:e>
+                                <m:sub>
+                                  <m:r>
+                                    <a:rPr lang="es-CO" sz="1600" b="0" i="1" smtClean="0">
+                                      <a:latin typeface="Cambria Math"/>
+                                    </a:rPr>
+                                    <m:t>𝑖</m:t>
+                                  </m:r>
+                                </m:sub>
+                              </m:sSub>
+                            </m:num>
+                            <m:den>
+                              <m:r>
+                                <a:rPr lang="es-CO" sz="1600" b="0" i="1" smtClean="0">
+                                  <a:latin typeface="Cambria Math"/>
+                                </a:rPr>
+                                <m:t>𝑛</m:t>
+                              </m:r>
+                            </m:den>
+                          </m:f>
+                        </m:e>
+                      </m:nary>
+                    </m:oMath>
+                  </m:oMathPara>
+                </a14:m>
+                <a:endParaRPr lang="es-CO" sz="1600" dirty="0"/>
+              </a:p>
+            </p:txBody>
+          </p:sp>
+        </mc:Choice>
+        <mc:Fallback>
+          <p:sp>
+            <p:nvSpPr>
+              <p:cNvPr id="5" name="3 CuadroTexto"/>
+              <p:cNvSpPr txBox="1">
+                <a:spLocks noRot="1" noChangeAspect="1" noMove="1" noResize="1" noEditPoints="1" noAdjustHandles="1" noChangeArrowheads="1" noChangeShapeType="1" noTextEdit="1"/>
+              </p:cNvSpPr>
+              <p:nvPr/>
+            </p:nvSpPr>
+            <p:spPr>
+              <a:xfrm>
+                <a:off x="943552" y="1460419"/>
+                <a:ext cx="2486865" cy="764761"/>
+              </a:xfrm>
+              <a:prstGeom prst="rect">
+                <a:avLst/>
+              </a:prstGeom>
+              <a:blipFill rotWithShape="0">
+                <a:blip r:embed="rId2"/>
+                <a:stretch>
+                  <a:fillRect/>
+                </a:stretch>
+              </a:blipFill>
+            </p:spPr>
+            <p:txBody>
+              <a:bodyPr/>
+              <a:lstStyle/>
+              <a:p>
+                <a:r>
+                  <a:rPr lang="es-CO">
+                    <a:noFill/>
+                  </a:rPr>
+                  <a:t> </a:t>
+                </a:r>
+              </a:p>
+            </p:txBody>
+          </p:sp>
+        </mc:Fallback>
+      </mc:AlternateContent>
+      <p:sp>
+        <p:nvSpPr>
+          <p:cNvPr id="6" name="TextBox 5"/>
+          <p:cNvSpPr txBox="1"/>
           <p:nvPr/>
         </p:nvSpPr>
-        <p:spPr bwMode="auto">
+        <p:spPr>
           <a:xfrm>
-            <a:off x="1104795" y="1732961"/>
-            <a:ext cx="4890278" cy="1323439"/>
+            <a:off x="6299767" y="843429"/>
+            <a:ext cx="3493698" cy="677108"/>
           </a:xfrm>
           <a:prstGeom prst="rect">
             <a:avLst/>
           </a:prstGeom>
           <a:noFill/>
-          <a:ln>
-            <a:noFill/>
-          </a:ln>
-          <a:extLst>
-            <a:ext uri="{909E8E84-426E-40DD-AFC4-6F175D3DCCD1}">
-              <a14:hiddenFill xmlns:a14="http://schemas.microsoft.com/office/drawing/2010/main">
-                <a:solidFill>
-                  <a:srgbClr val="FFFFFF"/>
-                </a:solidFill>
-              </a14:hiddenFill>
-            </a:ext>
-            <a:ext uri="{91240B29-F687-4F45-9708-019B960494DF}">
-              <a14:hiddenLine xmlns:a14="http://schemas.microsoft.com/office/drawing/2010/main" w="9525">
-                <a:solidFill>
-                  <a:srgbClr val="000000"/>
-                </a:solidFill>
-                <a:miter lim="800000"/>
-                <a:headEnd/>
-                <a:tailEnd/>
-              </a14:hiddenLine>
-            </a:ext>
-          </a:extLst>
         </p:spPr>
         <p:txBody>
-          <a:bodyPr wrap="square">
+          <a:bodyPr wrap="square" rtlCol="0">
             <a:spAutoFit/>
           </a:bodyPr>
+          <a:lstStyle/>
+          <a:p>
+            <a:r>
+              <a:rPr lang="en-US" sz="2000" dirty="0">
+                <a:latin typeface="Cambria Math" panose="02040503050406030204" pitchFamily="18" charset="0"/>
+                <a:ea typeface="Cambria Math" panose="02040503050406030204" pitchFamily="18" charset="0"/>
+              </a:rPr>
+              <a:t>5</a:t>
+            </a:r>
+            <a:r>
+              <a:rPr lang="en-US" sz="2000" dirty="0" smtClean="0">
+                <a:latin typeface="Cambria Math" panose="02040503050406030204" pitchFamily="18" charset="0"/>
+                <a:ea typeface="Cambria Math" panose="02040503050406030204" pitchFamily="18" charset="0"/>
+              </a:rPr>
+              <a:t>, 15, 3, 2, 25</a:t>
+            </a:r>
+          </a:p>
+          <a:p>
+            <a:endParaRPr lang="es-CO" dirty="0"/>
+          </a:p>
+        </p:txBody>
+      </p:sp>
+      <p:sp>
+        <p:nvSpPr>
+          <p:cNvPr id="8" name="TextBox 7"/>
+          <p:cNvSpPr txBox="1"/>
+          <p:nvPr/>
+        </p:nvSpPr>
+        <p:spPr>
+          <a:xfrm>
+            <a:off x="6567655" y="1576555"/>
+            <a:ext cx="1240418" cy="400110"/>
+          </a:xfrm>
+          <a:prstGeom prst="rect">
+            <a:avLst/>
+          </a:prstGeom>
+          <a:noFill/>
+        </p:spPr>
+        <p:txBody>
+          <a:bodyPr wrap="square" rtlCol="0">
+            <a:spAutoFit/>
+          </a:bodyPr>
+          <a:lstStyle/>
+          <a:p>
+            <a:r>
+              <a:rPr lang="en-US" sz="2000" dirty="0" smtClean="0">
+                <a:latin typeface="Cambria Math" panose="02040503050406030204" pitchFamily="18" charset="0"/>
+                <a:ea typeface="Cambria Math" panose="02040503050406030204" pitchFamily="18" charset="0"/>
+              </a:rPr>
+              <a:t>  n  =  5</a:t>
+            </a:r>
+            <a:endParaRPr lang="es-CO" sz="2000" dirty="0">
+              <a:latin typeface="Cambria Math" panose="02040503050406030204" pitchFamily="18" charset="0"/>
+              <a:ea typeface="Cambria Math" panose="02040503050406030204" pitchFamily="18" charset="0"/>
+            </a:endParaRPr>
+          </a:p>
+        </p:txBody>
+      </p:sp>
+      <mc:AlternateContent xmlns:mc="http://schemas.openxmlformats.org/markup-compatibility/2006">
+        <mc:Choice xmlns:a14="http://schemas.microsoft.com/office/drawing/2010/main" Requires="a14">
+          <p:sp>
+            <p:nvSpPr>
+              <p:cNvPr id="9" name="3 CuadroTexto"/>
+              <p:cNvSpPr txBox="1"/>
+              <p:nvPr/>
+            </p:nvSpPr>
+            <p:spPr>
+              <a:xfrm>
+                <a:off x="6115773" y="2032683"/>
+                <a:ext cx="3094868" cy="533929"/>
+              </a:xfrm>
+              <a:prstGeom prst="rect">
+                <a:avLst/>
+              </a:prstGeom>
+              <a:noFill/>
+            </p:spPr>
+            <p:txBody>
+              <a:bodyPr wrap="square" rtlCol="0">
+                <a:spAutoFit/>
+              </a:bodyPr>
+              <a:lstStyle/>
+              <a:p>
+                <a14:m>
+                  <m:oMath xmlns:m="http://schemas.openxmlformats.org/officeDocument/2006/math">
+                    <m:acc>
+                      <m:accPr>
+                        <m:chr m:val="̅"/>
+                        <m:ctrlPr>
+                          <a:rPr lang="es-CO" sz="2000" b="0" i="1" smtClean="0">
+                            <a:latin typeface="Cambria Math" panose="02040503050406030204" pitchFamily="18" charset="0"/>
+                          </a:rPr>
+                        </m:ctrlPr>
+                      </m:accPr>
+                      <m:e>
+                        <m:r>
+                          <a:rPr lang="es-CO" sz="2000" i="1">
+                            <a:latin typeface="Cambria Math"/>
+                          </a:rPr>
+                          <m:t>𝑥</m:t>
+                        </m:r>
+                      </m:e>
+                    </m:acc>
+                    <m:r>
+                      <a:rPr lang="es-CO" sz="2000" b="0" i="1" smtClean="0">
+                        <a:latin typeface="Cambria Math"/>
+                      </a:rPr>
+                      <m:t>=</m:t>
+                    </m:r>
+                    <m:f>
+                      <m:fPr>
+                        <m:ctrlPr>
+                          <a:rPr lang="en-US" sz="2000" b="0" i="1" smtClean="0">
+                            <a:latin typeface="Cambria Math" panose="02040503050406030204" pitchFamily="18" charset="0"/>
+                          </a:rPr>
+                        </m:ctrlPr>
+                      </m:fPr>
+                      <m:num>
+                        <m:r>
+                          <a:rPr lang="en-US" sz="2000" b="0" i="1" smtClean="0">
+                            <a:latin typeface="Cambria Math" panose="02040503050406030204" pitchFamily="18" charset="0"/>
+                          </a:rPr>
+                          <m:t>5+15+3+2+25 </m:t>
+                        </m:r>
+                      </m:num>
+                      <m:den>
+                        <m:r>
+                          <a:rPr lang="en-US" sz="2000" b="0" i="1" smtClean="0">
+                            <a:latin typeface="Cambria Math" panose="02040503050406030204" pitchFamily="18" charset="0"/>
+                          </a:rPr>
+                          <m:t>5</m:t>
+                        </m:r>
+                      </m:den>
+                    </m:f>
+                  </m:oMath>
+                </a14:m>
+                <a:r>
+                  <a:rPr lang="es-CO" sz="2000" dirty="0" smtClean="0"/>
+                  <a:t>= </a:t>
+                </a:r>
+                <a:r>
+                  <a:rPr lang="es-CO" sz="2000" dirty="0" smtClean="0">
+                    <a:solidFill>
+                      <a:srgbClr val="FF0000"/>
+                    </a:solidFill>
+                  </a:rPr>
+                  <a:t>5</a:t>
+                </a:r>
+                <a:r>
+                  <a:rPr lang="es-CO" sz="2000" dirty="0" smtClean="0"/>
+                  <a:t> </a:t>
+                </a:r>
+                <a:endParaRPr lang="es-CO" sz="2000" dirty="0"/>
+              </a:p>
+            </p:txBody>
+          </p:sp>
+        </mc:Choice>
+        <mc:Fallback>
+          <p:sp>
+            <p:nvSpPr>
+              <p:cNvPr id="9" name="3 CuadroTexto"/>
+              <p:cNvSpPr txBox="1">
+                <a:spLocks noRot="1" noChangeAspect="1" noMove="1" noResize="1" noEditPoints="1" noAdjustHandles="1" noChangeArrowheads="1" noChangeShapeType="1" noTextEdit="1"/>
+              </p:cNvSpPr>
+              <p:nvPr/>
+            </p:nvSpPr>
+            <p:spPr>
+              <a:xfrm>
+                <a:off x="6115773" y="2032683"/>
+                <a:ext cx="3094868" cy="533929"/>
+              </a:xfrm>
+              <a:prstGeom prst="rect">
+                <a:avLst/>
+              </a:prstGeom>
+              <a:blipFill rotWithShape="0">
+                <a:blip r:embed="rId3"/>
+                <a:stretch>
+                  <a:fillRect b="-6818"/>
+                </a:stretch>
+              </a:blipFill>
+            </p:spPr>
+            <p:txBody>
+              <a:bodyPr/>
+              <a:lstStyle/>
+              <a:p>
+                <a:r>
+                  <a:rPr lang="es-CO">
+                    <a:noFill/>
+                  </a:rPr>
+                  <a:t> </a:t>
+                </a:r>
+              </a:p>
+            </p:txBody>
+          </p:sp>
+        </mc:Fallback>
+      </mc:AlternateContent>
+      <p:sp>
+        <p:nvSpPr>
+          <p:cNvPr id="10" name="Left Brace 9"/>
+          <p:cNvSpPr/>
+          <p:nvPr/>
+        </p:nvSpPr>
+        <p:spPr>
+          <a:xfrm rot="16200000">
+            <a:off x="6945141" y="845320"/>
+            <a:ext cx="340580" cy="1095551"/>
+          </a:xfrm>
+          <a:prstGeom prst="leftBrace">
+            <a:avLst>
+              <a:gd name="adj1" fmla="val 0"/>
+              <a:gd name="adj2" fmla="val 49351"/>
+            </a:avLst>
+          </a:prstGeom>
+        </p:spPr>
+        <p:style>
+          <a:lnRef idx="1">
+            <a:schemeClr val="accent1"/>
+          </a:lnRef>
+          <a:fillRef idx="0">
+            <a:schemeClr val="accent1"/>
+          </a:fillRef>
+          <a:effectRef idx="0">
+            <a:schemeClr val="accent1"/>
+          </a:effectRef>
+          <a:fontRef idx="minor">
+            <a:schemeClr val="tx1"/>
+          </a:fontRef>
+        </p:style>
+        <p:txBody>
+          <a:bodyPr rtlCol="0" anchor="ctr"/>
+          <a:lstStyle/>
+          <a:p>
+            <a:pPr algn="ctr"/>
+            <a:endParaRPr lang="es-CO"/>
+          </a:p>
+        </p:txBody>
+      </p:sp>
+      <p:sp>
+        <p:nvSpPr>
+          <p:cNvPr id="11" name="Title 1"/>
+          <p:cNvSpPr txBox="1">
+            <a:spLocks/>
+          </p:cNvSpPr>
+          <p:nvPr/>
+        </p:nvSpPr>
+        <p:spPr>
+          <a:xfrm>
+            <a:off x="387967" y="2969837"/>
+            <a:ext cx="3998183" cy="1117600"/>
+          </a:xfrm>
+          <a:prstGeom prst="rect">
+            <a:avLst/>
+          </a:prstGeom>
+        </p:spPr>
+        <p:txBody>
+          <a:bodyPr vert="horz" lIns="91440" tIns="45720" rIns="91440" bIns="45720" rtlCol="0" anchor="t">
+            <a:normAutofit fontScale="25000" lnSpcReduction="20000"/>
+          </a:bodyPr>
           <a:lstStyle>
-            <a:lvl1pPr>
+            <a:lvl1pPr algn="l" defTabSz="457200" rtl="0" eaLnBrk="1" latinLnBrk="0" hangingPunct="1">
+              <a:spcBef>
+                <a:spcPct val="0"/>
+              </a:spcBef>
+              <a:buNone/>
+              <a:defRPr sz="3600" kern="1200">
+                <a:solidFill>
+                  <a:schemeClr val="accent1"/>
+                </a:solidFill>
+                <a:latin typeface="+mj-lt"/>
+                <a:ea typeface="+mj-ea"/>
+                <a:cs typeface="+mj-cs"/>
+              </a:defRPr>
+            </a:lvl1pPr>
+            <a:lvl2pPr eaLnBrk="1" hangingPunct="1">
               <a:defRPr>
+                <a:solidFill>
+                  <a:schemeClr val="tx2"/>
+                </a:solidFill>
+              </a:defRPr>
+            </a:lvl2pPr>
+            <a:lvl3pPr eaLnBrk="1" hangingPunct="1">
+              <a:defRPr>
+                <a:solidFill>
+                  <a:schemeClr val="tx2"/>
+                </a:solidFill>
+              </a:defRPr>
+            </a:lvl3pPr>
+            <a:lvl4pPr eaLnBrk="1" hangingPunct="1">
+              <a:defRPr>
+                <a:solidFill>
+                  <a:schemeClr val="tx2"/>
+                </a:solidFill>
+              </a:defRPr>
+            </a:lvl4pPr>
+            <a:lvl5pPr eaLnBrk="1" hangingPunct="1">
+              <a:defRPr>
+                <a:solidFill>
+                  <a:schemeClr val="tx2"/>
+                </a:solidFill>
+              </a:defRPr>
+            </a:lvl5pPr>
+            <a:lvl6pPr eaLnBrk="1" hangingPunct="1">
+              <a:defRPr>
+                <a:solidFill>
+                  <a:schemeClr val="tx2"/>
+                </a:solidFill>
+              </a:defRPr>
+            </a:lvl6pPr>
+            <a:lvl7pPr eaLnBrk="1" hangingPunct="1">
+              <a:defRPr>
+                <a:solidFill>
+                  <a:schemeClr val="tx2"/>
+                </a:solidFill>
+              </a:defRPr>
+            </a:lvl7pPr>
+            <a:lvl8pPr eaLnBrk="1" hangingPunct="1">
+              <a:defRPr>
+                <a:solidFill>
+                  <a:schemeClr val="tx2"/>
+                </a:solidFill>
+              </a:defRPr>
+            </a:lvl8pPr>
+            <a:lvl9pPr eaLnBrk="1" hangingPunct="1">
+              <a:defRPr>
+                <a:solidFill>
+                  <a:schemeClr val="tx2"/>
+                </a:solidFill>
+              </a:defRPr>
+            </a:lvl9pPr>
+          </a:lstStyle>
+          <a:p>
+            <a:r>
+              <a:rPr lang="en-US" sz="12800" b="1" dirty="0" err="1" smtClean="0">
+                <a:solidFill>
+                  <a:srgbClr val="C00000"/>
+                </a:solidFill>
+              </a:rPr>
+              <a:t>Moda</a:t>
+            </a:r>
+            <a:endParaRPr lang="en-US" sz="12800" b="1" dirty="0" smtClean="0">
+              <a:solidFill>
+                <a:srgbClr val="C00000"/>
+              </a:solidFill>
+            </a:endParaRPr>
+          </a:p>
+          <a:p>
+            <a:endParaRPr lang="en-US" dirty="0" smtClean="0"/>
+          </a:p>
+          <a:p>
+            <a:r>
+              <a:rPr lang="es-CO" sz="8000" dirty="0" smtClean="0">
                 <a:solidFill>
                   <a:schemeClr val="tx1"/>
                 </a:solidFill>
-                <a:latin typeface="Calibri" panose="020F0502020204030204" pitchFamily="34" charset="0"/>
-              </a:defRPr>
-            </a:lvl1pPr>
-            <a:lvl2pPr marL="742950" indent="-285750">
-              <a:defRPr>
+                <a:latin typeface="Calibri (Body)"/>
+              </a:rPr>
+              <a:t>Es </a:t>
+            </a:r>
+            <a:r>
+              <a:rPr lang="es-CO" sz="8000" dirty="0">
                 <a:solidFill>
                   <a:schemeClr val="tx1"/>
                 </a:solidFill>
-                <a:latin typeface="Calibri" panose="020F0502020204030204" pitchFamily="34" charset="0"/>
-              </a:defRPr>
-            </a:lvl2pPr>
-            <a:lvl3pPr marL="1143000" indent="-228600">
-              <a:defRPr>
+                <a:latin typeface="Calibri (Body)"/>
+              </a:rPr>
+              <a:t>el valor de la variable que más veces se repite, es decir, aquella cuya frecuencia absoluta es </a:t>
+            </a:r>
+            <a:r>
+              <a:rPr lang="es-CO" sz="8000" dirty="0" smtClean="0">
                 <a:solidFill>
                   <a:schemeClr val="tx1"/>
                 </a:solidFill>
-                <a:latin typeface="Calibri" panose="020F0502020204030204" pitchFamily="34" charset="0"/>
-              </a:defRPr>
-            </a:lvl3pPr>
-            <a:lvl4pPr marL="1600200" indent="-228600">
-              <a:defRPr>
+                <a:latin typeface="Calibri (Body)"/>
+              </a:rPr>
+              <a:t>mayor.</a:t>
+            </a:r>
+            <a:endParaRPr lang="es-CO" sz="8000" dirty="0">
+              <a:solidFill>
+                <a:schemeClr val="tx1"/>
+              </a:solidFill>
+              <a:latin typeface="Calibri (Body)"/>
+            </a:endParaRPr>
+          </a:p>
+          <a:p>
+            <a:endParaRPr lang="en-US" dirty="0" smtClean="0"/>
+          </a:p>
+          <a:p>
+            <a:pPr marL="571500" indent="-571500">
+              <a:buFont typeface="Wingdings" panose="05000000000000000000" pitchFamily="2" charset="2"/>
+              <a:buChar char="Ø"/>
+            </a:pPr>
+            <a:endParaRPr lang="en-US" dirty="0" smtClean="0"/>
+          </a:p>
+          <a:p>
+            <a:endParaRPr lang="en-US" dirty="0" smtClean="0"/>
+          </a:p>
+          <a:p>
+            <a:endParaRPr lang="es-CO" dirty="0"/>
+          </a:p>
+        </p:txBody>
+      </p:sp>
+      <p:sp>
+        <p:nvSpPr>
+          <p:cNvPr id="12" name="TextBox 11"/>
+          <p:cNvSpPr txBox="1"/>
+          <p:nvPr/>
+        </p:nvSpPr>
+        <p:spPr>
+          <a:xfrm>
+            <a:off x="5120598" y="3427077"/>
+            <a:ext cx="2358338" cy="369332"/>
+          </a:xfrm>
+          <a:prstGeom prst="rect">
+            <a:avLst/>
+          </a:prstGeom>
+          <a:noFill/>
+        </p:spPr>
+        <p:txBody>
+          <a:bodyPr wrap="none" rtlCol="0">
+            <a:spAutoFit/>
+          </a:bodyPr>
+          <a:lstStyle/>
+          <a:p>
+            <a:r>
+              <a:rPr lang="en-US" dirty="0" smtClean="0"/>
+              <a:t>1,2,2,3,3,3,3,1,12,4 </a:t>
+            </a:r>
+            <a:endParaRPr lang="es-CO" dirty="0"/>
+          </a:p>
+        </p:txBody>
+      </p:sp>
+      <p:sp>
+        <p:nvSpPr>
+          <p:cNvPr id="13" name="Left Brace 12"/>
+          <p:cNvSpPr/>
+          <p:nvPr/>
+        </p:nvSpPr>
+        <p:spPr>
+          <a:xfrm rot="16200000">
+            <a:off x="5998954" y="3557025"/>
+            <a:ext cx="194092" cy="672860"/>
+          </a:xfrm>
+          <a:prstGeom prst="leftBrace">
+            <a:avLst/>
+          </a:prstGeom>
+        </p:spPr>
+        <p:style>
+          <a:lnRef idx="1">
+            <a:schemeClr val="accent1"/>
+          </a:lnRef>
+          <a:fillRef idx="0">
+            <a:schemeClr val="accent1"/>
+          </a:fillRef>
+          <a:effectRef idx="0">
+            <a:schemeClr val="accent1"/>
+          </a:effectRef>
+          <a:fontRef idx="minor">
+            <a:schemeClr val="tx1"/>
+          </a:fontRef>
+        </p:style>
+        <p:txBody>
+          <a:bodyPr rtlCol="0" anchor="ctr"/>
+          <a:lstStyle/>
+          <a:p>
+            <a:pPr algn="ctr"/>
+            <a:endParaRPr lang="es-CO"/>
+          </a:p>
+        </p:txBody>
+      </p:sp>
+      <p:sp>
+        <p:nvSpPr>
+          <p:cNvPr id="14" name="TextBox 13"/>
+          <p:cNvSpPr txBox="1"/>
+          <p:nvPr/>
+        </p:nvSpPr>
+        <p:spPr>
+          <a:xfrm>
+            <a:off x="5942753" y="4174474"/>
+            <a:ext cx="306494" cy="369332"/>
+          </a:xfrm>
+          <a:prstGeom prst="rect">
+            <a:avLst/>
+          </a:prstGeom>
+          <a:noFill/>
+        </p:spPr>
+        <p:txBody>
+          <a:bodyPr wrap="none" rtlCol="0">
+            <a:spAutoFit/>
+          </a:bodyPr>
+          <a:lstStyle/>
+          <a:p>
+            <a:r>
+              <a:rPr lang="en-US" dirty="0" smtClean="0">
                 <a:solidFill>
-                  <a:schemeClr val="tx1"/>
-                </a:solidFill>
-                <a:latin typeface="Calibri" panose="020F0502020204030204" pitchFamily="34" charset="0"/>
-              </a:defRPr>
-            </a:lvl4pPr>
-            <a:lvl5pPr marL="2057400" indent="-228600">
-              <a:defRPr>
-                <a:solidFill>
-                  <a:schemeClr val="tx1"/>
-                </a:solidFill>
-                <a:latin typeface="Calibri" panose="020F0502020204030204" pitchFamily="34" charset="0"/>
-              </a:defRPr>
-            </a:lvl5pPr>
-            <a:lvl6pPr marL="2514600" indent="-228600" eaLnBrk="0" fontAlgn="base" hangingPunct="0">
-              <a:spcBef>
-                <a:spcPct val="0"/>
-              </a:spcBef>
-              <a:spcAft>
-                <a:spcPct val="0"/>
-              </a:spcAft>
-              <a:defRPr>
-                <a:solidFill>
-                  <a:schemeClr val="tx1"/>
-                </a:solidFill>
-                <a:latin typeface="Calibri" panose="020F0502020204030204" pitchFamily="34" charset="0"/>
-              </a:defRPr>
-            </a:lvl6pPr>
-            <a:lvl7pPr marL="2971800" indent="-228600" eaLnBrk="0" fontAlgn="base" hangingPunct="0">
-              <a:spcBef>
-                <a:spcPct val="0"/>
-              </a:spcBef>
-              <a:spcAft>
-                <a:spcPct val="0"/>
-              </a:spcAft>
-              <a:defRPr>
-                <a:solidFill>
-                  <a:schemeClr val="tx1"/>
-                </a:solidFill>
-                <a:latin typeface="Calibri" panose="020F0502020204030204" pitchFamily="34" charset="0"/>
-              </a:defRPr>
-            </a:lvl7pPr>
-            <a:lvl8pPr marL="3429000" indent="-228600" eaLnBrk="0" fontAlgn="base" hangingPunct="0">
-              <a:spcBef>
-                <a:spcPct val="0"/>
-              </a:spcBef>
-              <a:spcAft>
-                <a:spcPct val="0"/>
-              </a:spcAft>
-              <a:defRPr>
-                <a:solidFill>
-                  <a:schemeClr val="tx1"/>
-                </a:solidFill>
-                <a:latin typeface="Calibri" panose="020F0502020204030204" pitchFamily="34" charset="0"/>
-              </a:defRPr>
-            </a:lvl8pPr>
-            <a:lvl9pPr marL="3886200" indent="-228600" eaLnBrk="0" fontAlgn="base" hangingPunct="0">
-              <a:spcBef>
-                <a:spcPct val="0"/>
-              </a:spcBef>
-              <a:spcAft>
-                <a:spcPct val="0"/>
-              </a:spcAft>
-              <a:defRPr>
-                <a:solidFill>
-                  <a:schemeClr val="tx1"/>
-                </a:solidFill>
-                <a:latin typeface="Calibri" panose="020F0502020204030204" pitchFamily="34" charset="0"/>
-              </a:defRPr>
-            </a:lvl9pPr>
-          </a:lstStyle>
-          <a:p>
-            <a:pPr algn="ctr"/>
-            <a:r>
-              <a:rPr lang="en-US" altLang="en-US" sz="8000" dirty="0" smtClean="0">
-                <a:solidFill>
-                  <a:schemeClr val="bg1"/>
+                  <a:srgbClr val="FF0000"/>
                 </a:solidFill>
               </a:rPr>
-              <a:t>Thank you!</a:t>
-            </a:r>
-            <a:endParaRPr lang="en-US" altLang="en-US" sz="8000" dirty="0">
+              <a:t>3</a:t>
+            </a:r>
+            <a:endParaRPr lang="es-CO" dirty="0">
               <a:solidFill>
-                <a:schemeClr val="bg1"/>
+                <a:srgbClr val="FF0000"/>
               </a:solidFill>
             </a:endParaRPr>
+          </a:p>
+        </p:txBody>
+      </p:sp>
+      <p:sp>
+        <p:nvSpPr>
+          <p:cNvPr id="15" name="TextBox 14"/>
+          <p:cNvSpPr txBox="1"/>
+          <p:nvPr/>
+        </p:nvSpPr>
+        <p:spPr>
+          <a:xfrm>
+            <a:off x="5051669" y="4785432"/>
+            <a:ext cx="2496196" cy="369332"/>
+          </a:xfrm>
+          <a:prstGeom prst="rect">
+            <a:avLst/>
+          </a:prstGeom>
+          <a:noFill/>
+        </p:spPr>
+        <p:txBody>
+          <a:bodyPr wrap="none" rtlCol="0">
+            <a:spAutoFit/>
+          </a:bodyPr>
+          <a:lstStyle/>
+          <a:p>
+            <a:r>
+              <a:rPr lang="en-US" dirty="0" smtClean="0"/>
+              <a:t>1,2, 2, 2, 3,3,3,12,13</a:t>
+            </a:r>
+            <a:endParaRPr lang="es-CO" dirty="0"/>
+          </a:p>
+        </p:txBody>
+      </p:sp>
+      <p:sp>
+        <p:nvSpPr>
+          <p:cNvPr id="16" name="TextBox 15"/>
+          <p:cNvSpPr txBox="1"/>
+          <p:nvPr/>
+        </p:nvSpPr>
+        <p:spPr>
+          <a:xfrm>
+            <a:off x="5502423" y="5356891"/>
+            <a:ext cx="257147" cy="369332"/>
+          </a:xfrm>
+          <a:prstGeom prst="rect">
+            <a:avLst/>
+          </a:prstGeom>
+          <a:noFill/>
+        </p:spPr>
+        <p:txBody>
+          <a:bodyPr wrap="square" rtlCol="0">
+            <a:spAutoFit/>
+          </a:bodyPr>
+          <a:lstStyle/>
+          <a:p>
+            <a:r>
+              <a:rPr lang="en-US" dirty="0" smtClean="0">
+                <a:solidFill>
+                  <a:srgbClr val="FF0000"/>
+                </a:solidFill>
+              </a:rPr>
+              <a:t>2</a:t>
+            </a:r>
+            <a:endParaRPr lang="es-CO" dirty="0">
+              <a:solidFill>
+                <a:srgbClr val="FF0000"/>
+              </a:solidFill>
+            </a:endParaRPr>
+          </a:p>
+        </p:txBody>
+      </p:sp>
+      <p:sp>
+        <p:nvSpPr>
+          <p:cNvPr id="17" name="TextBox 16"/>
+          <p:cNvSpPr txBox="1"/>
+          <p:nvPr/>
+        </p:nvSpPr>
+        <p:spPr>
+          <a:xfrm>
+            <a:off x="6171193" y="5367563"/>
+            <a:ext cx="257147" cy="369332"/>
+          </a:xfrm>
+          <a:prstGeom prst="rect">
+            <a:avLst/>
+          </a:prstGeom>
+          <a:noFill/>
+        </p:spPr>
+        <p:txBody>
+          <a:bodyPr wrap="square" rtlCol="0">
+            <a:spAutoFit/>
+          </a:bodyPr>
+          <a:lstStyle/>
+          <a:p>
+            <a:r>
+              <a:rPr lang="en-US" dirty="0">
+                <a:solidFill>
+                  <a:srgbClr val="FF0000"/>
+                </a:solidFill>
+              </a:rPr>
+              <a:t>3</a:t>
+            </a:r>
+            <a:endParaRPr lang="es-CO" dirty="0">
+              <a:solidFill>
+                <a:srgbClr val="FF0000"/>
+              </a:solidFill>
+            </a:endParaRPr>
+          </a:p>
+        </p:txBody>
+      </p:sp>
+      <p:sp>
+        <p:nvSpPr>
+          <p:cNvPr id="18" name="Left Brace 17"/>
+          <p:cNvSpPr/>
+          <p:nvPr/>
+        </p:nvSpPr>
+        <p:spPr>
+          <a:xfrm rot="16200000">
+            <a:off x="5533950" y="4895457"/>
+            <a:ext cx="194092" cy="672860"/>
+          </a:xfrm>
+          <a:prstGeom prst="leftBrace">
+            <a:avLst/>
+          </a:prstGeom>
+        </p:spPr>
+        <p:style>
+          <a:lnRef idx="1">
+            <a:schemeClr val="accent1"/>
+          </a:lnRef>
+          <a:fillRef idx="0">
+            <a:schemeClr val="accent1"/>
+          </a:fillRef>
+          <a:effectRef idx="0">
+            <a:schemeClr val="accent1"/>
+          </a:effectRef>
+          <a:fontRef idx="minor">
+            <a:schemeClr val="tx1"/>
+          </a:fontRef>
+        </p:style>
+        <p:txBody>
+          <a:bodyPr rtlCol="0" anchor="ctr"/>
+          <a:lstStyle/>
+          <a:p>
+            <a:pPr algn="ctr"/>
+            <a:endParaRPr lang="es-CO"/>
+          </a:p>
+        </p:txBody>
+      </p:sp>
+      <p:sp>
+        <p:nvSpPr>
+          <p:cNvPr id="19" name="Left Brace 18"/>
+          <p:cNvSpPr/>
+          <p:nvPr/>
+        </p:nvSpPr>
+        <p:spPr>
+          <a:xfrm rot="16200000">
+            <a:off x="6206261" y="4943002"/>
+            <a:ext cx="187009" cy="621101"/>
+          </a:xfrm>
+          <a:prstGeom prst="leftBrace">
+            <a:avLst/>
+          </a:prstGeom>
+        </p:spPr>
+        <p:style>
+          <a:lnRef idx="1">
+            <a:schemeClr val="accent1"/>
+          </a:lnRef>
+          <a:fillRef idx="0">
+            <a:schemeClr val="accent1"/>
+          </a:fillRef>
+          <a:effectRef idx="0">
+            <a:schemeClr val="accent1"/>
+          </a:effectRef>
+          <a:fontRef idx="minor">
+            <a:schemeClr val="tx1"/>
+          </a:fontRef>
+        </p:style>
+        <p:txBody>
+          <a:bodyPr rtlCol="0" anchor="ctr"/>
+          <a:lstStyle/>
+          <a:p>
+            <a:pPr algn="ctr"/>
+            <a:endParaRPr lang="es-CO"/>
+          </a:p>
+        </p:txBody>
+      </p:sp>
+      <p:sp>
+        <p:nvSpPr>
+          <p:cNvPr id="20" name="TextBox 19"/>
+          <p:cNvSpPr txBox="1"/>
+          <p:nvPr/>
+        </p:nvSpPr>
+        <p:spPr>
+          <a:xfrm>
+            <a:off x="8307238" y="3427076"/>
+            <a:ext cx="1380227" cy="369332"/>
+          </a:xfrm>
+          <a:prstGeom prst="rect">
+            <a:avLst/>
+          </a:prstGeom>
+          <a:noFill/>
+        </p:spPr>
+        <p:txBody>
+          <a:bodyPr wrap="square" rtlCol="0">
+            <a:spAutoFit/>
+          </a:bodyPr>
+          <a:lstStyle/>
+          <a:p>
+            <a:r>
+              <a:rPr lang="en-US" dirty="0" smtClean="0"/>
+              <a:t>Unimodal</a:t>
+            </a:r>
+            <a:endParaRPr lang="es-CO" dirty="0"/>
+          </a:p>
+        </p:txBody>
+      </p:sp>
+      <p:sp>
+        <p:nvSpPr>
+          <p:cNvPr id="21" name="TextBox 20"/>
+          <p:cNvSpPr txBox="1"/>
+          <p:nvPr/>
+        </p:nvSpPr>
+        <p:spPr>
+          <a:xfrm>
+            <a:off x="8307238" y="4657774"/>
+            <a:ext cx="1332416" cy="646331"/>
+          </a:xfrm>
+          <a:prstGeom prst="rect">
+            <a:avLst/>
+          </a:prstGeom>
+          <a:noFill/>
+        </p:spPr>
+        <p:txBody>
+          <a:bodyPr wrap="none" rtlCol="0">
+            <a:spAutoFit/>
+          </a:bodyPr>
+          <a:lstStyle/>
+          <a:p>
+            <a:r>
+              <a:rPr lang="en-US" dirty="0" smtClean="0"/>
+              <a:t>Bimodal o </a:t>
+            </a:r>
+          </a:p>
+          <a:p>
+            <a:r>
+              <a:rPr lang="en-US" dirty="0" smtClean="0"/>
+              <a:t>Multimodal</a:t>
+            </a:r>
+            <a:endParaRPr lang="es-CO" dirty="0"/>
           </a:p>
         </p:txBody>
       </p:sp>
     </p:spTree>
+    <p:extLst>
+      <p:ext uri="{BB962C8B-B14F-4D97-AF65-F5344CB8AC3E}">
+        <p14:creationId xmlns:p14="http://schemas.microsoft.com/office/powerpoint/2010/main" val="254252414"/>
+      </p:ext>
+    </p:extLst>
   </p:cSld>
   <p:clrMapOvr>
     <a:masterClrMapping/>
@@ -5991,9 +10967,1294 @@
   <p:timing>
     <p:tnLst>
       <p:par>
-        <p:cTn id="1" dur="indefinite" restart="never" nodeType="tmRoot"/>
+        <p:cTn id="1" dur="indefinite" restart="never" nodeType="tmRoot">
+          <p:childTnLst>
+            <p:seq concurrent="1" nextAc="seek">
+              <p:cTn id="2" dur="indefinite" nodeType="mainSeq">
+                <p:childTnLst>
+                  <p:par>
+                    <p:cTn id="3" fill="hold">
+                      <p:stCondLst>
+                        <p:cond delay="indefinite"/>
+                      </p:stCondLst>
+                      <p:childTnLst>
+                        <p:par>
+                          <p:cTn id="4" fill="hold">
+                            <p:stCondLst>
+                              <p:cond delay="0"/>
+                            </p:stCondLst>
+                            <p:childTnLst>
+                              <p:par>
+                                <p:cTn id="5" presetID="31" presetClass="entr" presetSubtype="0" fill="hold" grpId="0" nodeType="clickEffect">
+                                  <p:stCondLst>
+                                    <p:cond delay="0"/>
+                                  </p:stCondLst>
+                                  <p:childTnLst>
+                                    <p:set>
+                                      <p:cBhvr>
+                                        <p:cTn id="6" dur="1" fill="hold">
+                                          <p:stCondLst>
+                                            <p:cond delay="0"/>
+                                          </p:stCondLst>
+                                        </p:cTn>
+                                        <p:tgtEl>
+                                          <p:spTgt spid="8"/>
+                                        </p:tgtEl>
+                                        <p:attrNameLst>
+                                          <p:attrName>style.visibility</p:attrName>
+                                        </p:attrNameLst>
+                                      </p:cBhvr>
+                                      <p:to>
+                                        <p:strVal val="visible"/>
+                                      </p:to>
+                                    </p:set>
+                                    <p:anim calcmode="lin" valueType="num">
+                                      <p:cBhvr>
+                                        <p:cTn id="7" dur="1000" fill="hold"/>
+                                        <p:tgtEl>
+                                          <p:spTgt spid="8"/>
+                                        </p:tgtEl>
+                                        <p:attrNameLst>
+                                          <p:attrName>ppt_w</p:attrName>
+                                        </p:attrNameLst>
+                                      </p:cBhvr>
+                                      <p:tavLst>
+                                        <p:tav tm="0">
+                                          <p:val>
+                                            <p:fltVal val="0"/>
+                                          </p:val>
+                                        </p:tav>
+                                        <p:tav tm="100000">
+                                          <p:val>
+                                            <p:strVal val="#ppt_w"/>
+                                          </p:val>
+                                        </p:tav>
+                                      </p:tavLst>
+                                    </p:anim>
+                                    <p:anim calcmode="lin" valueType="num">
+                                      <p:cBhvr>
+                                        <p:cTn id="8" dur="1000" fill="hold"/>
+                                        <p:tgtEl>
+                                          <p:spTgt spid="8"/>
+                                        </p:tgtEl>
+                                        <p:attrNameLst>
+                                          <p:attrName>ppt_h</p:attrName>
+                                        </p:attrNameLst>
+                                      </p:cBhvr>
+                                      <p:tavLst>
+                                        <p:tav tm="0">
+                                          <p:val>
+                                            <p:fltVal val="0"/>
+                                          </p:val>
+                                        </p:tav>
+                                        <p:tav tm="100000">
+                                          <p:val>
+                                            <p:strVal val="#ppt_h"/>
+                                          </p:val>
+                                        </p:tav>
+                                      </p:tavLst>
+                                    </p:anim>
+                                    <p:anim calcmode="lin" valueType="num">
+                                      <p:cBhvr>
+                                        <p:cTn id="9" dur="1000" fill="hold"/>
+                                        <p:tgtEl>
+                                          <p:spTgt spid="8"/>
+                                        </p:tgtEl>
+                                        <p:attrNameLst>
+                                          <p:attrName>style.rotation</p:attrName>
+                                        </p:attrNameLst>
+                                      </p:cBhvr>
+                                      <p:tavLst>
+                                        <p:tav tm="0">
+                                          <p:val>
+                                            <p:fltVal val="90"/>
+                                          </p:val>
+                                        </p:tav>
+                                        <p:tav tm="100000">
+                                          <p:val>
+                                            <p:fltVal val="0"/>
+                                          </p:val>
+                                        </p:tav>
+                                      </p:tavLst>
+                                    </p:anim>
+                                    <p:animEffect transition="in" filter="fade">
+                                      <p:cBhvr>
+                                        <p:cTn id="10" dur="1000"/>
+                                        <p:tgtEl>
+                                          <p:spTgt spid="8"/>
+                                        </p:tgtEl>
+                                      </p:cBhvr>
+                                    </p:animEffect>
+                                  </p:childTnLst>
+                                </p:cTn>
+                              </p:par>
+                            </p:childTnLst>
+                          </p:cTn>
+                        </p:par>
+                      </p:childTnLst>
+                    </p:cTn>
+                  </p:par>
+                  <p:par>
+                    <p:cTn id="11" fill="hold">
+                      <p:stCondLst>
+                        <p:cond delay="indefinite"/>
+                      </p:stCondLst>
+                      <p:childTnLst>
+                        <p:par>
+                          <p:cTn id="12" fill="hold">
+                            <p:stCondLst>
+                              <p:cond delay="0"/>
+                            </p:stCondLst>
+                            <p:childTnLst>
+                              <p:par>
+                                <p:cTn id="13" presetID="31" presetClass="entr" presetSubtype="0" fill="hold" grpId="0" nodeType="clickEffect">
+                                  <p:stCondLst>
+                                    <p:cond delay="0"/>
+                                  </p:stCondLst>
+                                  <p:childTnLst>
+                                    <p:set>
+                                      <p:cBhvr>
+                                        <p:cTn id="14" dur="1" fill="hold">
+                                          <p:stCondLst>
+                                            <p:cond delay="0"/>
+                                          </p:stCondLst>
+                                        </p:cTn>
+                                        <p:tgtEl>
+                                          <p:spTgt spid="9"/>
+                                        </p:tgtEl>
+                                        <p:attrNameLst>
+                                          <p:attrName>style.visibility</p:attrName>
+                                        </p:attrNameLst>
+                                      </p:cBhvr>
+                                      <p:to>
+                                        <p:strVal val="visible"/>
+                                      </p:to>
+                                    </p:set>
+                                    <p:anim calcmode="lin" valueType="num">
+                                      <p:cBhvr>
+                                        <p:cTn id="15" dur="1000" fill="hold"/>
+                                        <p:tgtEl>
+                                          <p:spTgt spid="9"/>
+                                        </p:tgtEl>
+                                        <p:attrNameLst>
+                                          <p:attrName>ppt_w</p:attrName>
+                                        </p:attrNameLst>
+                                      </p:cBhvr>
+                                      <p:tavLst>
+                                        <p:tav tm="0">
+                                          <p:val>
+                                            <p:fltVal val="0"/>
+                                          </p:val>
+                                        </p:tav>
+                                        <p:tav tm="100000">
+                                          <p:val>
+                                            <p:strVal val="#ppt_w"/>
+                                          </p:val>
+                                        </p:tav>
+                                      </p:tavLst>
+                                    </p:anim>
+                                    <p:anim calcmode="lin" valueType="num">
+                                      <p:cBhvr>
+                                        <p:cTn id="16" dur="1000" fill="hold"/>
+                                        <p:tgtEl>
+                                          <p:spTgt spid="9"/>
+                                        </p:tgtEl>
+                                        <p:attrNameLst>
+                                          <p:attrName>ppt_h</p:attrName>
+                                        </p:attrNameLst>
+                                      </p:cBhvr>
+                                      <p:tavLst>
+                                        <p:tav tm="0">
+                                          <p:val>
+                                            <p:fltVal val="0"/>
+                                          </p:val>
+                                        </p:tav>
+                                        <p:tav tm="100000">
+                                          <p:val>
+                                            <p:strVal val="#ppt_h"/>
+                                          </p:val>
+                                        </p:tav>
+                                      </p:tavLst>
+                                    </p:anim>
+                                    <p:anim calcmode="lin" valueType="num">
+                                      <p:cBhvr>
+                                        <p:cTn id="17" dur="1000" fill="hold"/>
+                                        <p:tgtEl>
+                                          <p:spTgt spid="9"/>
+                                        </p:tgtEl>
+                                        <p:attrNameLst>
+                                          <p:attrName>style.rotation</p:attrName>
+                                        </p:attrNameLst>
+                                      </p:cBhvr>
+                                      <p:tavLst>
+                                        <p:tav tm="0">
+                                          <p:val>
+                                            <p:fltVal val="90"/>
+                                          </p:val>
+                                        </p:tav>
+                                        <p:tav tm="100000">
+                                          <p:val>
+                                            <p:fltVal val="0"/>
+                                          </p:val>
+                                        </p:tav>
+                                      </p:tavLst>
+                                    </p:anim>
+                                    <p:animEffect transition="in" filter="fade">
+                                      <p:cBhvr>
+                                        <p:cTn id="18" dur="1000"/>
+                                        <p:tgtEl>
+                                          <p:spTgt spid="9"/>
+                                        </p:tgtEl>
+                                      </p:cBhvr>
+                                    </p:animEffect>
+                                  </p:childTnLst>
+                                </p:cTn>
+                              </p:par>
+                            </p:childTnLst>
+                          </p:cTn>
+                        </p:par>
+                      </p:childTnLst>
+                    </p:cTn>
+                  </p:par>
+                  <p:par>
+                    <p:cTn id="19" fill="hold">
+                      <p:stCondLst>
+                        <p:cond delay="indefinite"/>
+                      </p:stCondLst>
+                      <p:childTnLst>
+                        <p:par>
+                          <p:cTn id="20" fill="hold">
+                            <p:stCondLst>
+                              <p:cond delay="0"/>
+                            </p:stCondLst>
+                            <p:childTnLst>
+                              <p:par>
+                                <p:cTn id="21" presetID="31" presetClass="entr" presetSubtype="0" fill="hold" grpId="0" nodeType="clickEffect">
+                                  <p:stCondLst>
+                                    <p:cond delay="0"/>
+                                  </p:stCondLst>
+                                  <p:childTnLst>
+                                    <p:set>
+                                      <p:cBhvr>
+                                        <p:cTn id="22" dur="1" fill="hold">
+                                          <p:stCondLst>
+                                            <p:cond delay="0"/>
+                                          </p:stCondLst>
+                                        </p:cTn>
+                                        <p:tgtEl>
+                                          <p:spTgt spid="10"/>
+                                        </p:tgtEl>
+                                        <p:attrNameLst>
+                                          <p:attrName>style.visibility</p:attrName>
+                                        </p:attrNameLst>
+                                      </p:cBhvr>
+                                      <p:to>
+                                        <p:strVal val="visible"/>
+                                      </p:to>
+                                    </p:set>
+                                    <p:anim calcmode="lin" valueType="num">
+                                      <p:cBhvr>
+                                        <p:cTn id="23" dur="1000" fill="hold"/>
+                                        <p:tgtEl>
+                                          <p:spTgt spid="10"/>
+                                        </p:tgtEl>
+                                        <p:attrNameLst>
+                                          <p:attrName>ppt_w</p:attrName>
+                                        </p:attrNameLst>
+                                      </p:cBhvr>
+                                      <p:tavLst>
+                                        <p:tav tm="0">
+                                          <p:val>
+                                            <p:fltVal val="0"/>
+                                          </p:val>
+                                        </p:tav>
+                                        <p:tav tm="100000">
+                                          <p:val>
+                                            <p:strVal val="#ppt_w"/>
+                                          </p:val>
+                                        </p:tav>
+                                      </p:tavLst>
+                                    </p:anim>
+                                    <p:anim calcmode="lin" valueType="num">
+                                      <p:cBhvr>
+                                        <p:cTn id="24" dur="1000" fill="hold"/>
+                                        <p:tgtEl>
+                                          <p:spTgt spid="10"/>
+                                        </p:tgtEl>
+                                        <p:attrNameLst>
+                                          <p:attrName>ppt_h</p:attrName>
+                                        </p:attrNameLst>
+                                      </p:cBhvr>
+                                      <p:tavLst>
+                                        <p:tav tm="0">
+                                          <p:val>
+                                            <p:fltVal val="0"/>
+                                          </p:val>
+                                        </p:tav>
+                                        <p:tav tm="100000">
+                                          <p:val>
+                                            <p:strVal val="#ppt_h"/>
+                                          </p:val>
+                                        </p:tav>
+                                      </p:tavLst>
+                                    </p:anim>
+                                    <p:anim calcmode="lin" valueType="num">
+                                      <p:cBhvr>
+                                        <p:cTn id="25" dur="1000" fill="hold"/>
+                                        <p:tgtEl>
+                                          <p:spTgt spid="10"/>
+                                        </p:tgtEl>
+                                        <p:attrNameLst>
+                                          <p:attrName>style.rotation</p:attrName>
+                                        </p:attrNameLst>
+                                      </p:cBhvr>
+                                      <p:tavLst>
+                                        <p:tav tm="0">
+                                          <p:val>
+                                            <p:fltVal val="90"/>
+                                          </p:val>
+                                        </p:tav>
+                                        <p:tav tm="100000">
+                                          <p:val>
+                                            <p:fltVal val="0"/>
+                                          </p:val>
+                                        </p:tav>
+                                      </p:tavLst>
+                                    </p:anim>
+                                    <p:animEffect transition="in" filter="fade">
+                                      <p:cBhvr>
+                                        <p:cTn id="26" dur="1000"/>
+                                        <p:tgtEl>
+                                          <p:spTgt spid="10"/>
+                                        </p:tgtEl>
+                                      </p:cBhvr>
+                                    </p:animEffect>
+                                  </p:childTnLst>
+                                </p:cTn>
+                              </p:par>
+                            </p:childTnLst>
+                          </p:cTn>
+                        </p:par>
+                      </p:childTnLst>
+                    </p:cTn>
+                  </p:par>
+                  <p:par>
+                    <p:cTn id="27" fill="hold">
+                      <p:stCondLst>
+                        <p:cond delay="indefinite"/>
+                      </p:stCondLst>
+                      <p:childTnLst>
+                        <p:par>
+                          <p:cTn id="28" fill="hold">
+                            <p:stCondLst>
+                              <p:cond delay="0"/>
+                            </p:stCondLst>
+                            <p:childTnLst>
+                              <p:par>
+                                <p:cTn id="29" presetID="31" presetClass="entr" presetSubtype="0" fill="hold" grpId="0" nodeType="clickEffect">
+                                  <p:stCondLst>
+                                    <p:cond delay="0"/>
+                                  </p:stCondLst>
+                                  <p:childTnLst>
+                                    <p:set>
+                                      <p:cBhvr>
+                                        <p:cTn id="30" dur="1" fill="hold">
+                                          <p:stCondLst>
+                                            <p:cond delay="0"/>
+                                          </p:stCondLst>
+                                        </p:cTn>
+                                        <p:tgtEl>
+                                          <p:spTgt spid="11"/>
+                                        </p:tgtEl>
+                                        <p:attrNameLst>
+                                          <p:attrName>style.visibility</p:attrName>
+                                        </p:attrNameLst>
+                                      </p:cBhvr>
+                                      <p:to>
+                                        <p:strVal val="visible"/>
+                                      </p:to>
+                                    </p:set>
+                                    <p:anim calcmode="lin" valueType="num">
+                                      <p:cBhvr>
+                                        <p:cTn id="31" dur="1000" fill="hold"/>
+                                        <p:tgtEl>
+                                          <p:spTgt spid="11"/>
+                                        </p:tgtEl>
+                                        <p:attrNameLst>
+                                          <p:attrName>ppt_w</p:attrName>
+                                        </p:attrNameLst>
+                                      </p:cBhvr>
+                                      <p:tavLst>
+                                        <p:tav tm="0">
+                                          <p:val>
+                                            <p:fltVal val="0"/>
+                                          </p:val>
+                                        </p:tav>
+                                        <p:tav tm="100000">
+                                          <p:val>
+                                            <p:strVal val="#ppt_w"/>
+                                          </p:val>
+                                        </p:tav>
+                                      </p:tavLst>
+                                    </p:anim>
+                                    <p:anim calcmode="lin" valueType="num">
+                                      <p:cBhvr>
+                                        <p:cTn id="32" dur="1000" fill="hold"/>
+                                        <p:tgtEl>
+                                          <p:spTgt spid="11"/>
+                                        </p:tgtEl>
+                                        <p:attrNameLst>
+                                          <p:attrName>ppt_h</p:attrName>
+                                        </p:attrNameLst>
+                                      </p:cBhvr>
+                                      <p:tavLst>
+                                        <p:tav tm="0">
+                                          <p:val>
+                                            <p:fltVal val="0"/>
+                                          </p:val>
+                                        </p:tav>
+                                        <p:tav tm="100000">
+                                          <p:val>
+                                            <p:strVal val="#ppt_h"/>
+                                          </p:val>
+                                        </p:tav>
+                                      </p:tavLst>
+                                    </p:anim>
+                                    <p:anim calcmode="lin" valueType="num">
+                                      <p:cBhvr>
+                                        <p:cTn id="33" dur="1000" fill="hold"/>
+                                        <p:tgtEl>
+                                          <p:spTgt spid="11"/>
+                                        </p:tgtEl>
+                                        <p:attrNameLst>
+                                          <p:attrName>style.rotation</p:attrName>
+                                        </p:attrNameLst>
+                                      </p:cBhvr>
+                                      <p:tavLst>
+                                        <p:tav tm="0">
+                                          <p:val>
+                                            <p:fltVal val="90"/>
+                                          </p:val>
+                                        </p:tav>
+                                        <p:tav tm="100000">
+                                          <p:val>
+                                            <p:fltVal val="0"/>
+                                          </p:val>
+                                        </p:tav>
+                                      </p:tavLst>
+                                    </p:anim>
+                                    <p:animEffect transition="in" filter="fade">
+                                      <p:cBhvr>
+                                        <p:cTn id="34" dur="1000"/>
+                                        <p:tgtEl>
+                                          <p:spTgt spid="11"/>
+                                        </p:tgtEl>
+                                      </p:cBhvr>
+                                    </p:animEffect>
+                                  </p:childTnLst>
+                                </p:cTn>
+                              </p:par>
+                            </p:childTnLst>
+                          </p:cTn>
+                        </p:par>
+                      </p:childTnLst>
+                    </p:cTn>
+                  </p:par>
+                  <p:par>
+                    <p:cTn id="35" fill="hold">
+                      <p:stCondLst>
+                        <p:cond delay="indefinite"/>
+                      </p:stCondLst>
+                      <p:childTnLst>
+                        <p:par>
+                          <p:cTn id="36" fill="hold">
+                            <p:stCondLst>
+                              <p:cond delay="0"/>
+                            </p:stCondLst>
+                            <p:childTnLst>
+                              <p:par>
+                                <p:cTn id="37" presetID="31" presetClass="entr" presetSubtype="0" fill="hold" grpId="0" nodeType="clickEffect">
+                                  <p:stCondLst>
+                                    <p:cond delay="0"/>
+                                  </p:stCondLst>
+                                  <p:childTnLst>
+                                    <p:set>
+                                      <p:cBhvr>
+                                        <p:cTn id="38" dur="1" fill="hold">
+                                          <p:stCondLst>
+                                            <p:cond delay="0"/>
+                                          </p:stCondLst>
+                                        </p:cTn>
+                                        <p:tgtEl>
+                                          <p:spTgt spid="12"/>
+                                        </p:tgtEl>
+                                        <p:attrNameLst>
+                                          <p:attrName>style.visibility</p:attrName>
+                                        </p:attrNameLst>
+                                      </p:cBhvr>
+                                      <p:to>
+                                        <p:strVal val="visible"/>
+                                      </p:to>
+                                    </p:set>
+                                    <p:anim calcmode="lin" valueType="num">
+                                      <p:cBhvr>
+                                        <p:cTn id="39" dur="1000" fill="hold"/>
+                                        <p:tgtEl>
+                                          <p:spTgt spid="12"/>
+                                        </p:tgtEl>
+                                        <p:attrNameLst>
+                                          <p:attrName>ppt_w</p:attrName>
+                                        </p:attrNameLst>
+                                      </p:cBhvr>
+                                      <p:tavLst>
+                                        <p:tav tm="0">
+                                          <p:val>
+                                            <p:fltVal val="0"/>
+                                          </p:val>
+                                        </p:tav>
+                                        <p:tav tm="100000">
+                                          <p:val>
+                                            <p:strVal val="#ppt_w"/>
+                                          </p:val>
+                                        </p:tav>
+                                      </p:tavLst>
+                                    </p:anim>
+                                    <p:anim calcmode="lin" valueType="num">
+                                      <p:cBhvr>
+                                        <p:cTn id="40" dur="1000" fill="hold"/>
+                                        <p:tgtEl>
+                                          <p:spTgt spid="12"/>
+                                        </p:tgtEl>
+                                        <p:attrNameLst>
+                                          <p:attrName>ppt_h</p:attrName>
+                                        </p:attrNameLst>
+                                      </p:cBhvr>
+                                      <p:tavLst>
+                                        <p:tav tm="0">
+                                          <p:val>
+                                            <p:fltVal val="0"/>
+                                          </p:val>
+                                        </p:tav>
+                                        <p:tav tm="100000">
+                                          <p:val>
+                                            <p:strVal val="#ppt_h"/>
+                                          </p:val>
+                                        </p:tav>
+                                      </p:tavLst>
+                                    </p:anim>
+                                    <p:anim calcmode="lin" valueType="num">
+                                      <p:cBhvr>
+                                        <p:cTn id="41" dur="1000" fill="hold"/>
+                                        <p:tgtEl>
+                                          <p:spTgt spid="12"/>
+                                        </p:tgtEl>
+                                        <p:attrNameLst>
+                                          <p:attrName>style.rotation</p:attrName>
+                                        </p:attrNameLst>
+                                      </p:cBhvr>
+                                      <p:tavLst>
+                                        <p:tav tm="0">
+                                          <p:val>
+                                            <p:fltVal val="90"/>
+                                          </p:val>
+                                        </p:tav>
+                                        <p:tav tm="100000">
+                                          <p:val>
+                                            <p:fltVal val="0"/>
+                                          </p:val>
+                                        </p:tav>
+                                      </p:tavLst>
+                                    </p:anim>
+                                    <p:animEffect transition="in" filter="fade">
+                                      <p:cBhvr>
+                                        <p:cTn id="42" dur="1000"/>
+                                        <p:tgtEl>
+                                          <p:spTgt spid="12"/>
+                                        </p:tgtEl>
+                                      </p:cBhvr>
+                                    </p:animEffect>
+                                  </p:childTnLst>
+                                </p:cTn>
+                              </p:par>
+                            </p:childTnLst>
+                          </p:cTn>
+                        </p:par>
+                      </p:childTnLst>
+                    </p:cTn>
+                  </p:par>
+                  <p:par>
+                    <p:cTn id="43" fill="hold">
+                      <p:stCondLst>
+                        <p:cond delay="indefinite"/>
+                      </p:stCondLst>
+                      <p:childTnLst>
+                        <p:par>
+                          <p:cTn id="44" fill="hold">
+                            <p:stCondLst>
+                              <p:cond delay="0"/>
+                            </p:stCondLst>
+                            <p:childTnLst>
+                              <p:par>
+                                <p:cTn id="45" presetID="31" presetClass="entr" presetSubtype="0" fill="hold" grpId="0" nodeType="clickEffect">
+                                  <p:stCondLst>
+                                    <p:cond delay="0"/>
+                                  </p:stCondLst>
+                                  <p:childTnLst>
+                                    <p:set>
+                                      <p:cBhvr>
+                                        <p:cTn id="46" dur="1" fill="hold">
+                                          <p:stCondLst>
+                                            <p:cond delay="0"/>
+                                          </p:stCondLst>
+                                        </p:cTn>
+                                        <p:tgtEl>
+                                          <p:spTgt spid="13"/>
+                                        </p:tgtEl>
+                                        <p:attrNameLst>
+                                          <p:attrName>style.visibility</p:attrName>
+                                        </p:attrNameLst>
+                                      </p:cBhvr>
+                                      <p:to>
+                                        <p:strVal val="visible"/>
+                                      </p:to>
+                                    </p:set>
+                                    <p:anim calcmode="lin" valueType="num">
+                                      <p:cBhvr>
+                                        <p:cTn id="47" dur="1000" fill="hold"/>
+                                        <p:tgtEl>
+                                          <p:spTgt spid="13"/>
+                                        </p:tgtEl>
+                                        <p:attrNameLst>
+                                          <p:attrName>ppt_w</p:attrName>
+                                        </p:attrNameLst>
+                                      </p:cBhvr>
+                                      <p:tavLst>
+                                        <p:tav tm="0">
+                                          <p:val>
+                                            <p:fltVal val="0"/>
+                                          </p:val>
+                                        </p:tav>
+                                        <p:tav tm="100000">
+                                          <p:val>
+                                            <p:strVal val="#ppt_w"/>
+                                          </p:val>
+                                        </p:tav>
+                                      </p:tavLst>
+                                    </p:anim>
+                                    <p:anim calcmode="lin" valueType="num">
+                                      <p:cBhvr>
+                                        <p:cTn id="48" dur="1000" fill="hold"/>
+                                        <p:tgtEl>
+                                          <p:spTgt spid="13"/>
+                                        </p:tgtEl>
+                                        <p:attrNameLst>
+                                          <p:attrName>ppt_h</p:attrName>
+                                        </p:attrNameLst>
+                                      </p:cBhvr>
+                                      <p:tavLst>
+                                        <p:tav tm="0">
+                                          <p:val>
+                                            <p:fltVal val="0"/>
+                                          </p:val>
+                                        </p:tav>
+                                        <p:tav tm="100000">
+                                          <p:val>
+                                            <p:strVal val="#ppt_h"/>
+                                          </p:val>
+                                        </p:tav>
+                                      </p:tavLst>
+                                    </p:anim>
+                                    <p:anim calcmode="lin" valueType="num">
+                                      <p:cBhvr>
+                                        <p:cTn id="49" dur="1000" fill="hold"/>
+                                        <p:tgtEl>
+                                          <p:spTgt spid="13"/>
+                                        </p:tgtEl>
+                                        <p:attrNameLst>
+                                          <p:attrName>style.rotation</p:attrName>
+                                        </p:attrNameLst>
+                                      </p:cBhvr>
+                                      <p:tavLst>
+                                        <p:tav tm="0">
+                                          <p:val>
+                                            <p:fltVal val="90"/>
+                                          </p:val>
+                                        </p:tav>
+                                        <p:tav tm="100000">
+                                          <p:val>
+                                            <p:fltVal val="0"/>
+                                          </p:val>
+                                        </p:tav>
+                                      </p:tavLst>
+                                    </p:anim>
+                                    <p:animEffect transition="in" filter="fade">
+                                      <p:cBhvr>
+                                        <p:cTn id="50" dur="1000"/>
+                                        <p:tgtEl>
+                                          <p:spTgt spid="13"/>
+                                        </p:tgtEl>
+                                      </p:cBhvr>
+                                    </p:animEffect>
+                                  </p:childTnLst>
+                                </p:cTn>
+                              </p:par>
+                            </p:childTnLst>
+                          </p:cTn>
+                        </p:par>
+                      </p:childTnLst>
+                    </p:cTn>
+                  </p:par>
+                  <p:par>
+                    <p:cTn id="51" fill="hold">
+                      <p:stCondLst>
+                        <p:cond delay="indefinite"/>
+                      </p:stCondLst>
+                      <p:childTnLst>
+                        <p:par>
+                          <p:cTn id="52" fill="hold">
+                            <p:stCondLst>
+                              <p:cond delay="0"/>
+                            </p:stCondLst>
+                            <p:childTnLst>
+                              <p:par>
+                                <p:cTn id="53" presetID="31" presetClass="entr" presetSubtype="0" fill="hold" grpId="0" nodeType="clickEffect">
+                                  <p:stCondLst>
+                                    <p:cond delay="0"/>
+                                  </p:stCondLst>
+                                  <p:childTnLst>
+                                    <p:set>
+                                      <p:cBhvr>
+                                        <p:cTn id="54" dur="1" fill="hold">
+                                          <p:stCondLst>
+                                            <p:cond delay="0"/>
+                                          </p:stCondLst>
+                                        </p:cTn>
+                                        <p:tgtEl>
+                                          <p:spTgt spid="14"/>
+                                        </p:tgtEl>
+                                        <p:attrNameLst>
+                                          <p:attrName>style.visibility</p:attrName>
+                                        </p:attrNameLst>
+                                      </p:cBhvr>
+                                      <p:to>
+                                        <p:strVal val="visible"/>
+                                      </p:to>
+                                    </p:set>
+                                    <p:anim calcmode="lin" valueType="num">
+                                      <p:cBhvr>
+                                        <p:cTn id="55" dur="1000" fill="hold"/>
+                                        <p:tgtEl>
+                                          <p:spTgt spid="14"/>
+                                        </p:tgtEl>
+                                        <p:attrNameLst>
+                                          <p:attrName>ppt_w</p:attrName>
+                                        </p:attrNameLst>
+                                      </p:cBhvr>
+                                      <p:tavLst>
+                                        <p:tav tm="0">
+                                          <p:val>
+                                            <p:fltVal val="0"/>
+                                          </p:val>
+                                        </p:tav>
+                                        <p:tav tm="100000">
+                                          <p:val>
+                                            <p:strVal val="#ppt_w"/>
+                                          </p:val>
+                                        </p:tav>
+                                      </p:tavLst>
+                                    </p:anim>
+                                    <p:anim calcmode="lin" valueType="num">
+                                      <p:cBhvr>
+                                        <p:cTn id="56" dur="1000" fill="hold"/>
+                                        <p:tgtEl>
+                                          <p:spTgt spid="14"/>
+                                        </p:tgtEl>
+                                        <p:attrNameLst>
+                                          <p:attrName>ppt_h</p:attrName>
+                                        </p:attrNameLst>
+                                      </p:cBhvr>
+                                      <p:tavLst>
+                                        <p:tav tm="0">
+                                          <p:val>
+                                            <p:fltVal val="0"/>
+                                          </p:val>
+                                        </p:tav>
+                                        <p:tav tm="100000">
+                                          <p:val>
+                                            <p:strVal val="#ppt_h"/>
+                                          </p:val>
+                                        </p:tav>
+                                      </p:tavLst>
+                                    </p:anim>
+                                    <p:anim calcmode="lin" valueType="num">
+                                      <p:cBhvr>
+                                        <p:cTn id="57" dur="1000" fill="hold"/>
+                                        <p:tgtEl>
+                                          <p:spTgt spid="14"/>
+                                        </p:tgtEl>
+                                        <p:attrNameLst>
+                                          <p:attrName>style.rotation</p:attrName>
+                                        </p:attrNameLst>
+                                      </p:cBhvr>
+                                      <p:tavLst>
+                                        <p:tav tm="0">
+                                          <p:val>
+                                            <p:fltVal val="90"/>
+                                          </p:val>
+                                        </p:tav>
+                                        <p:tav tm="100000">
+                                          <p:val>
+                                            <p:fltVal val="0"/>
+                                          </p:val>
+                                        </p:tav>
+                                      </p:tavLst>
+                                    </p:anim>
+                                    <p:animEffect transition="in" filter="fade">
+                                      <p:cBhvr>
+                                        <p:cTn id="58" dur="1000"/>
+                                        <p:tgtEl>
+                                          <p:spTgt spid="14"/>
+                                        </p:tgtEl>
+                                      </p:cBhvr>
+                                    </p:animEffect>
+                                  </p:childTnLst>
+                                </p:cTn>
+                              </p:par>
+                            </p:childTnLst>
+                          </p:cTn>
+                        </p:par>
+                      </p:childTnLst>
+                    </p:cTn>
+                  </p:par>
+                  <p:par>
+                    <p:cTn id="59" fill="hold">
+                      <p:stCondLst>
+                        <p:cond delay="indefinite"/>
+                      </p:stCondLst>
+                      <p:childTnLst>
+                        <p:par>
+                          <p:cTn id="60" fill="hold">
+                            <p:stCondLst>
+                              <p:cond delay="0"/>
+                            </p:stCondLst>
+                            <p:childTnLst>
+                              <p:par>
+                                <p:cTn id="61" presetID="1" presetClass="entr" presetSubtype="0" fill="hold" grpId="0" nodeType="clickEffect">
+                                  <p:stCondLst>
+                                    <p:cond delay="0"/>
+                                  </p:stCondLst>
+                                  <p:childTnLst>
+                                    <p:set>
+                                      <p:cBhvr>
+                                        <p:cTn id="62" dur="1" fill="hold">
+                                          <p:stCondLst>
+                                            <p:cond delay="0"/>
+                                          </p:stCondLst>
+                                        </p:cTn>
+                                        <p:tgtEl>
+                                          <p:spTgt spid="15"/>
+                                        </p:tgtEl>
+                                        <p:attrNameLst>
+                                          <p:attrName>style.visibility</p:attrName>
+                                        </p:attrNameLst>
+                                      </p:cBhvr>
+                                      <p:to>
+                                        <p:strVal val="visible"/>
+                                      </p:to>
+                                    </p:set>
+                                  </p:childTnLst>
+                                </p:cTn>
+                              </p:par>
+                            </p:childTnLst>
+                          </p:cTn>
+                        </p:par>
+                      </p:childTnLst>
+                    </p:cTn>
+                  </p:par>
+                  <p:par>
+                    <p:cTn id="63" fill="hold">
+                      <p:stCondLst>
+                        <p:cond delay="indefinite"/>
+                      </p:stCondLst>
+                      <p:childTnLst>
+                        <p:par>
+                          <p:cTn id="64" fill="hold">
+                            <p:stCondLst>
+                              <p:cond delay="0"/>
+                            </p:stCondLst>
+                            <p:childTnLst>
+                              <p:par>
+                                <p:cTn id="65" presetID="1" presetClass="entr" presetSubtype="0" fill="hold" grpId="0" nodeType="clickEffect">
+                                  <p:stCondLst>
+                                    <p:cond delay="0"/>
+                                  </p:stCondLst>
+                                  <p:childTnLst>
+                                    <p:set>
+                                      <p:cBhvr>
+                                        <p:cTn id="66" dur="1" fill="hold">
+                                          <p:stCondLst>
+                                            <p:cond delay="0"/>
+                                          </p:stCondLst>
+                                        </p:cTn>
+                                        <p:tgtEl>
+                                          <p:spTgt spid="16"/>
+                                        </p:tgtEl>
+                                        <p:attrNameLst>
+                                          <p:attrName>style.visibility</p:attrName>
+                                        </p:attrNameLst>
+                                      </p:cBhvr>
+                                      <p:to>
+                                        <p:strVal val="visible"/>
+                                      </p:to>
+                                    </p:set>
+                                  </p:childTnLst>
+                                </p:cTn>
+                              </p:par>
+                            </p:childTnLst>
+                          </p:cTn>
+                        </p:par>
+                      </p:childTnLst>
+                    </p:cTn>
+                  </p:par>
+                  <p:par>
+                    <p:cTn id="67" fill="hold">
+                      <p:stCondLst>
+                        <p:cond delay="indefinite"/>
+                      </p:stCondLst>
+                      <p:childTnLst>
+                        <p:par>
+                          <p:cTn id="68" fill="hold">
+                            <p:stCondLst>
+                              <p:cond delay="0"/>
+                            </p:stCondLst>
+                            <p:childTnLst>
+                              <p:par>
+                                <p:cTn id="69" presetID="1" presetClass="entr" presetSubtype="0" fill="hold" grpId="0" nodeType="clickEffect">
+                                  <p:stCondLst>
+                                    <p:cond delay="0"/>
+                                  </p:stCondLst>
+                                  <p:childTnLst>
+                                    <p:set>
+                                      <p:cBhvr>
+                                        <p:cTn id="70" dur="1" fill="hold">
+                                          <p:stCondLst>
+                                            <p:cond delay="0"/>
+                                          </p:stCondLst>
+                                        </p:cTn>
+                                        <p:tgtEl>
+                                          <p:spTgt spid="17"/>
+                                        </p:tgtEl>
+                                        <p:attrNameLst>
+                                          <p:attrName>style.visibility</p:attrName>
+                                        </p:attrNameLst>
+                                      </p:cBhvr>
+                                      <p:to>
+                                        <p:strVal val="visible"/>
+                                      </p:to>
+                                    </p:set>
+                                  </p:childTnLst>
+                                </p:cTn>
+                              </p:par>
+                            </p:childTnLst>
+                          </p:cTn>
+                        </p:par>
+                      </p:childTnLst>
+                    </p:cTn>
+                  </p:par>
+                  <p:par>
+                    <p:cTn id="71" fill="hold">
+                      <p:stCondLst>
+                        <p:cond delay="indefinite"/>
+                      </p:stCondLst>
+                      <p:childTnLst>
+                        <p:par>
+                          <p:cTn id="72" fill="hold">
+                            <p:stCondLst>
+                              <p:cond delay="0"/>
+                            </p:stCondLst>
+                            <p:childTnLst>
+                              <p:par>
+                                <p:cTn id="73" presetID="1" presetClass="entr" presetSubtype="0" fill="hold" grpId="0" nodeType="clickEffect">
+                                  <p:stCondLst>
+                                    <p:cond delay="0"/>
+                                  </p:stCondLst>
+                                  <p:childTnLst>
+                                    <p:set>
+                                      <p:cBhvr>
+                                        <p:cTn id="74" dur="1" fill="hold">
+                                          <p:stCondLst>
+                                            <p:cond delay="0"/>
+                                          </p:stCondLst>
+                                        </p:cTn>
+                                        <p:tgtEl>
+                                          <p:spTgt spid="18"/>
+                                        </p:tgtEl>
+                                        <p:attrNameLst>
+                                          <p:attrName>style.visibility</p:attrName>
+                                        </p:attrNameLst>
+                                      </p:cBhvr>
+                                      <p:to>
+                                        <p:strVal val="visible"/>
+                                      </p:to>
+                                    </p:set>
+                                  </p:childTnLst>
+                                </p:cTn>
+                              </p:par>
+                            </p:childTnLst>
+                          </p:cTn>
+                        </p:par>
+                      </p:childTnLst>
+                    </p:cTn>
+                  </p:par>
+                  <p:par>
+                    <p:cTn id="75" fill="hold">
+                      <p:stCondLst>
+                        <p:cond delay="indefinite"/>
+                      </p:stCondLst>
+                      <p:childTnLst>
+                        <p:par>
+                          <p:cTn id="76" fill="hold">
+                            <p:stCondLst>
+                              <p:cond delay="0"/>
+                            </p:stCondLst>
+                            <p:childTnLst>
+                              <p:par>
+                                <p:cTn id="77" presetID="1" presetClass="entr" presetSubtype="0" fill="hold" grpId="0" nodeType="clickEffect">
+                                  <p:stCondLst>
+                                    <p:cond delay="0"/>
+                                  </p:stCondLst>
+                                  <p:childTnLst>
+                                    <p:set>
+                                      <p:cBhvr>
+                                        <p:cTn id="78" dur="1" fill="hold">
+                                          <p:stCondLst>
+                                            <p:cond delay="0"/>
+                                          </p:stCondLst>
+                                        </p:cTn>
+                                        <p:tgtEl>
+                                          <p:spTgt spid="19"/>
+                                        </p:tgtEl>
+                                        <p:attrNameLst>
+                                          <p:attrName>style.visibility</p:attrName>
+                                        </p:attrNameLst>
+                                      </p:cBhvr>
+                                      <p:to>
+                                        <p:strVal val="visible"/>
+                                      </p:to>
+                                    </p:set>
+                                  </p:childTnLst>
+                                </p:cTn>
+                              </p:par>
+                            </p:childTnLst>
+                          </p:cTn>
+                        </p:par>
+                      </p:childTnLst>
+                    </p:cTn>
+                  </p:par>
+                  <p:par>
+                    <p:cTn id="79" fill="hold">
+                      <p:stCondLst>
+                        <p:cond delay="indefinite"/>
+                      </p:stCondLst>
+                      <p:childTnLst>
+                        <p:par>
+                          <p:cTn id="80" fill="hold">
+                            <p:stCondLst>
+                              <p:cond delay="0"/>
+                            </p:stCondLst>
+                            <p:childTnLst>
+                              <p:par>
+                                <p:cTn id="81" presetID="31" presetClass="entr" presetSubtype="0" fill="hold" grpId="0" nodeType="clickEffect">
+                                  <p:stCondLst>
+                                    <p:cond delay="0"/>
+                                  </p:stCondLst>
+                                  <p:childTnLst>
+                                    <p:set>
+                                      <p:cBhvr>
+                                        <p:cTn id="82" dur="1" fill="hold">
+                                          <p:stCondLst>
+                                            <p:cond delay="0"/>
+                                          </p:stCondLst>
+                                        </p:cTn>
+                                        <p:tgtEl>
+                                          <p:spTgt spid="20"/>
+                                        </p:tgtEl>
+                                        <p:attrNameLst>
+                                          <p:attrName>style.visibility</p:attrName>
+                                        </p:attrNameLst>
+                                      </p:cBhvr>
+                                      <p:to>
+                                        <p:strVal val="visible"/>
+                                      </p:to>
+                                    </p:set>
+                                    <p:anim calcmode="lin" valueType="num">
+                                      <p:cBhvr>
+                                        <p:cTn id="83" dur="1000" fill="hold"/>
+                                        <p:tgtEl>
+                                          <p:spTgt spid="20"/>
+                                        </p:tgtEl>
+                                        <p:attrNameLst>
+                                          <p:attrName>ppt_w</p:attrName>
+                                        </p:attrNameLst>
+                                      </p:cBhvr>
+                                      <p:tavLst>
+                                        <p:tav tm="0">
+                                          <p:val>
+                                            <p:fltVal val="0"/>
+                                          </p:val>
+                                        </p:tav>
+                                        <p:tav tm="100000">
+                                          <p:val>
+                                            <p:strVal val="#ppt_w"/>
+                                          </p:val>
+                                        </p:tav>
+                                      </p:tavLst>
+                                    </p:anim>
+                                    <p:anim calcmode="lin" valueType="num">
+                                      <p:cBhvr>
+                                        <p:cTn id="84" dur="1000" fill="hold"/>
+                                        <p:tgtEl>
+                                          <p:spTgt spid="20"/>
+                                        </p:tgtEl>
+                                        <p:attrNameLst>
+                                          <p:attrName>ppt_h</p:attrName>
+                                        </p:attrNameLst>
+                                      </p:cBhvr>
+                                      <p:tavLst>
+                                        <p:tav tm="0">
+                                          <p:val>
+                                            <p:fltVal val="0"/>
+                                          </p:val>
+                                        </p:tav>
+                                        <p:tav tm="100000">
+                                          <p:val>
+                                            <p:strVal val="#ppt_h"/>
+                                          </p:val>
+                                        </p:tav>
+                                      </p:tavLst>
+                                    </p:anim>
+                                    <p:anim calcmode="lin" valueType="num">
+                                      <p:cBhvr>
+                                        <p:cTn id="85" dur="1000" fill="hold"/>
+                                        <p:tgtEl>
+                                          <p:spTgt spid="20"/>
+                                        </p:tgtEl>
+                                        <p:attrNameLst>
+                                          <p:attrName>style.rotation</p:attrName>
+                                        </p:attrNameLst>
+                                      </p:cBhvr>
+                                      <p:tavLst>
+                                        <p:tav tm="0">
+                                          <p:val>
+                                            <p:fltVal val="90"/>
+                                          </p:val>
+                                        </p:tav>
+                                        <p:tav tm="100000">
+                                          <p:val>
+                                            <p:fltVal val="0"/>
+                                          </p:val>
+                                        </p:tav>
+                                      </p:tavLst>
+                                    </p:anim>
+                                    <p:animEffect transition="in" filter="fade">
+                                      <p:cBhvr>
+                                        <p:cTn id="86" dur="1000"/>
+                                        <p:tgtEl>
+                                          <p:spTgt spid="20"/>
+                                        </p:tgtEl>
+                                      </p:cBhvr>
+                                    </p:animEffect>
+                                  </p:childTnLst>
+                                </p:cTn>
+                              </p:par>
+                            </p:childTnLst>
+                          </p:cTn>
+                        </p:par>
+                      </p:childTnLst>
+                    </p:cTn>
+                  </p:par>
+                  <p:par>
+                    <p:cTn id="87" fill="hold">
+                      <p:stCondLst>
+                        <p:cond delay="indefinite"/>
+                      </p:stCondLst>
+                      <p:childTnLst>
+                        <p:par>
+                          <p:cTn id="88" fill="hold">
+                            <p:stCondLst>
+                              <p:cond delay="0"/>
+                            </p:stCondLst>
+                            <p:childTnLst>
+                              <p:par>
+                                <p:cTn id="89" presetID="1" presetClass="entr" presetSubtype="0" fill="hold" grpId="0" nodeType="clickEffect">
+                                  <p:stCondLst>
+                                    <p:cond delay="0"/>
+                                  </p:stCondLst>
+                                  <p:childTnLst>
+                                    <p:set>
+                                      <p:cBhvr>
+                                        <p:cTn id="90" dur="1" fill="hold">
+                                          <p:stCondLst>
+                                            <p:cond delay="0"/>
+                                          </p:stCondLst>
+                                        </p:cTn>
+                                        <p:tgtEl>
+                                          <p:spTgt spid="21"/>
+                                        </p:tgtEl>
+                                        <p:attrNameLst>
+                                          <p:attrName>style.visibility</p:attrName>
+                                        </p:attrNameLst>
+                                      </p:cBhvr>
+                                      <p:to>
+                                        <p:strVal val="visible"/>
+                                      </p:to>
+                                    </p:set>
+                                  </p:childTnLst>
+                                </p:cTn>
+                              </p:par>
+                            </p:childTnLst>
+                          </p:cTn>
+                        </p:par>
+                      </p:childTnLst>
+                    </p:cTn>
+                  </p:par>
+                </p:childTnLst>
+              </p:cTn>
+              <p:prevCondLst>
+                <p:cond evt="onPrev" delay="0">
+                  <p:tgtEl>
+                    <p:sldTgt/>
+                  </p:tgtEl>
+                </p:cond>
+              </p:prevCondLst>
+              <p:nextCondLst>
+                <p:cond evt="onNext" delay="0">
+                  <p:tgtEl>
+                    <p:sldTgt/>
+                  </p:tgtEl>
+                </p:cond>
+              </p:nextCondLst>
+            </p:seq>
+          </p:childTnLst>
+        </p:cTn>
       </p:par>
     </p:tnLst>
+    <p:bldLst>
+      <p:bldP spid="8" grpId="0"/>
+      <p:bldP spid="9" grpId="0"/>
+      <p:bldP spid="10" grpId="0" animBg="1"/>
+      <p:bldP spid="11" grpId="0"/>
+      <p:bldP spid="12" grpId="0"/>
+      <p:bldP spid="13" grpId="0" animBg="1"/>
+      <p:bldP spid="14" grpId="0"/>
+      <p:bldP spid="15" grpId="0"/>
+      <p:bldP spid="16" grpId="0"/>
+      <p:bldP spid="17" grpId="0"/>
+      <p:bldP spid="18" grpId="0" animBg="1"/>
+      <p:bldP spid="19" grpId="0" animBg="1"/>
+      <p:bldP spid="20" grpId="0"/>
+      <p:bldP spid="21" grpId="0"/>
+    </p:bldLst>
   </p:timing>
 </p:sld>
 </file>
@@ -7505,9 +13766,12 @@
 </file>
 
 <file path=customXml/item1.xml><?xml version="1.0" encoding="utf-8"?>
-<p:properties xmlns:p="http://schemas.microsoft.com/office/2006/metadata/properties" xmlns:xsi="http://www.w3.org/2001/XMLSchema-instance" xmlns:pc="http://schemas.microsoft.com/office/infopath/2007/PartnerControls">
-  <documentManagement/>
-</p:properties>
+<?mso-contentType ?>
+<FormTemplates xmlns="http://schemas.microsoft.com/sharepoint/v3/contenttype/forms">
+  <Display>DocumentLibraryForm</Display>
+  <Edit>DocumentLibraryForm</Edit>
+  <New>DocumentLibraryForm</New>
+</FormTemplates>
 </file>
 
 <file path=customXml/item2.xml><?xml version="1.0" encoding="utf-8"?>
@@ -7651,26 +13915,15 @@
 </file>
 
 <file path=customXml/item3.xml><?xml version="1.0" encoding="utf-8"?>
-<?mso-contentType ?>
-<FormTemplates xmlns="http://schemas.microsoft.com/sharepoint/v3/contenttype/forms">
-  <Display>DocumentLibraryForm</Display>
-  <Edit>DocumentLibraryForm</Edit>
-  <New>DocumentLibraryForm</New>
-</FormTemplates>
+<p:properties xmlns:p="http://schemas.microsoft.com/office/2006/metadata/properties" xmlns:xsi="http://www.w3.org/2001/XMLSchema-instance" xmlns:pc="http://schemas.microsoft.com/office/infopath/2007/PartnerControls">
+  <documentManagement/>
+</p:properties>
 </file>
 
 <file path=customXml/itemProps1.xml><?xml version="1.0" encoding="utf-8"?>
-<ds:datastoreItem xmlns:ds="http://schemas.openxmlformats.org/officeDocument/2006/customXml" ds:itemID="{31326E29-B62B-4780-9A15-03CA2FAE3FB5}">
+<ds:datastoreItem xmlns:ds="http://schemas.openxmlformats.org/officeDocument/2006/customXml" ds:itemID="{EEBA3B76-3FFC-4548-9519-2B19BE5B9D9E}">
   <ds:schemaRefs>
-    <ds:schemaRef ds:uri="http://purl.org/dc/elements/1.1/"/>
-    <ds:schemaRef ds:uri="e8d75344-758f-4099-8b96-254d9b2933f5"/>
-    <ds:schemaRef ds:uri="http://purl.org/dc/dcmitype/"/>
-    <ds:schemaRef ds:uri="http://purl.org/dc/terms/"/>
-    <ds:schemaRef ds:uri="http://schemas.microsoft.com/office/2006/documentManagement/types"/>
-    <ds:schemaRef ds:uri="http://schemas.microsoft.com/office/infopath/2007/PartnerControls"/>
-    <ds:schemaRef ds:uri="http://schemas.openxmlformats.org/package/2006/metadata/core-properties"/>
-    <ds:schemaRef ds:uri="http://schemas.microsoft.com/office/2006/metadata/properties"/>
-    <ds:schemaRef ds:uri="http://www.w3.org/XML/1998/namespace"/>
+    <ds:schemaRef ds:uri="http://schemas.microsoft.com/sharepoint/v3/contenttype/forms"/>
   </ds:schemaRefs>
 </ds:datastoreItem>
 </file>
@@ -7694,9 +13947,17 @@
 </file>
 
 <file path=customXml/itemProps3.xml><?xml version="1.0" encoding="utf-8"?>
-<ds:datastoreItem xmlns:ds="http://schemas.openxmlformats.org/officeDocument/2006/customXml" ds:itemID="{EEBA3B76-3FFC-4548-9519-2B19BE5B9D9E}">
+<ds:datastoreItem xmlns:ds="http://schemas.openxmlformats.org/officeDocument/2006/customXml" ds:itemID="{31326E29-B62B-4780-9A15-03CA2FAE3FB5}">
   <ds:schemaRefs>
-    <ds:schemaRef ds:uri="http://schemas.microsoft.com/sharepoint/v3/contenttype/forms"/>
+    <ds:schemaRef ds:uri="http://schemas.openxmlformats.org/package/2006/metadata/core-properties"/>
+    <ds:schemaRef ds:uri="http://purl.org/dc/elements/1.1/"/>
+    <ds:schemaRef ds:uri="http://www.w3.org/XML/1998/namespace"/>
+    <ds:schemaRef ds:uri="e8d75344-758f-4099-8b96-254d9b2933f5"/>
+    <ds:schemaRef ds:uri="http://purl.org/dc/terms/"/>
+    <ds:schemaRef ds:uri="http://schemas.microsoft.com/office/2006/documentManagement/types"/>
+    <ds:schemaRef ds:uri="http://schemas.microsoft.com/office/infopath/2007/PartnerControls"/>
+    <ds:schemaRef ds:uri="http://schemas.microsoft.com/office/2006/metadata/properties"/>
+    <ds:schemaRef ds:uri="http://purl.org/dc/dcmitype/"/>
   </ds:schemaRefs>
 </ds:datastoreItem>
 </file>
--- a/DIA_1/Medidas_descriptivas.pptx
+++ b/DIA_1/Medidas_descriptivas.pptx
@@ -8,10 +8,10 @@
     <p:sldMasterId id="2147483668" r:id="rId7"/>
   </p:sldMasterIdLst>
   <p:notesMasterIdLst>
-    <p:notesMasterId r:id="rId22"/>
+    <p:notesMasterId r:id="rId21"/>
   </p:notesMasterIdLst>
   <p:handoutMasterIdLst>
-    <p:handoutMasterId r:id="rId23"/>
+    <p:handoutMasterId r:id="rId22"/>
   </p:handoutMasterIdLst>
   <p:sldIdLst>
     <p:sldId id="262" r:id="rId8"/>
@@ -25,9 +25,8 @@
     <p:sldId id="276" r:id="rId16"/>
     <p:sldId id="277" r:id="rId17"/>
     <p:sldId id="278" r:id="rId18"/>
-    <p:sldId id="279" r:id="rId19"/>
-    <p:sldId id="280" r:id="rId20"/>
-    <p:sldId id="258" r:id="rId21"/>
+    <p:sldId id="280" r:id="rId19"/>
+    <p:sldId id="258" r:id="rId20"/>
   </p:sldIdLst>
   <p:sldSz cx="12192000" cy="6858000"/>
   <p:notesSz cx="6858000" cy="9144000"/>
@@ -273,7 +272,7 @@
               <a:pPr>
                 <a:defRPr/>
               </a:pPr>
-              <a:t>15/06/2018</a:t>
+              <a:t>18/06/2018</a:t>
             </a:fld>
             <a:endParaRPr lang="es-CO"/>
           </a:p>
@@ -463,7 +462,7 @@
               <a:pPr>
                 <a:defRPr/>
               </a:pPr>
-              <a:t>15/06/2018</a:t>
+              <a:t>18/06/2018</a:t>
             </a:fld>
             <a:endParaRPr lang="es-CO"/>
           </a:p>
@@ -4512,8 +4511,8 @@
           </a:p>
         </p:txBody>
       </p:sp>
-      <mc:AlternateContent xmlns:mc="http://schemas.openxmlformats.org/markup-compatibility/2006">
-        <mc:Choice xmlns:a14="http://schemas.microsoft.com/office/drawing/2010/main" Requires="a14">
+      <mc:AlternateContent xmlns:mc="http://schemas.openxmlformats.org/markup-compatibility/2006" xmlns:a14="http://schemas.microsoft.com/office/drawing/2010/main">
+        <mc:Choice Requires="a14">
           <p:sp>
             <p:nvSpPr>
               <p:cNvPr id="7" name="TextBox 6"/>
@@ -4849,7 +4848,7 @@
             </p:txBody>
           </p:sp>
         </mc:Choice>
-        <mc:Fallback>
+        <mc:Fallback xmlns="">
           <p:sp>
             <p:nvSpPr>
               <p:cNvPr id="7" name="TextBox 6"/>
@@ -5129,8 +5128,8 @@
           </a:p>
         </p:txBody>
       </p:sp>
-      <mc:AlternateContent xmlns:mc="http://schemas.openxmlformats.org/markup-compatibility/2006">
-        <mc:Choice xmlns:a14="http://schemas.microsoft.com/office/drawing/2010/main" Requires="a14">
+      <mc:AlternateContent xmlns:mc="http://schemas.openxmlformats.org/markup-compatibility/2006" xmlns:a14="http://schemas.microsoft.com/office/drawing/2010/main">
+        <mc:Choice Requires="a14">
           <p:sp>
             <p:nvSpPr>
               <p:cNvPr id="11" name="TextBox 10"/>
@@ -5307,7 +5306,7 @@
             </p:txBody>
           </p:sp>
         </mc:Choice>
-        <mc:Fallback>
+        <mc:Fallback xmlns="">
           <p:sp>
             <p:nvSpPr>
               <p:cNvPr id="11" name="TextBox 10"/>
@@ -5346,8 +5345,8 @@
           </p:sp>
         </mc:Fallback>
       </mc:AlternateContent>
-      <mc:AlternateContent xmlns:mc="http://schemas.openxmlformats.org/markup-compatibility/2006">
-        <mc:Choice xmlns:a14="http://schemas.microsoft.com/office/drawing/2010/main" Requires="a14">
+      <mc:AlternateContent xmlns:mc="http://schemas.openxmlformats.org/markup-compatibility/2006" xmlns:a14="http://schemas.microsoft.com/office/drawing/2010/main">
+        <mc:Choice Requires="a14">
           <p:sp>
             <p:nvSpPr>
               <p:cNvPr id="12" name="TextBox 11"/>
@@ -5441,7 +5440,7 @@
             </p:txBody>
           </p:sp>
         </mc:Choice>
-        <mc:Fallback>
+        <mc:Fallback xmlns="">
           <p:sp>
             <p:nvSpPr>
               <p:cNvPr id="12" name="TextBox 11"/>
@@ -5942,777 +5941,6 @@
       </p:grpSpPr>
       <p:sp>
         <p:nvSpPr>
-          <p:cNvPr id="4" name="Content Placeholder 2"/>
-          <p:cNvSpPr txBox="1">
-            <a:spLocks/>
-          </p:cNvSpPr>
-          <p:nvPr/>
-        </p:nvSpPr>
-        <p:spPr>
-          <a:xfrm>
-            <a:off x="746782" y="322891"/>
-            <a:ext cx="8596668" cy="1112808"/>
-          </a:xfrm>
-          <a:prstGeom prst="rect">
-            <a:avLst/>
-          </a:prstGeom>
-        </p:spPr>
-        <p:txBody>
-          <a:bodyPr/>
-          <a:lstStyle>
-            <a:lvl1pPr marL="228600" indent="-228600" algn="l" rtl="0" eaLnBrk="0" fontAlgn="base" hangingPunct="0">
-              <a:lnSpc>
-                <a:spcPct val="90000"/>
-              </a:lnSpc>
-              <a:spcBef>
-                <a:spcPts val="1000"/>
-              </a:spcBef>
-              <a:spcAft>
-                <a:spcPct val="0"/>
-              </a:spcAft>
-              <a:buFont typeface="Arial" panose="020B0604020202020204" pitchFamily="34" charset="0"/>
-              <a:buChar char="•"/>
-              <a:defRPr sz="2800" kern="1200">
-                <a:solidFill>
-                  <a:schemeClr val="tx1"/>
-                </a:solidFill>
-                <a:latin typeface="+mn-lt"/>
-                <a:ea typeface="+mn-ea"/>
-                <a:cs typeface="+mn-cs"/>
-              </a:defRPr>
-            </a:lvl1pPr>
-            <a:lvl2pPr marL="685800" indent="-228600" algn="l" rtl="0" eaLnBrk="0" fontAlgn="base" hangingPunct="0">
-              <a:lnSpc>
-                <a:spcPct val="90000"/>
-              </a:lnSpc>
-              <a:spcBef>
-                <a:spcPts val="500"/>
-              </a:spcBef>
-              <a:spcAft>
-                <a:spcPct val="0"/>
-              </a:spcAft>
-              <a:buFont typeface="Arial" panose="020B0604020202020204" pitchFamily="34" charset="0"/>
-              <a:buChar char="•"/>
-              <a:defRPr sz="2400" kern="1200">
-                <a:solidFill>
-                  <a:schemeClr val="tx1"/>
-                </a:solidFill>
-                <a:latin typeface="+mn-lt"/>
-                <a:ea typeface="+mn-ea"/>
-                <a:cs typeface="+mn-cs"/>
-              </a:defRPr>
-            </a:lvl2pPr>
-            <a:lvl3pPr marL="1143000" indent="-228600" algn="l" rtl="0" eaLnBrk="0" fontAlgn="base" hangingPunct="0">
-              <a:lnSpc>
-                <a:spcPct val="90000"/>
-              </a:lnSpc>
-              <a:spcBef>
-                <a:spcPts val="500"/>
-              </a:spcBef>
-              <a:spcAft>
-                <a:spcPct val="0"/>
-              </a:spcAft>
-              <a:buFont typeface="Arial" panose="020B0604020202020204" pitchFamily="34" charset="0"/>
-              <a:buChar char="•"/>
-              <a:defRPr sz="2000" kern="1200">
-                <a:solidFill>
-                  <a:schemeClr val="tx1"/>
-                </a:solidFill>
-                <a:latin typeface="+mn-lt"/>
-                <a:ea typeface="+mn-ea"/>
-                <a:cs typeface="+mn-cs"/>
-              </a:defRPr>
-            </a:lvl3pPr>
-            <a:lvl4pPr marL="1600200" indent="-228600" algn="l" rtl="0" eaLnBrk="0" fontAlgn="base" hangingPunct="0">
-              <a:lnSpc>
-                <a:spcPct val="90000"/>
-              </a:lnSpc>
-              <a:spcBef>
-                <a:spcPts val="500"/>
-              </a:spcBef>
-              <a:spcAft>
-                <a:spcPct val="0"/>
-              </a:spcAft>
-              <a:buFont typeface="Arial" panose="020B0604020202020204" pitchFamily="34" charset="0"/>
-              <a:buChar char="•"/>
-              <a:defRPr kern="1200">
-                <a:solidFill>
-                  <a:schemeClr val="tx1"/>
-                </a:solidFill>
-                <a:latin typeface="+mn-lt"/>
-                <a:ea typeface="+mn-ea"/>
-                <a:cs typeface="+mn-cs"/>
-              </a:defRPr>
-            </a:lvl4pPr>
-            <a:lvl5pPr marL="2057400" indent="-228600" algn="l" rtl="0" eaLnBrk="0" fontAlgn="base" hangingPunct="0">
-              <a:lnSpc>
-                <a:spcPct val="90000"/>
-              </a:lnSpc>
-              <a:spcBef>
-                <a:spcPts val="500"/>
-              </a:spcBef>
-              <a:spcAft>
-                <a:spcPct val="0"/>
-              </a:spcAft>
-              <a:buFont typeface="Arial" panose="020B0604020202020204" pitchFamily="34" charset="0"/>
-              <a:buChar char="•"/>
-              <a:defRPr kern="1200">
-                <a:solidFill>
-                  <a:schemeClr val="tx1"/>
-                </a:solidFill>
-                <a:latin typeface="+mn-lt"/>
-                <a:ea typeface="+mn-ea"/>
-                <a:cs typeface="+mn-cs"/>
-              </a:defRPr>
-            </a:lvl5pPr>
-            <a:lvl6pPr marL="2514600" indent="-228600" algn="l" defTabSz="914400" rtl="0" eaLnBrk="1" latinLnBrk="0" hangingPunct="1">
-              <a:lnSpc>
-                <a:spcPct val="90000"/>
-              </a:lnSpc>
-              <a:spcBef>
-                <a:spcPts val="500"/>
-              </a:spcBef>
-              <a:buFont typeface="Arial" panose="020B0604020202020204" pitchFamily="34" charset="0"/>
-              <a:buChar char="•"/>
-              <a:defRPr sz="1800" kern="1200">
-                <a:solidFill>
-                  <a:schemeClr val="tx1"/>
-                </a:solidFill>
-                <a:latin typeface="+mn-lt"/>
-                <a:ea typeface="+mn-ea"/>
-                <a:cs typeface="+mn-cs"/>
-              </a:defRPr>
-            </a:lvl6pPr>
-            <a:lvl7pPr marL="2971800" indent="-228600" algn="l" defTabSz="914400" rtl="0" eaLnBrk="1" latinLnBrk="0" hangingPunct="1">
-              <a:lnSpc>
-                <a:spcPct val="90000"/>
-              </a:lnSpc>
-              <a:spcBef>
-                <a:spcPts val="500"/>
-              </a:spcBef>
-              <a:buFont typeface="Arial" panose="020B0604020202020204" pitchFamily="34" charset="0"/>
-              <a:buChar char="•"/>
-              <a:defRPr sz="1800" kern="1200">
-                <a:solidFill>
-                  <a:schemeClr val="tx1"/>
-                </a:solidFill>
-                <a:latin typeface="+mn-lt"/>
-                <a:ea typeface="+mn-ea"/>
-                <a:cs typeface="+mn-cs"/>
-              </a:defRPr>
-            </a:lvl7pPr>
-            <a:lvl8pPr marL="3429000" indent="-228600" algn="l" defTabSz="914400" rtl="0" eaLnBrk="1" latinLnBrk="0" hangingPunct="1">
-              <a:lnSpc>
-                <a:spcPct val="90000"/>
-              </a:lnSpc>
-              <a:spcBef>
-                <a:spcPts val="500"/>
-              </a:spcBef>
-              <a:buFont typeface="Arial" panose="020B0604020202020204" pitchFamily="34" charset="0"/>
-              <a:buChar char="•"/>
-              <a:defRPr sz="1800" kern="1200">
-                <a:solidFill>
-                  <a:schemeClr val="tx1"/>
-                </a:solidFill>
-                <a:latin typeface="+mn-lt"/>
-                <a:ea typeface="+mn-ea"/>
-                <a:cs typeface="+mn-cs"/>
-              </a:defRPr>
-            </a:lvl8pPr>
-            <a:lvl9pPr marL="3886200" indent="-228600" algn="l" defTabSz="914400" rtl="0" eaLnBrk="1" latinLnBrk="0" hangingPunct="1">
-              <a:lnSpc>
-                <a:spcPct val="90000"/>
-              </a:lnSpc>
-              <a:spcBef>
-                <a:spcPts val="500"/>
-              </a:spcBef>
-              <a:buFont typeface="Arial" panose="020B0604020202020204" pitchFamily="34" charset="0"/>
-              <a:buChar char="•"/>
-              <a:defRPr sz="1800" kern="1200">
-                <a:solidFill>
-                  <a:schemeClr val="tx1"/>
-                </a:solidFill>
-                <a:latin typeface="+mn-lt"/>
-                <a:ea typeface="+mn-ea"/>
-                <a:cs typeface="+mn-cs"/>
-              </a:defRPr>
-            </a:lvl9pPr>
-          </a:lstStyle>
-          <a:p>
-            <a:r>
-              <a:rPr lang="en-US" dirty="0" err="1" smtClean="0"/>
-              <a:t>Ejemplo</a:t>
-            </a:r>
-            <a:r>
-              <a:rPr lang="en-US" dirty="0" smtClean="0"/>
-              <a:t>:</a:t>
-            </a:r>
-          </a:p>
-          <a:p>
-            <a:pPr marL="0" indent="0">
-              <a:buFont typeface="Arial" panose="020B0604020202020204" pitchFamily="34" charset="0"/>
-              <a:buNone/>
-            </a:pPr>
-            <a:r>
-              <a:rPr lang="en-US" dirty="0" err="1" smtClean="0"/>
-              <a:t>Datos</a:t>
-            </a:r>
-            <a:r>
-              <a:rPr lang="en-US" dirty="0" smtClean="0"/>
-              <a:t>:                          6, 7, 15, 36, 39, 40, 41, 42, 43, 47, 49</a:t>
-            </a:r>
-            <a:endParaRPr lang="en-US" dirty="0"/>
-          </a:p>
-        </p:txBody>
-      </p:sp>
-      <p:sp>
-        <p:nvSpPr>
-          <p:cNvPr id="5" name="TextBox 4"/>
-          <p:cNvSpPr txBox="1"/>
-          <p:nvPr/>
-        </p:nvSpPr>
-        <p:spPr>
-          <a:xfrm>
-            <a:off x="474563" y="1663369"/>
-            <a:ext cx="9769032" cy="800219"/>
-          </a:xfrm>
-          <a:prstGeom prst="rect">
-            <a:avLst/>
-          </a:prstGeom>
-          <a:noFill/>
-        </p:spPr>
-        <p:txBody>
-          <a:bodyPr wrap="square" rtlCol="0">
-            <a:spAutoFit/>
-          </a:bodyPr>
-          <a:lstStyle/>
-          <a:p>
-            <a:r>
-              <a:rPr lang="en-US" sz="2800" dirty="0" smtClean="0"/>
-              <a:t>2 </a:t>
-            </a:r>
-            <a:r>
-              <a:rPr lang="en-US" sz="2800" dirty="0" err="1" smtClean="0"/>
-              <a:t>Quantil</a:t>
-            </a:r>
-            <a:r>
-              <a:rPr lang="en-US" sz="2800" dirty="0" smtClean="0"/>
-              <a:t> (</a:t>
-            </a:r>
-            <a:r>
-              <a:rPr lang="en-US" sz="2800" dirty="0" err="1" smtClean="0"/>
-              <a:t>Mediana</a:t>
-            </a:r>
-            <a:r>
-              <a:rPr lang="en-US" sz="2800" dirty="0" smtClean="0"/>
-              <a:t>):    6</a:t>
-            </a:r>
-            <a:r>
-              <a:rPr lang="en-US" sz="2800" dirty="0"/>
-              <a:t>, 7, 15, 36, 39, </a:t>
-            </a:r>
-            <a:r>
-              <a:rPr lang="en-US" sz="2800" dirty="0">
-                <a:solidFill>
-                  <a:srgbClr val="FF0000"/>
-                </a:solidFill>
-              </a:rPr>
-              <a:t>40</a:t>
-            </a:r>
-            <a:r>
-              <a:rPr lang="en-US" sz="2800" dirty="0" smtClean="0"/>
-              <a:t>, 41</a:t>
-            </a:r>
-            <a:r>
-              <a:rPr lang="en-US" sz="2800" dirty="0"/>
-              <a:t>, 42, 43, 47, 49</a:t>
-            </a:r>
-          </a:p>
-          <a:p>
-            <a:r>
-              <a:rPr lang="en-US" dirty="0" smtClean="0"/>
-              <a:t>  </a:t>
-            </a:r>
-            <a:endParaRPr lang="es-CO" dirty="0"/>
-          </a:p>
-        </p:txBody>
-      </p:sp>
-      <p:sp>
-        <p:nvSpPr>
-          <p:cNvPr id="6" name="TextBox 5"/>
-          <p:cNvSpPr txBox="1"/>
-          <p:nvPr/>
-        </p:nvSpPr>
-        <p:spPr>
-          <a:xfrm>
-            <a:off x="746782" y="2463588"/>
-            <a:ext cx="8929653" cy="800219"/>
-          </a:xfrm>
-          <a:prstGeom prst="rect">
-            <a:avLst/>
-          </a:prstGeom>
-          <a:noFill/>
-        </p:spPr>
-        <p:txBody>
-          <a:bodyPr wrap="square" rtlCol="0">
-            <a:spAutoFit/>
-          </a:bodyPr>
-          <a:lstStyle/>
-          <a:p>
-            <a:r>
-              <a:rPr lang="en-US" sz="2800" dirty="0" smtClean="0"/>
-              <a:t> 1 </a:t>
-            </a:r>
-            <a:r>
-              <a:rPr lang="en-US" sz="2800" dirty="0" err="1" smtClean="0"/>
-              <a:t>Quantil</a:t>
-            </a:r>
-            <a:r>
-              <a:rPr lang="en-US" sz="2800" dirty="0" smtClean="0"/>
-              <a:t>:                    6</a:t>
-            </a:r>
-            <a:r>
-              <a:rPr lang="en-US" sz="2800" dirty="0"/>
-              <a:t>, 7, </a:t>
-            </a:r>
-            <a:r>
-              <a:rPr lang="en-US" sz="2800" dirty="0">
-                <a:solidFill>
-                  <a:srgbClr val="FF0000"/>
-                </a:solidFill>
-              </a:rPr>
-              <a:t>15</a:t>
-            </a:r>
-            <a:r>
-              <a:rPr lang="en-US" sz="2800" dirty="0"/>
-              <a:t>, 36, 39, 40</a:t>
-            </a:r>
-            <a:r>
-              <a:rPr lang="en-US" sz="2800" dirty="0" smtClean="0"/>
-              <a:t>, 41</a:t>
-            </a:r>
-            <a:r>
-              <a:rPr lang="en-US" sz="2800" dirty="0"/>
-              <a:t>, 42, 43, 47, 49</a:t>
-            </a:r>
-          </a:p>
-          <a:p>
-            <a:r>
-              <a:rPr lang="en-US" dirty="0" smtClean="0"/>
-              <a:t>  </a:t>
-            </a:r>
-            <a:endParaRPr lang="es-CO" dirty="0"/>
-          </a:p>
-        </p:txBody>
-      </p:sp>
-      <p:sp>
-        <p:nvSpPr>
-          <p:cNvPr id="7" name="TextBox 6"/>
-          <p:cNvSpPr txBox="1"/>
-          <p:nvPr/>
-        </p:nvSpPr>
-        <p:spPr>
-          <a:xfrm>
-            <a:off x="746782" y="3263807"/>
-            <a:ext cx="9091699" cy="800219"/>
-          </a:xfrm>
-          <a:prstGeom prst="rect">
-            <a:avLst/>
-          </a:prstGeom>
-          <a:noFill/>
-        </p:spPr>
-        <p:txBody>
-          <a:bodyPr wrap="square" rtlCol="0">
-            <a:spAutoFit/>
-          </a:bodyPr>
-          <a:lstStyle/>
-          <a:p>
-            <a:r>
-              <a:rPr lang="en-US" sz="2800" dirty="0" smtClean="0"/>
-              <a:t> 3 </a:t>
-            </a:r>
-            <a:r>
-              <a:rPr lang="en-US" sz="2800" dirty="0" err="1" smtClean="0"/>
-              <a:t>Quantil</a:t>
-            </a:r>
-            <a:r>
-              <a:rPr lang="en-US" sz="2800" dirty="0" smtClean="0"/>
-              <a:t>:                    6</a:t>
-            </a:r>
-            <a:r>
-              <a:rPr lang="en-US" sz="2800" dirty="0"/>
-              <a:t>, 7, 15, 36, 39, 40</a:t>
-            </a:r>
-            <a:r>
-              <a:rPr lang="en-US" sz="2800" dirty="0" smtClean="0"/>
-              <a:t>, </a:t>
-            </a:r>
-            <a:r>
-              <a:rPr lang="en-US" sz="2800" dirty="0" smtClean="0"/>
-              <a:t>41,42</a:t>
-            </a:r>
-            <a:r>
-              <a:rPr lang="en-US" sz="2800" dirty="0"/>
-              <a:t>, </a:t>
-            </a:r>
-            <a:r>
-              <a:rPr lang="en-US" sz="2800" dirty="0">
-                <a:solidFill>
-                  <a:srgbClr val="FF0000"/>
-                </a:solidFill>
-              </a:rPr>
-              <a:t>43</a:t>
-            </a:r>
-            <a:r>
-              <a:rPr lang="en-US" sz="2800" dirty="0"/>
-              <a:t>, 47, 49</a:t>
-            </a:r>
-          </a:p>
-          <a:p>
-            <a:r>
-              <a:rPr lang="en-US" dirty="0" smtClean="0"/>
-              <a:t>  </a:t>
-            </a:r>
-            <a:endParaRPr lang="es-CO" dirty="0"/>
-          </a:p>
-        </p:txBody>
-      </p:sp>
-      <p:sp>
-        <p:nvSpPr>
-          <p:cNvPr id="8" name="TextBox 7"/>
-          <p:cNvSpPr txBox="1"/>
-          <p:nvPr/>
-        </p:nvSpPr>
-        <p:spPr>
-          <a:xfrm>
-            <a:off x="636607" y="4217914"/>
-            <a:ext cx="9201873" cy="800219"/>
-          </a:xfrm>
-          <a:prstGeom prst="rect">
-            <a:avLst/>
-          </a:prstGeom>
-          <a:noFill/>
-        </p:spPr>
-        <p:txBody>
-          <a:bodyPr wrap="square" rtlCol="0">
-            <a:spAutoFit/>
-          </a:bodyPr>
-          <a:lstStyle/>
-          <a:p>
-            <a:r>
-              <a:rPr lang="en-US" dirty="0" smtClean="0"/>
-              <a:t> </a:t>
-            </a:r>
-            <a:r>
-              <a:rPr lang="en-US" sz="2800" dirty="0" smtClean="0"/>
-              <a:t>Total Quantiles:           6</a:t>
-            </a:r>
-            <a:r>
-              <a:rPr lang="en-US" sz="2800" dirty="0"/>
-              <a:t>, 7, </a:t>
-            </a:r>
-            <a:r>
-              <a:rPr lang="en-US" sz="2800" dirty="0">
-                <a:solidFill>
-                  <a:srgbClr val="FF0000"/>
-                </a:solidFill>
-              </a:rPr>
-              <a:t>15</a:t>
-            </a:r>
-            <a:r>
-              <a:rPr lang="en-US" sz="2800" dirty="0"/>
-              <a:t>, 36, 39, </a:t>
-            </a:r>
-            <a:r>
-              <a:rPr lang="en-US" sz="2800" dirty="0">
-                <a:solidFill>
-                  <a:srgbClr val="FF0000"/>
-                </a:solidFill>
-              </a:rPr>
-              <a:t>40</a:t>
-            </a:r>
-            <a:r>
-              <a:rPr lang="en-US" sz="2800" dirty="0" smtClean="0"/>
-              <a:t>, </a:t>
-            </a:r>
-            <a:r>
-              <a:rPr lang="en-US" sz="2800" dirty="0" smtClean="0"/>
-              <a:t>41,42</a:t>
-            </a:r>
-            <a:r>
-              <a:rPr lang="en-US" sz="2800" dirty="0"/>
-              <a:t>, </a:t>
-            </a:r>
-            <a:r>
-              <a:rPr lang="en-US" sz="2800" dirty="0">
-                <a:solidFill>
-                  <a:srgbClr val="FF0000"/>
-                </a:solidFill>
-              </a:rPr>
-              <a:t>43</a:t>
-            </a:r>
-            <a:r>
-              <a:rPr lang="en-US" sz="2800" dirty="0"/>
-              <a:t>, 47, 49</a:t>
-            </a:r>
-          </a:p>
-          <a:p>
-            <a:r>
-              <a:rPr lang="en-US" dirty="0" smtClean="0"/>
-              <a:t>  </a:t>
-            </a:r>
-            <a:endParaRPr lang="es-CO" dirty="0"/>
-          </a:p>
-        </p:txBody>
-      </p:sp>
-    </p:spTree>
-    <p:extLst>
-      <p:ext uri="{BB962C8B-B14F-4D97-AF65-F5344CB8AC3E}">
-        <p14:creationId xmlns:p14="http://schemas.microsoft.com/office/powerpoint/2010/main" val="2028708747"/>
-      </p:ext>
-    </p:extLst>
-  </p:cSld>
-  <p:clrMapOvr>
-    <a:masterClrMapping/>
-  </p:clrMapOvr>
-  <p:timing>
-    <p:tnLst>
-      <p:par>
-        <p:cTn id="1" dur="indefinite" restart="never" nodeType="tmRoot">
-          <p:childTnLst>
-            <p:seq concurrent="1" nextAc="seek">
-              <p:cTn id="2" dur="indefinite" nodeType="mainSeq">
-                <p:childTnLst>
-                  <p:par>
-                    <p:cTn id="3" fill="hold">
-                      <p:stCondLst>
-                        <p:cond delay="indefinite"/>
-                      </p:stCondLst>
-                      <p:childTnLst>
-                        <p:par>
-                          <p:cTn id="4" fill="hold">
-                            <p:stCondLst>
-                              <p:cond delay="0"/>
-                            </p:stCondLst>
-                            <p:childTnLst>
-                              <p:par>
-                                <p:cTn id="5" presetID="1" presetClass="entr" presetSubtype="0" fill="hold" grpId="0" nodeType="clickEffect">
-                                  <p:stCondLst>
-                                    <p:cond delay="0"/>
-                                  </p:stCondLst>
-                                  <p:childTnLst>
-                                    <p:set>
-                                      <p:cBhvr>
-                                        <p:cTn id="6" dur="1" fill="hold">
-                                          <p:stCondLst>
-                                            <p:cond delay="0"/>
-                                          </p:stCondLst>
-                                        </p:cTn>
-                                        <p:tgtEl>
-                                          <p:spTgt spid="5"/>
-                                        </p:tgtEl>
-                                        <p:attrNameLst>
-                                          <p:attrName>style.visibility</p:attrName>
-                                        </p:attrNameLst>
-                                      </p:cBhvr>
-                                      <p:to>
-                                        <p:strVal val="visible"/>
-                                      </p:to>
-                                    </p:set>
-                                  </p:childTnLst>
-                                </p:cTn>
-                              </p:par>
-                            </p:childTnLst>
-                          </p:cTn>
-                        </p:par>
-                      </p:childTnLst>
-                    </p:cTn>
-                  </p:par>
-                  <p:par>
-                    <p:cTn id="7" fill="hold">
-                      <p:stCondLst>
-                        <p:cond delay="indefinite"/>
-                      </p:stCondLst>
-                      <p:childTnLst>
-                        <p:par>
-                          <p:cTn id="8" fill="hold">
-                            <p:stCondLst>
-                              <p:cond delay="0"/>
-                            </p:stCondLst>
-                            <p:childTnLst>
-                              <p:par>
-                                <p:cTn id="9" presetID="1" presetClass="entr" presetSubtype="0" fill="hold" grpId="0" nodeType="clickEffect">
-                                  <p:stCondLst>
-                                    <p:cond delay="0"/>
-                                  </p:stCondLst>
-                                  <p:childTnLst>
-                                    <p:set>
-                                      <p:cBhvr>
-                                        <p:cTn id="10" dur="1" fill="hold">
-                                          <p:stCondLst>
-                                            <p:cond delay="0"/>
-                                          </p:stCondLst>
-                                        </p:cTn>
-                                        <p:tgtEl>
-                                          <p:spTgt spid="6"/>
-                                        </p:tgtEl>
-                                        <p:attrNameLst>
-                                          <p:attrName>style.visibility</p:attrName>
-                                        </p:attrNameLst>
-                                      </p:cBhvr>
-                                      <p:to>
-                                        <p:strVal val="visible"/>
-                                      </p:to>
-                                    </p:set>
-                                  </p:childTnLst>
-                                </p:cTn>
-                              </p:par>
-                            </p:childTnLst>
-                          </p:cTn>
-                        </p:par>
-                      </p:childTnLst>
-                    </p:cTn>
-                  </p:par>
-                  <p:par>
-                    <p:cTn id="11" fill="hold">
-                      <p:stCondLst>
-                        <p:cond delay="indefinite"/>
-                      </p:stCondLst>
-                      <p:childTnLst>
-                        <p:par>
-                          <p:cTn id="12" fill="hold">
-                            <p:stCondLst>
-                              <p:cond delay="0"/>
-                            </p:stCondLst>
-                            <p:childTnLst>
-                              <p:par>
-                                <p:cTn id="13" presetID="1" presetClass="entr" presetSubtype="0" fill="hold" grpId="0" nodeType="clickEffect">
-                                  <p:stCondLst>
-                                    <p:cond delay="0"/>
-                                  </p:stCondLst>
-                                  <p:childTnLst>
-                                    <p:set>
-                                      <p:cBhvr>
-                                        <p:cTn id="14" dur="1" fill="hold">
-                                          <p:stCondLst>
-                                            <p:cond delay="0"/>
-                                          </p:stCondLst>
-                                        </p:cTn>
-                                        <p:tgtEl>
-                                          <p:spTgt spid="7"/>
-                                        </p:tgtEl>
-                                        <p:attrNameLst>
-                                          <p:attrName>style.visibility</p:attrName>
-                                        </p:attrNameLst>
-                                      </p:cBhvr>
-                                      <p:to>
-                                        <p:strVal val="visible"/>
-                                      </p:to>
-                                    </p:set>
-                                  </p:childTnLst>
-                                </p:cTn>
-                              </p:par>
-                            </p:childTnLst>
-                          </p:cTn>
-                        </p:par>
-                      </p:childTnLst>
-                    </p:cTn>
-                  </p:par>
-                  <p:par>
-                    <p:cTn id="15" fill="hold">
-                      <p:stCondLst>
-                        <p:cond delay="indefinite"/>
-                      </p:stCondLst>
-                      <p:childTnLst>
-                        <p:par>
-                          <p:cTn id="16" fill="hold">
-                            <p:stCondLst>
-                              <p:cond delay="0"/>
-                            </p:stCondLst>
-                            <p:childTnLst>
-                              <p:par>
-                                <p:cTn id="17" presetID="1" presetClass="entr" presetSubtype="0" fill="hold" grpId="0" nodeType="clickEffect">
-                                  <p:stCondLst>
-                                    <p:cond delay="0"/>
-                                  </p:stCondLst>
-                                  <p:childTnLst>
-                                    <p:set>
-                                      <p:cBhvr>
-                                        <p:cTn id="18" dur="1" fill="hold">
-                                          <p:stCondLst>
-                                            <p:cond delay="0"/>
-                                          </p:stCondLst>
-                                        </p:cTn>
-                                        <p:tgtEl>
-                                          <p:spTgt spid="8"/>
-                                        </p:tgtEl>
-                                        <p:attrNameLst>
-                                          <p:attrName>style.visibility</p:attrName>
-                                        </p:attrNameLst>
-                                      </p:cBhvr>
-                                      <p:to>
-                                        <p:strVal val="visible"/>
-                                      </p:to>
-                                    </p:set>
-                                  </p:childTnLst>
-                                </p:cTn>
-                              </p:par>
-                            </p:childTnLst>
-                          </p:cTn>
-                        </p:par>
-                      </p:childTnLst>
-                    </p:cTn>
-                  </p:par>
-                </p:childTnLst>
-              </p:cTn>
-              <p:prevCondLst>
-                <p:cond evt="onPrev" delay="0">
-                  <p:tgtEl>
-                    <p:sldTgt/>
-                  </p:tgtEl>
-                </p:cond>
-              </p:prevCondLst>
-              <p:nextCondLst>
-                <p:cond evt="onNext" delay="0">
-                  <p:tgtEl>
-                    <p:sldTgt/>
-                  </p:tgtEl>
-                </p:cond>
-              </p:nextCondLst>
-            </p:seq>
-          </p:childTnLst>
-        </p:cTn>
-      </p:par>
-    </p:tnLst>
-    <p:bldLst>
-      <p:bldP spid="5" grpId="0"/>
-      <p:bldP spid="6" grpId="0"/>
-      <p:bldP spid="7" grpId="0"/>
-      <p:bldP spid="8" grpId="0"/>
-    </p:bldLst>
-  </p:timing>
-</p:sld>
-</file>
-
-<file path=ppt/slides/slide13.xml><?xml version="1.0" encoding="utf-8"?>
-<p:sld xmlns:a="http://schemas.openxmlformats.org/drawingml/2006/main" xmlns:r="http://schemas.openxmlformats.org/officeDocument/2006/relationships" xmlns:p="http://schemas.openxmlformats.org/presentationml/2006/main">
-  <p:cSld>
-    <p:spTree>
-      <p:nvGrpSpPr>
-        <p:cNvPr id="1" name=""/>
-        <p:cNvGrpSpPr/>
-        <p:nvPr/>
-      </p:nvGrpSpPr>
-      <p:grpSpPr>
-        <a:xfrm>
-          <a:off x="0" y="0"/>
-          <a:ext cx="0" cy="0"/>
-          <a:chOff x="0" y="0"/>
-          <a:chExt cx="0" cy="0"/>
-        </a:xfrm>
-      </p:grpSpPr>
-      <p:sp>
-        <p:nvSpPr>
           <p:cNvPr id="2" name="Title 1"/>
           <p:cNvSpPr>
             <a:spLocks noGrp="1"/>
@@ -6783,7 +6011,7 @@
 </p:sld>
 </file>
 
-<file path=ppt/slides/slide14.xml><?xml version="1.0" encoding="utf-8"?>
+<file path=ppt/slides/slide13.xml><?xml version="1.0" encoding="utf-8"?>
 <p:sld xmlns:a="http://schemas.openxmlformats.org/drawingml/2006/main" xmlns:r="http://schemas.openxmlformats.org/officeDocument/2006/relationships" xmlns:p="http://schemas.openxmlformats.org/presentationml/2006/main">
   <p:cSld>
     <p:spTree>
@@ -10000,8 +9228,8 @@
           </a:p>
         </p:txBody>
       </p:sp>
-      <mc:AlternateContent xmlns:mc="http://schemas.openxmlformats.org/markup-compatibility/2006">
-        <mc:Choice xmlns:a14="http://schemas.microsoft.com/office/drawing/2010/main" Requires="a14">
+      <mc:AlternateContent xmlns:mc="http://schemas.openxmlformats.org/markup-compatibility/2006" xmlns:a14="http://schemas.microsoft.com/office/drawing/2010/main">
+        <mc:Choice Requires="a14">
           <p:sp>
             <p:nvSpPr>
               <p:cNvPr id="5" name="3 CuadroTexto"/>
@@ -10141,7 +9369,7 @@
             </p:txBody>
           </p:sp>
         </mc:Choice>
-        <mc:Fallback>
+        <mc:Fallback xmlns="">
           <p:sp>
             <p:nvSpPr>
               <p:cNvPr id="5" name="3 CuadroTexto"/>
@@ -10258,8 +9486,8 @@
           </a:p>
         </p:txBody>
       </p:sp>
-      <mc:AlternateContent xmlns:mc="http://schemas.openxmlformats.org/markup-compatibility/2006">
-        <mc:Choice xmlns:a14="http://schemas.microsoft.com/office/drawing/2010/main" Requires="a14">
+      <mc:AlternateContent xmlns:mc="http://schemas.openxmlformats.org/markup-compatibility/2006" xmlns:a14="http://schemas.microsoft.com/office/drawing/2010/main">
+        <mc:Choice Requires="a14">
           <p:sp>
             <p:nvSpPr>
               <p:cNvPr id="9" name="3 CuadroTexto"/>
@@ -10356,7 +9584,7 @@
             </p:txBody>
           </p:sp>
         </mc:Choice>
-        <mc:Fallback>
+        <mc:Fallback xmlns="">
           <p:sp>
             <p:nvSpPr>
               <p:cNvPr id="9" name="3 CuadroTexto"/>
@@ -13766,12 +12994,9 @@
 </file>
 
 <file path=customXml/item1.xml><?xml version="1.0" encoding="utf-8"?>
-<?mso-contentType ?>
-<FormTemplates xmlns="http://schemas.microsoft.com/sharepoint/v3/contenttype/forms">
-  <Display>DocumentLibraryForm</Display>
-  <Edit>DocumentLibraryForm</Edit>
-  <New>DocumentLibraryForm</New>
-</FormTemplates>
+<p:properties xmlns:p="http://schemas.microsoft.com/office/2006/metadata/properties" xmlns:xsi="http://www.w3.org/2001/XMLSchema-instance" xmlns:pc="http://schemas.microsoft.com/office/infopath/2007/PartnerControls">
+  <documentManagement/>
+</p:properties>
 </file>
 
 <file path=customXml/item2.xml><?xml version="1.0" encoding="utf-8"?>
@@ -13915,15 +13140,26 @@
 </file>
 
 <file path=customXml/item3.xml><?xml version="1.0" encoding="utf-8"?>
-<p:properties xmlns:p="http://schemas.microsoft.com/office/2006/metadata/properties" xmlns:xsi="http://www.w3.org/2001/XMLSchema-instance" xmlns:pc="http://schemas.microsoft.com/office/infopath/2007/PartnerControls">
-  <documentManagement/>
-</p:properties>
+<?mso-contentType ?>
+<FormTemplates xmlns="http://schemas.microsoft.com/sharepoint/v3/contenttype/forms">
+  <Display>DocumentLibraryForm</Display>
+  <Edit>DocumentLibraryForm</Edit>
+  <New>DocumentLibraryForm</New>
+</FormTemplates>
 </file>
 
 <file path=customXml/itemProps1.xml><?xml version="1.0" encoding="utf-8"?>
-<ds:datastoreItem xmlns:ds="http://schemas.openxmlformats.org/officeDocument/2006/customXml" ds:itemID="{EEBA3B76-3FFC-4548-9519-2B19BE5B9D9E}">
+<ds:datastoreItem xmlns:ds="http://schemas.openxmlformats.org/officeDocument/2006/customXml" ds:itemID="{31326E29-B62B-4780-9A15-03CA2FAE3FB5}">
   <ds:schemaRefs>
-    <ds:schemaRef ds:uri="http://schemas.microsoft.com/sharepoint/v3/contenttype/forms"/>
+    <ds:schemaRef ds:uri="http://www.w3.org/XML/1998/namespace"/>
+    <ds:schemaRef ds:uri="http://purl.org/dc/dcmitype/"/>
+    <ds:schemaRef ds:uri="http://schemas.microsoft.com/office/2006/documentManagement/types"/>
+    <ds:schemaRef ds:uri="http://schemas.openxmlformats.org/package/2006/metadata/core-properties"/>
+    <ds:schemaRef ds:uri="http://purl.org/dc/elements/1.1/"/>
+    <ds:schemaRef ds:uri="http://purl.org/dc/terms/"/>
+    <ds:schemaRef ds:uri="http://schemas.microsoft.com/office/infopath/2007/PartnerControls"/>
+    <ds:schemaRef ds:uri="e8d75344-758f-4099-8b96-254d9b2933f5"/>
+    <ds:schemaRef ds:uri="http://schemas.microsoft.com/office/2006/metadata/properties"/>
   </ds:schemaRefs>
 </ds:datastoreItem>
 </file>
@@ -13947,17 +13183,9 @@
 </file>
 
 <file path=customXml/itemProps3.xml><?xml version="1.0" encoding="utf-8"?>
-<ds:datastoreItem xmlns:ds="http://schemas.openxmlformats.org/officeDocument/2006/customXml" ds:itemID="{31326E29-B62B-4780-9A15-03CA2FAE3FB5}">
+<ds:datastoreItem xmlns:ds="http://schemas.openxmlformats.org/officeDocument/2006/customXml" ds:itemID="{EEBA3B76-3FFC-4548-9519-2B19BE5B9D9E}">
   <ds:schemaRefs>
-    <ds:schemaRef ds:uri="http://schemas.openxmlformats.org/package/2006/metadata/core-properties"/>
-    <ds:schemaRef ds:uri="http://purl.org/dc/elements/1.1/"/>
-    <ds:schemaRef ds:uri="http://www.w3.org/XML/1998/namespace"/>
-    <ds:schemaRef ds:uri="e8d75344-758f-4099-8b96-254d9b2933f5"/>
-    <ds:schemaRef ds:uri="http://purl.org/dc/terms/"/>
-    <ds:schemaRef ds:uri="http://schemas.microsoft.com/office/2006/documentManagement/types"/>
-    <ds:schemaRef ds:uri="http://schemas.microsoft.com/office/infopath/2007/PartnerControls"/>
-    <ds:schemaRef ds:uri="http://schemas.microsoft.com/office/2006/metadata/properties"/>
-    <ds:schemaRef ds:uri="http://purl.org/dc/dcmitype/"/>
+    <ds:schemaRef ds:uri="http://schemas.microsoft.com/sharepoint/v3/contenttype/forms"/>
   </ds:schemaRefs>
 </ds:datastoreItem>
 </file>